--- a/Slides.pptx
+++ b/Slides.pptx
@@ -16,10 +16,17 @@
     <p:sldId id="263" r:id="rId10"/>
     <p:sldId id="264" r:id="rId11"/>
     <p:sldId id="270" r:id="rId12"/>
-    <p:sldId id="269" r:id="rId13"/>
-    <p:sldId id="268" r:id="rId14"/>
-    <p:sldId id="267" r:id="rId15"/>
-    <p:sldId id="266" r:id="rId16"/>
+    <p:sldId id="271" r:id="rId13"/>
+    <p:sldId id="272" r:id="rId14"/>
+    <p:sldId id="269" r:id="rId15"/>
+    <p:sldId id="268" r:id="rId16"/>
+    <p:sldId id="267" r:id="rId17"/>
+    <p:sldId id="266" r:id="rId18"/>
+    <p:sldId id="277" r:id="rId19"/>
+    <p:sldId id="275" r:id="rId20"/>
+    <p:sldId id="278" r:id="rId21"/>
+    <p:sldId id="279" r:id="rId22"/>
+    <p:sldId id="280" r:id="rId23"/>
   </p:sldIdLst>
   <p:sldSz cx="9144000" cy="6858000" type="screen4x3"/>
   <p:notesSz cx="6858000" cy="9144000"/>
@@ -322,7 +329,7 @@
           <a:p>
             <a:fld id="{342B3B88-14E2-4D32-89A0-22D2C298015E}" type="datetimeFigureOut">
               <a:rPr lang="nl-BE" smtClean="0"/>
-              <a:t>21/11/2018</a:t>
+              <a:t>22/11/2018</a:t>
             </a:fld>
             <a:endParaRPr lang="nl-BE"/>
           </a:p>
@@ -620,7 +627,7 @@
           <a:p>
             <a:fld id="{342B3B88-14E2-4D32-89A0-22D2C298015E}" type="datetimeFigureOut">
               <a:rPr lang="nl-BE" smtClean="0"/>
-              <a:t>21/11/2018</a:t>
+              <a:t>22/11/2018</a:t>
             </a:fld>
             <a:endParaRPr lang="nl-BE"/>
           </a:p>
@@ -812,7 +819,7 @@
           <a:p>
             <a:fld id="{342B3B88-14E2-4D32-89A0-22D2C298015E}" type="datetimeFigureOut">
               <a:rPr lang="nl-BE" smtClean="0"/>
-              <a:t>21/11/2018</a:t>
+              <a:t>22/11/2018</a:t>
             </a:fld>
             <a:endParaRPr lang="nl-BE"/>
           </a:p>
@@ -1073,7 +1080,7 @@
           <a:p>
             <a:fld id="{342B3B88-14E2-4D32-89A0-22D2C298015E}" type="datetimeFigureOut">
               <a:rPr lang="nl-BE" smtClean="0"/>
-              <a:t>21/11/2018</a:t>
+              <a:t>22/11/2018</a:t>
             </a:fld>
             <a:endParaRPr lang="nl-BE"/>
           </a:p>
@@ -1497,7 +1504,7 @@
           <a:p>
             <a:fld id="{342B3B88-14E2-4D32-89A0-22D2C298015E}" type="datetimeFigureOut">
               <a:rPr lang="nl-BE" smtClean="0"/>
-              <a:t>21/11/2018</a:t>
+              <a:t>22/11/2018</a:t>
             </a:fld>
             <a:endParaRPr lang="nl-BE"/>
           </a:p>
@@ -2034,7 +2041,7 @@
           <a:p>
             <a:fld id="{342B3B88-14E2-4D32-89A0-22D2C298015E}" type="datetimeFigureOut">
               <a:rPr lang="nl-BE" smtClean="0"/>
-              <a:t>21/11/2018</a:t>
+              <a:t>22/11/2018</a:t>
             </a:fld>
             <a:endParaRPr lang="nl-BE"/>
           </a:p>
@@ -2898,7 +2905,7 @@
           <a:p>
             <a:fld id="{342B3B88-14E2-4D32-89A0-22D2C298015E}" type="datetimeFigureOut">
               <a:rPr lang="nl-BE" smtClean="0"/>
-              <a:t>21/11/2018</a:t>
+              <a:t>22/11/2018</a:t>
             </a:fld>
             <a:endParaRPr lang="nl-BE"/>
           </a:p>
@@ -3068,7 +3075,7 @@
           <a:p>
             <a:fld id="{342B3B88-14E2-4D32-89A0-22D2C298015E}" type="datetimeFigureOut">
               <a:rPr lang="nl-BE" smtClean="0"/>
-              <a:t>21/11/2018</a:t>
+              <a:t>22/11/2018</a:t>
             </a:fld>
             <a:endParaRPr lang="nl-BE"/>
           </a:p>
@@ -3252,7 +3259,7 @@
           <a:p>
             <a:fld id="{342B3B88-14E2-4D32-89A0-22D2C298015E}" type="datetimeFigureOut">
               <a:rPr lang="nl-BE" smtClean="0"/>
-              <a:t>21/11/2018</a:t>
+              <a:t>22/11/2018</a:t>
             </a:fld>
             <a:endParaRPr lang="nl-BE"/>
           </a:p>
@@ -3422,7 +3429,7 @@
           <a:p>
             <a:fld id="{342B3B88-14E2-4D32-89A0-22D2C298015E}" type="datetimeFigureOut">
               <a:rPr lang="nl-BE" smtClean="0"/>
-              <a:t>21/11/2018</a:t>
+              <a:t>22/11/2018</a:t>
             </a:fld>
             <a:endParaRPr lang="nl-BE"/>
           </a:p>
@@ -3666,7 +3673,7 @@
           <a:p>
             <a:fld id="{342B3B88-14E2-4D32-89A0-22D2C298015E}" type="datetimeFigureOut">
               <a:rPr lang="nl-BE" smtClean="0"/>
-              <a:t>21/11/2018</a:t>
+              <a:t>22/11/2018</a:t>
             </a:fld>
             <a:endParaRPr lang="nl-BE"/>
           </a:p>
@@ -3902,7 +3909,7 @@
           <a:p>
             <a:fld id="{342B3B88-14E2-4D32-89A0-22D2C298015E}" type="datetimeFigureOut">
               <a:rPr lang="nl-BE" smtClean="0"/>
-              <a:t>21/11/2018</a:t>
+              <a:t>22/11/2018</a:t>
             </a:fld>
             <a:endParaRPr lang="nl-BE"/>
           </a:p>
@@ -4368,7 +4375,7 @@
           <a:p>
             <a:fld id="{342B3B88-14E2-4D32-89A0-22D2C298015E}" type="datetimeFigureOut">
               <a:rPr lang="nl-BE" smtClean="0"/>
-              <a:t>21/11/2018</a:t>
+              <a:t>22/11/2018</a:t>
             </a:fld>
             <a:endParaRPr lang="nl-BE"/>
           </a:p>
@@ -4486,7 +4493,7 @@
           <a:p>
             <a:fld id="{342B3B88-14E2-4D32-89A0-22D2C298015E}" type="datetimeFigureOut">
               <a:rPr lang="nl-BE" smtClean="0"/>
-              <a:t>21/11/2018</a:t>
+              <a:t>22/11/2018</a:t>
             </a:fld>
             <a:endParaRPr lang="nl-BE"/>
           </a:p>
@@ -4581,7 +4588,7 @@
           <a:p>
             <a:fld id="{342B3B88-14E2-4D32-89A0-22D2C298015E}" type="datetimeFigureOut">
               <a:rPr lang="nl-BE" smtClean="0"/>
-              <a:t>21/11/2018</a:t>
+              <a:t>22/11/2018</a:t>
             </a:fld>
             <a:endParaRPr lang="nl-BE"/>
           </a:p>
@@ -4836,7 +4843,7 @@
           <a:p>
             <a:fld id="{342B3B88-14E2-4D32-89A0-22D2C298015E}" type="datetimeFigureOut">
               <a:rPr lang="nl-BE" smtClean="0"/>
-              <a:t>21/11/2018</a:t>
+              <a:t>22/11/2018</a:t>
             </a:fld>
             <a:endParaRPr lang="nl-BE"/>
           </a:p>
@@ -5136,7 +5143,7 @@
           <a:p>
             <a:fld id="{342B3B88-14E2-4D32-89A0-22D2C298015E}" type="datetimeFigureOut">
               <a:rPr lang="nl-BE" smtClean="0"/>
-              <a:t>21/11/2018</a:t>
+              <a:t>22/11/2018</a:t>
             </a:fld>
             <a:endParaRPr lang="nl-BE"/>
           </a:p>
@@ -5370,7 +5377,7 @@
           <a:p>
             <a:fld id="{342B3B88-14E2-4D32-89A0-22D2C298015E}" type="datetimeFigureOut">
               <a:rPr lang="nl-BE" smtClean="0"/>
-              <a:t>21/11/2018</a:t>
+              <a:t>22/11/2018</a:t>
             </a:fld>
             <a:endParaRPr lang="nl-BE"/>
           </a:p>
@@ -6727,7 +6734,7 @@
           <a:p>
             <a:r>
               <a:rPr lang="nl-BE" dirty="0"/>
-              <a:t>Outro</a:t>
+              <a:t>ECMAScript 2018</a:t>
             </a:r>
           </a:p>
         </p:txBody>
@@ -6742,14 +6749,19 @@
             <p:ph idx="1"/>
           </p:nvPr>
         </p:nvSpPr>
-        <p:spPr/>
+        <p:spPr>
+          <a:xfrm>
+            <a:off x="685346" y="1732451"/>
+            <a:ext cx="7765322" cy="616429"/>
+          </a:xfrm>
+        </p:spPr>
         <p:txBody>
           <a:bodyPr/>
           <a:lstStyle/>
           <a:p>
             <a:r>
               <a:rPr lang="nl-BE" dirty="0"/>
-              <a:t>Questions?</a:t>
+              <a:t>Promise.prototype.finally</a:t>
             </a:r>
           </a:p>
           <a:p>
@@ -6772,6 +6784,8867 @@
               <a:buNone/>
             </a:pPr>
             <a:endParaRPr lang="nl-BE" dirty="0"/>
+          </a:p>
+        </p:txBody>
+      </p:sp>
+      <p:pic>
+        <p:nvPicPr>
+          <p:cNvPr id="5" name="Picture 4">
+            <a:extLst>
+              <a:ext uri="{FF2B5EF4-FFF2-40B4-BE49-F238E27FC236}">
+                <a16:creationId xmlns:a16="http://schemas.microsoft.com/office/drawing/2014/main" id="{560CF881-EE5E-4E9B-A632-637577B35D56}"/>
+              </a:ext>
+            </a:extLst>
+          </p:cNvPr>
+          <p:cNvPicPr>
+            <a:picLocks noChangeAspect="1"/>
+          </p:cNvPicPr>
+          <p:nvPr/>
+        </p:nvPicPr>
+        <p:blipFill>
+          <a:blip r:embed="rId2" cstate="print">
+            <a:extLst>
+              <a:ext uri="{28A0092B-C50C-407E-A947-70E740481C1C}">
+                <a14:useLocalDpi xmlns:a14="http://schemas.microsoft.com/office/drawing/2010/main" val="0"/>
+              </a:ext>
+            </a:extLst>
+          </a:blip>
+          <a:stretch>
+            <a:fillRect/>
+          </a:stretch>
+        </p:blipFill>
+        <p:spPr>
+          <a:xfrm>
+            <a:off x="7596336" y="187735"/>
+            <a:ext cx="1370401" cy="1544715"/>
+          </a:xfrm>
+          <a:prstGeom prst="rect">
+            <a:avLst/>
+          </a:prstGeom>
+        </p:spPr>
+      </p:pic>
+      <p:sp>
+        <p:nvSpPr>
+          <p:cNvPr id="6" name="Content Placeholder 2">
+            <a:extLst>
+              <a:ext uri="{FF2B5EF4-FFF2-40B4-BE49-F238E27FC236}">
+                <a16:creationId xmlns:a16="http://schemas.microsoft.com/office/drawing/2014/main" id="{DC18D2DE-9036-41ED-8014-676402DB5602}"/>
+              </a:ext>
+            </a:extLst>
+          </p:cNvPr>
+          <p:cNvSpPr txBox="1">
+            <a:spLocks/>
+          </p:cNvSpPr>
+          <p:nvPr/>
+        </p:nvSpPr>
+        <p:spPr>
+          <a:xfrm>
+            <a:off x="710094" y="2193066"/>
+            <a:ext cx="7765322" cy="616429"/>
+          </a:xfrm>
+          <a:prstGeom prst="rect">
+            <a:avLst/>
+          </a:prstGeom>
+          <a:effectLst>
+            <a:outerShdw blurRad="25400" dir="17880000">
+              <a:srgbClr val="000000">
+                <a:alpha val="46000"/>
+              </a:srgbClr>
+            </a:outerShdw>
+          </a:effectLst>
+        </p:spPr>
+        <p:txBody>
+          <a:bodyPr vert="horz" lIns="91440" tIns="45720" rIns="91440" bIns="45720" rtlCol="0" anchor="t">
+            <a:normAutofit/>
+          </a:bodyPr>
+          <a:lstStyle>
+            <a:lvl1pPr marL="342900" indent="-306000" algn="l" defTabSz="457200" rtl="0" eaLnBrk="1" latinLnBrk="0" hangingPunct="1">
+              <a:spcBef>
+                <a:spcPct val="20000"/>
+              </a:spcBef>
+              <a:spcAft>
+                <a:spcPts val="600"/>
+              </a:spcAft>
+              <a:buClr>
+                <a:schemeClr val="tx2"/>
+              </a:buClr>
+              <a:buSzPct val="70000"/>
+              <a:buFont typeface="Wingdings 2" charset="2"/>
+              <a:buChar char=""/>
+              <a:defRPr sz="2000" kern="1200">
+                <a:ln>
+                  <a:solidFill>
+                    <a:schemeClr val="bg1">
+                      <a:lumMod val="75000"/>
+                      <a:lumOff val="25000"/>
+                      <a:alpha val="10000"/>
+                    </a:schemeClr>
+                  </a:solidFill>
+                </a:ln>
+                <a:solidFill>
+                  <a:schemeClr val="tx2"/>
+                </a:solidFill>
+                <a:effectLst>
+                  <a:outerShdw blurRad="9525" dist="25400" dir="14640000" algn="tl" rotWithShape="0">
+                    <a:schemeClr val="bg1">
+                      <a:alpha val="30000"/>
+                    </a:schemeClr>
+                  </a:outerShdw>
+                </a:effectLst>
+                <a:latin typeface="+mn-lt"/>
+                <a:ea typeface="+mn-ea"/>
+                <a:cs typeface="+mn-cs"/>
+              </a:defRPr>
+            </a:lvl1pPr>
+            <a:lvl2pPr marL="720000" indent="-270000" algn="l" defTabSz="457200" rtl="0" eaLnBrk="1" latinLnBrk="0" hangingPunct="1">
+              <a:spcBef>
+                <a:spcPct val="20000"/>
+              </a:spcBef>
+              <a:spcAft>
+                <a:spcPts val="600"/>
+              </a:spcAft>
+              <a:buClr>
+                <a:schemeClr val="tx2"/>
+              </a:buClr>
+              <a:buSzPct val="70000"/>
+              <a:buFont typeface="Wingdings 2" charset="2"/>
+              <a:buChar char=""/>
+              <a:defRPr sz="1800" kern="1200">
+                <a:ln>
+                  <a:solidFill>
+                    <a:schemeClr val="bg1">
+                      <a:lumMod val="75000"/>
+                      <a:lumOff val="25000"/>
+                      <a:alpha val="10000"/>
+                    </a:schemeClr>
+                  </a:solidFill>
+                </a:ln>
+                <a:solidFill>
+                  <a:schemeClr val="tx2"/>
+                </a:solidFill>
+                <a:effectLst>
+                  <a:outerShdw blurRad="9525" dist="25400" dir="14640000" algn="tl" rotWithShape="0">
+                    <a:schemeClr val="bg1">
+                      <a:alpha val="30000"/>
+                    </a:schemeClr>
+                  </a:outerShdw>
+                </a:effectLst>
+                <a:latin typeface="+mn-lt"/>
+                <a:ea typeface="+mn-ea"/>
+                <a:cs typeface="+mn-cs"/>
+              </a:defRPr>
+            </a:lvl2pPr>
+            <a:lvl3pPr marL="1026000" indent="-216000" algn="l" defTabSz="457200" rtl="0" eaLnBrk="1" latinLnBrk="0" hangingPunct="1">
+              <a:spcBef>
+                <a:spcPct val="20000"/>
+              </a:spcBef>
+              <a:spcAft>
+                <a:spcPts val="600"/>
+              </a:spcAft>
+              <a:buClr>
+                <a:schemeClr val="tx2"/>
+              </a:buClr>
+              <a:buSzPct val="70000"/>
+              <a:buFont typeface="Wingdings 2" charset="2"/>
+              <a:buChar char=""/>
+              <a:defRPr sz="1600" kern="1200">
+                <a:ln>
+                  <a:solidFill>
+                    <a:schemeClr val="bg1">
+                      <a:lumMod val="75000"/>
+                      <a:lumOff val="25000"/>
+                      <a:alpha val="10000"/>
+                    </a:schemeClr>
+                  </a:solidFill>
+                </a:ln>
+                <a:solidFill>
+                  <a:schemeClr val="tx2"/>
+                </a:solidFill>
+                <a:effectLst>
+                  <a:outerShdw blurRad="9525" dist="25400" dir="14640000" algn="tl" rotWithShape="0">
+                    <a:schemeClr val="bg1">
+                      <a:alpha val="30000"/>
+                    </a:schemeClr>
+                  </a:outerShdw>
+                </a:effectLst>
+                <a:latin typeface="+mn-lt"/>
+                <a:ea typeface="+mn-ea"/>
+                <a:cs typeface="+mn-cs"/>
+              </a:defRPr>
+            </a:lvl3pPr>
+            <a:lvl4pPr marL="1386000" indent="-216000" algn="l" defTabSz="457200" rtl="0" eaLnBrk="1" latinLnBrk="0" hangingPunct="1">
+              <a:spcBef>
+                <a:spcPct val="20000"/>
+              </a:spcBef>
+              <a:spcAft>
+                <a:spcPts val="600"/>
+              </a:spcAft>
+              <a:buClr>
+                <a:schemeClr val="tx2"/>
+              </a:buClr>
+              <a:buSzPct val="70000"/>
+              <a:buFont typeface="Wingdings 2" charset="2"/>
+              <a:buChar char=""/>
+              <a:defRPr sz="1400" kern="1200">
+                <a:ln>
+                  <a:solidFill>
+                    <a:schemeClr val="bg1">
+                      <a:lumMod val="75000"/>
+                      <a:lumOff val="25000"/>
+                      <a:alpha val="10000"/>
+                    </a:schemeClr>
+                  </a:solidFill>
+                </a:ln>
+                <a:solidFill>
+                  <a:schemeClr val="tx2"/>
+                </a:solidFill>
+                <a:effectLst>
+                  <a:outerShdw blurRad="9525" dist="25400" dir="14640000" algn="tl" rotWithShape="0">
+                    <a:schemeClr val="bg1">
+                      <a:alpha val="30000"/>
+                    </a:schemeClr>
+                  </a:outerShdw>
+                </a:effectLst>
+                <a:latin typeface="+mn-lt"/>
+                <a:ea typeface="+mn-ea"/>
+                <a:cs typeface="+mn-cs"/>
+              </a:defRPr>
+            </a:lvl4pPr>
+            <a:lvl5pPr marL="1674000" indent="-216000" algn="l" defTabSz="457200" rtl="0" eaLnBrk="1" latinLnBrk="0" hangingPunct="1">
+              <a:spcBef>
+                <a:spcPct val="20000"/>
+              </a:spcBef>
+              <a:spcAft>
+                <a:spcPts val="600"/>
+              </a:spcAft>
+              <a:buClr>
+                <a:schemeClr val="tx2"/>
+              </a:buClr>
+              <a:buSzPct val="70000"/>
+              <a:buFont typeface="Wingdings 2" charset="2"/>
+              <a:buChar char=""/>
+              <a:defRPr sz="1400" kern="1200">
+                <a:ln>
+                  <a:solidFill>
+                    <a:schemeClr val="bg1">
+                      <a:lumMod val="75000"/>
+                      <a:lumOff val="25000"/>
+                      <a:alpha val="10000"/>
+                    </a:schemeClr>
+                  </a:solidFill>
+                </a:ln>
+                <a:solidFill>
+                  <a:schemeClr val="tx2"/>
+                </a:solidFill>
+                <a:effectLst>
+                  <a:outerShdw blurRad="9525" dist="25400" dir="14640000" algn="tl" rotWithShape="0">
+                    <a:schemeClr val="bg1">
+                      <a:alpha val="30000"/>
+                    </a:schemeClr>
+                  </a:outerShdw>
+                </a:effectLst>
+                <a:latin typeface="+mn-lt"/>
+                <a:ea typeface="+mn-ea"/>
+                <a:cs typeface="+mn-cs"/>
+              </a:defRPr>
+            </a:lvl5pPr>
+            <a:lvl6pPr marL="2014600" indent="-228600" algn="l" defTabSz="457200" rtl="0" eaLnBrk="1" latinLnBrk="0" hangingPunct="1">
+              <a:spcBef>
+                <a:spcPct val="20000"/>
+              </a:spcBef>
+              <a:spcAft>
+                <a:spcPts val="600"/>
+              </a:spcAft>
+              <a:buClr>
+                <a:schemeClr val="tx2"/>
+              </a:buClr>
+              <a:buSzPct val="70000"/>
+              <a:buFont typeface="Wingdings 2" charset="2"/>
+              <a:buChar char=""/>
+              <a:defRPr sz="1400" kern="1200">
+                <a:ln>
+                  <a:solidFill>
+                    <a:schemeClr val="bg1">
+                      <a:lumMod val="75000"/>
+                      <a:lumOff val="25000"/>
+                      <a:alpha val="10000"/>
+                    </a:schemeClr>
+                  </a:solidFill>
+                </a:ln>
+                <a:solidFill>
+                  <a:schemeClr val="tx2"/>
+                </a:solidFill>
+                <a:effectLst>
+                  <a:outerShdw blurRad="9525" dist="25400" dir="14640000" algn="tl" rotWithShape="0">
+                    <a:schemeClr val="bg1">
+                      <a:alpha val="30000"/>
+                    </a:schemeClr>
+                  </a:outerShdw>
+                </a:effectLst>
+                <a:latin typeface="+mn-lt"/>
+                <a:ea typeface="+mn-ea"/>
+                <a:cs typeface="+mn-cs"/>
+              </a:defRPr>
+            </a:lvl6pPr>
+            <a:lvl7pPr marL="2401800" indent="-228600" algn="l" defTabSz="457200" rtl="0" eaLnBrk="1" latinLnBrk="0" hangingPunct="1">
+              <a:spcBef>
+                <a:spcPct val="20000"/>
+              </a:spcBef>
+              <a:spcAft>
+                <a:spcPts val="600"/>
+              </a:spcAft>
+              <a:buClr>
+                <a:schemeClr val="tx2"/>
+              </a:buClr>
+              <a:buSzPct val="70000"/>
+              <a:buFont typeface="Wingdings 2" charset="2"/>
+              <a:buChar char=""/>
+              <a:defRPr sz="1400" kern="1200">
+                <a:ln>
+                  <a:solidFill>
+                    <a:schemeClr val="bg1">
+                      <a:lumMod val="75000"/>
+                      <a:lumOff val="25000"/>
+                      <a:alpha val="10000"/>
+                    </a:schemeClr>
+                  </a:solidFill>
+                </a:ln>
+                <a:solidFill>
+                  <a:schemeClr val="tx2"/>
+                </a:solidFill>
+                <a:effectLst>
+                  <a:outerShdw blurRad="9525" dist="25400" dir="14640000" algn="tl" rotWithShape="0">
+                    <a:schemeClr val="bg1">
+                      <a:alpha val="30000"/>
+                    </a:schemeClr>
+                  </a:outerShdw>
+                </a:effectLst>
+                <a:latin typeface="+mn-lt"/>
+                <a:ea typeface="+mn-ea"/>
+                <a:cs typeface="+mn-cs"/>
+              </a:defRPr>
+            </a:lvl7pPr>
+            <a:lvl8pPr marL="2789000" indent="-228600" algn="l" defTabSz="457200" rtl="0" eaLnBrk="1" latinLnBrk="0" hangingPunct="1">
+              <a:spcBef>
+                <a:spcPct val="20000"/>
+              </a:spcBef>
+              <a:spcAft>
+                <a:spcPts val="600"/>
+              </a:spcAft>
+              <a:buClr>
+                <a:schemeClr val="tx2"/>
+              </a:buClr>
+              <a:buSzPct val="70000"/>
+              <a:buFont typeface="Wingdings 2" charset="2"/>
+              <a:buChar char=""/>
+              <a:defRPr sz="1400" kern="1200">
+                <a:ln>
+                  <a:solidFill>
+                    <a:schemeClr val="bg1">
+                      <a:lumMod val="75000"/>
+                      <a:lumOff val="25000"/>
+                      <a:alpha val="10000"/>
+                    </a:schemeClr>
+                  </a:solidFill>
+                </a:ln>
+                <a:solidFill>
+                  <a:schemeClr val="tx2"/>
+                </a:solidFill>
+                <a:effectLst>
+                  <a:outerShdw blurRad="9525" dist="25400" dir="14640000" algn="tl" rotWithShape="0">
+                    <a:schemeClr val="bg1">
+                      <a:alpha val="30000"/>
+                    </a:schemeClr>
+                  </a:outerShdw>
+                </a:effectLst>
+                <a:latin typeface="+mn-lt"/>
+                <a:ea typeface="+mn-ea"/>
+                <a:cs typeface="+mn-cs"/>
+              </a:defRPr>
+            </a:lvl8pPr>
+            <a:lvl9pPr marL="3106200" indent="-228600" algn="l" defTabSz="457200" rtl="0" eaLnBrk="1" latinLnBrk="0" hangingPunct="1">
+              <a:spcBef>
+                <a:spcPct val="20000"/>
+              </a:spcBef>
+              <a:spcAft>
+                <a:spcPts val="600"/>
+              </a:spcAft>
+              <a:buClr>
+                <a:schemeClr val="tx2"/>
+              </a:buClr>
+              <a:buSzPct val="70000"/>
+              <a:buFont typeface="Wingdings 2" charset="2"/>
+              <a:buChar char=""/>
+              <a:defRPr sz="1400" kern="1200">
+                <a:ln>
+                  <a:solidFill>
+                    <a:schemeClr val="bg1">
+                      <a:lumMod val="75000"/>
+                      <a:lumOff val="25000"/>
+                      <a:alpha val="10000"/>
+                    </a:schemeClr>
+                  </a:solidFill>
+                </a:ln>
+                <a:solidFill>
+                  <a:schemeClr val="tx2"/>
+                </a:solidFill>
+                <a:effectLst>
+                  <a:outerShdw blurRad="9525" dist="25400" dir="14640000" algn="tl" rotWithShape="0">
+                    <a:schemeClr val="bg1">
+                      <a:alpha val="30000"/>
+                    </a:schemeClr>
+                  </a:outerShdw>
+                </a:effectLst>
+                <a:latin typeface="+mn-lt"/>
+                <a:ea typeface="+mn-ea"/>
+                <a:cs typeface="+mn-cs"/>
+              </a:defRPr>
+            </a:lvl9pPr>
+          </a:lstStyle>
+          <a:p>
+            <a:r>
+              <a:rPr lang="nl-BE" dirty="0"/>
+              <a:t>Rest/Spread properties for objects</a:t>
+            </a:r>
+          </a:p>
+          <a:p>
+            <a:pPr marL="45720" indent="0">
+              <a:buFont typeface="Wingdings 2" charset="2"/>
+              <a:buNone/>
+            </a:pPr>
+            <a:endParaRPr lang="nl-BE" dirty="0"/>
+          </a:p>
+        </p:txBody>
+      </p:sp>
+      <p:sp>
+        <p:nvSpPr>
+          <p:cNvPr id="9" name="Rectangle 8">
+            <a:extLst>
+              <a:ext uri="{FF2B5EF4-FFF2-40B4-BE49-F238E27FC236}">
+                <a16:creationId xmlns:a16="http://schemas.microsoft.com/office/drawing/2014/main" id="{BB207051-D93B-4952-B94B-59C9944E97F0}"/>
+              </a:ext>
+            </a:extLst>
+          </p:cNvPr>
+          <p:cNvSpPr/>
+          <p:nvPr/>
+        </p:nvSpPr>
+        <p:spPr>
+          <a:xfrm>
+            <a:off x="1115616" y="2636912"/>
+            <a:ext cx="7488832" cy="1384995"/>
+          </a:xfrm>
+          <a:prstGeom prst="rect">
+            <a:avLst/>
+          </a:prstGeom>
+        </p:spPr>
+        <p:txBody>
+          <a:bodyPr wrap="square">
+            <a:spAutoFit/>
+          </a:bodyPr>
+          <a:lstStyle/>
+          <a:p>
+            <a:r>
+              <a:rPr lang="nl-BE" sz="2400" b="1" dirty="0">
+                <a:solidFill>
+                  <a:srgbClr val="93C763"/>
+                </a:solidFill>
+                <a:latin typeface="Menlo"/>
+              </a:rPr>
+              <a:t>let</a:t>
+            </a:r>
+            <a:r>
+              <a:rPr lang="nl-BE" sz="2400" dirty="0">
+                <a:solidFill>
+                  <a:srgbClr val="E0E2E4"/>
+                </a:solidFill>
+                <a:latin typeface="Menlo"/>
+              </a:rPr>
+              <a:t> {a, b, ...rest} = {a: </a:t>
+            </a:r>
+            <a:r>
+              <a:rPr lang="nl-BE" sz="2400" dirty="0">
+                <a:solidFill>
+                  <a:srgbClr val="FFCD22"/>
+                </a:solidFill>
+                <a:latin typeface="Menlo"/>
+              </a:rPr>
+              <a:t>10</a:t>
+            </a:r>
+            <a:r>
+              <a:rPr lang="nl-BE" sz="2400" dirty="0">
+                <a:solidFill>
+                  <a:srgbClr val="E0E2E4"/>
+                </a:solidFill>
+                <a:latin typeface="Menlo"/>
+              </a:rPr>
+              <a:t>, b: </a:t>
+            </a:r>
+            <a:r>
+              <a:rPr lang="nl-BE" sz="2400" dirty="0">
+                <a:solidFill>
+                  <a:srgbClr val="FFCD22"/>
+                </a:solidFill>
+                <a:latin typeface="Menlo"/>
+              </a:rPr>
+              <a:t>20</a:t>
+            </a:r>
+            <a:r>
+              <a:rPr lang="nl-BE" sz="2400" dirty="0">
+                <a:solidFill>
+                  <a:srgbClr val="E0E2E4"/>
+                </a:solidFill>
+                <a:latin typeface="Menlo"/>
+              </a:rPr>
+              <a:t>, c: </a:t>
+            </a:r>
+            <a:r>
+              <a:rPr lang="nl-BE" sz="2400" dirty="0">
+                <a:solidFill>
+                  <a:srgbClr val="FFCD22"/>
+                </a:solidFill>
+                <a:latin typeface="Menlo"/>
+              </a:rPr>
+              <a:t>30</a:t>
+            </a:r>
+            <a:r>
+              <a:rPr lang="nl-BE" sz="2400" dirty="0">
+                <a:solidFill>
+                  <a:srgbClr val="E0E2E4"/>
+                </a:solidFill>
+                <a:latin typeface="Menlo"/>
+              </a:rPr>
+              <a:t>, d: </a:t>
+            </a:r>
+            <a:r>
+              <a:rPr lang="nl-BE" sz="2400" dirty="0">
+                <a:solidFill>
+                  <a:srgbClr val="FFCD22"/>
+                </a:solidFill>
+                <a:latin typeface="Menlo"/>
+              </a:rPr>
+              <a:t>40</a:t>
+            </a:r>
+            <a:r>
+              <a:rPr lang="nl-BE" sz="2400" dirty="0">
+                <a:solidFill>
+                  <a:srgbClr val="E0E2E4"/>
+                </a:solidFill>
+                <a:latin typeface="Menlo"/>
+              </a:rPr>
+              <a:t>}</a:t>
+            </a:r>
+            <a:br>
+              <a:rPr lang="nl-BE" sz="2400" dirty="0">
+                <a:solidFill>
+                  <a:srgbClr val="E0E2E4"/>
+                </a:solidFill>
+                <a:latin typeface="Menlo"/>
+              </a:rPr>
+            </a:br>
+            <a:r>
+              <a:rPr lang="nl-BE" sz="2400" dirty="0">
+                <a:solidFill>
+                  <a:srgbClr val="818E96"/>
+                </a:solidFill>
+                <a:latin typeface="Menlo"/>
+              </a:rPr>
+              <a:t>// rest = {c: 30, d: 40}</a:t>
+            </a:r>
+            <a:br>
+              <a:rPr lang="nl-BE" sz="2400" dirty="0">
+                <a:solidFill>
+                  <a:srgbClr val="E0E2E4"/>
+                </a:solidFill>
+                <a:latin typeface="Menlo"/>
+              </a:rPr>
+            </a:br>
+            <a:br>
+              <a:rPr lang="nl-BE" dirty="0">
+                <a:solidFill>
+                  <a:srgbClr val="E0E2E4"/>
+                </a:solidFill>
+                <a:latin typeface="Menlo"/>
+              </a:rPr>
+            </a:br>
+            <a:endParaRPr lang="nl-BE" dirty="0"/>
+          </a:p>
+        </p:txBody>
+      </p:sp>
+      <p:sp>
+        <p:nvSpPr>
+          <p:cNvPr id="10" name="Rectangle 9">
+            <a:extLst>
+              <a:ext uri="{FF2B5EF4-FFF2-40B4-BE49-F238E27FC236}">
+                <a16:creationId xmlns:a16="http://schemas.microsoft.com/office/drawing/2014/main" id="{38978FBF-AE35-4E8F-B9ED-15648871EAB3}"/>
+              </a:ext>
+            </a:extLst>
+          </p:cNvPr>
+          <p:cNvSpPr/>
+          <p:nvPr/>
+        </p:nvSpPr>
+        <p:spPr>
+          <a:xfrm>
+            <a:off x="1090500" y="3573016"/>
+            <a:ext cx="7191036" cy="3046988"/>
+          </a:xfrm>
+          <a:prstGeom prst="rect">
+            <a:avLst/>
+          </a:prstGeom>
+        </p:spPr>
+        <p:txBody>
+          <a:bodyPr wrap="square">
+            <a:spAutoFit/>
+          </a:bodyPr>
+          <a:lstStyle/>
+          <a:p>
+            <a:r>
+              <a:rPr lang="nl-BE" sz="2400" b="1" dirty="0">
+                <a:solidFill>
+                  <a:srgbClr val="93C763"/>
+                </a:solidFill>
+                <a:latin typeface="Menlo"/>
+              </a:rPr>
+              <a:t>let</a:t>
+            </a:r>
+            <a:r>
+              <a:rPr lang="nl-BE" sz="2400" dirty="0">
+                <a:solidFill>
+                  <a:srgbClr val="E0E2E4"/>
+                </a:solidFill>
+                <a:latin typeface="Menlo"/>
+              </a:rPr>
+              <a:t> box = {</a:t>
+            </a:r>
+            <a:br>
+              <a:rPr lang="nl-BE" sz="2400" dirty="0">
+                <a:solidFill>
+                  <a:srgbClr val="E0E2E4"/>
+                </a:solidFill>
+                <a:latin typeface="Menlo"/>
+              </a:rPr>
+            </a:br>
+            <a:r>
+              <a:rPr lang="nl-BE" sz="2400" dirty="0">
+                <a:solidFill>
+                  <a:srgbClr val="E0E2E4"/>
+                </a:solidFill>
+                <a:latin typeface="Menlo"/>
+              </a:rPr>
+              <a:t>	pos: {x: </a:t>
+            </a:r>
+            <a:r>
+              <a:rPr lang="nl-BE" sz="2400" dirty="0">
+                <a:solidFill>
+                  <a:srgbClr val="FFCD22"/>
+                </a:solidFill>
+                <a:latin typeface="Menlo"/>
+              </a:rPr>
+              <a:t>0</a:t>
+            </a:r>
+            <a:r>
+              <a:rPr lang="nl-BE" sz="2400" dirty="0">
+                <a:solidFill>
+                  <a:srgbClr val="E0E2E4"/>
+                </a:solidFill>
+                <a:latin typeface="Menlo"/>
+              </a:rPr>
+              <a:t>, y: </a:t>
+            </a:r>
+            <a:r>
+              <a:rPr lang="nl-BE" sz="2400" dirty="0">
+                <a:solidFill>
+                  <a:srgbClr val="FFCD22"/>
+                </a:solidFill>
+                <a:latin typeface="Menlo"/>
+              </a:rPr>
+              <a:t>5</a:t>
+            </a:r>
+            <a:r>
+              <a:rPr lang="nl-BE" sz="2400" dirty="0">
+                <a:solidFill>
+                  <a:srgbClr val="E0E2E4"/>
+                </a:solidFill>
+                <a:latin typeface="Menlo"/>
+              </a:rPr>
+              <a:t>},</a:t>
+            </a:r>
+            <a:br>
+              <a:rPr lang="nl-BE" sz="2400" dirty="0">
+                <a:solidFill>
+                  <a:srgbClr val="E0E2E4"/>
+                </a:solidFill>
+                <a:latin typeface="Menlo"/>
+              </a:rPr>
+            </a:br>
+            <a:r>
+              <a:rPr lang="nl-BE" sz="2400" dirty="0">
+                <a:solidFill>
+                  <a:srgbClr val="E0E2E4"/>
+                </a:solidFill>
+                <a:latin typeface="Menlo"/>
+              </a:rPr>
+              <a:t>	size: {width: </a:t>
+            </a:r>
+            <a:r>
+              <a:rPr lang="nl-BE" sz="2400" dirty="0">
+                <a:solidFill>
+                  <a:srgbClr val="FFCD22"/>
+                </a:solidFill>
+                <a:latin typeface="Menlo"/>
+              </a:rPr>
+              <a:t>100</a:t>
+            </a:r>
+            <a:r>
+              <a:rPr lang="nl-BE" sz="2400" dirty="0">
+                <a:solidFill>
+                  <a:srgbClr val="E0E2E4"/>
+                </a:solidFill>
+                <a:latin typeface="Menlo"/>
+              </a:rPr>
+              <a:t>, height: </a:t>
+            </a:r>
+            <a:r>
+              <a:rPr lang="nl-BE" sz="2400" dirty="0">
+                <a:solidFill>
+                  <a:srgbClr val="FFCD22"/>
+                </a:solidFill>
+                <a:latin typeface="Menlo"/>
+              </a:rPr>
+              <a:t>200</a:t>
+            </a:r>
+            <a:r>
+              <a:rPr lang="nl-BE" sz="2400" dirty="0">
+                <a:solidFill>
+                  <a:srgbClr val="E0E2E4"/>
+                </a:solidFill>
+                <a:latin typeface="Menlo"/>
+              </a:rPr>
+              <a:t>},</a:t>
+            </a:r>
+            <a:br>
+              <a:rPr lang="nl-BE" sz="2400" dirty="0">
+                <a:solidFill>
+                  <a:srgbClr val="E0E2E4"/>
+                </a:solidFill>
+                <a:latin typeface="Menlo"/>
+              </a:rPr>
+            </a:br>
+            <a:r>
+              <a:rPr lang="nl-BE" sz="2400" dirty="0">
+                <a:solidFill>
+                  <a:srgbClr val="E0E2E4"/>
+                </a:solidFill>
+                <a:latin typeface="Menlo"/>
+              </a:rPr>
+              <a:t>	color: </a:t>
+            </a:r>
+            <a:r>
+              <a:rPr lang="nl-BE" sz="2400" dirty="0">
+                <a:solidFill>
+                  <a:srgbClr val="EC7600"/>
+                </a:solidFill>
+                <a:latin typeface="Menlo"/>
+              </a:rPr>
+              <a:t>'red’</a:t>
+            </a:r>
+            <a:br>
+              <a:rPr lang="nl-BE" sz="2400" dirty="0">
+                <a:solidFill>
+                  <a:srgbClr val="EC7600"/>
+                </a:solidFill>
+                <a:latin typeface="Menlo"/>
+              </a:rPr>
+            </a:br>
+            <a:r>
+              <a:rPr lang="nl-BE" sz="2400" dirty="0">
+                <a:solidFill>
+                  <a:srgbClr val="E0E2E4"/>
+                </a:solidFill>
+                <a:latin typeface="Menlo"/>
+              </a:rPr>
+              <a:t>};</a:t>
+            </a:r>
+            <a:br>
+              <a:rPr lang="nl-BE" sz="2400" dirty="0">
+                <a:solidFill>
+                  <a:srgbClr val="E0E2E4"/>
+                </a:solidFill>
+                <a:latin typeface="Menlo"/>
+              </a:rPr>
+            </a:br>
+            <a:r>
+              <a:rPr lang="nl-BE" sz="2400" b="1" dirty="0">
+                <a:solidFill>
+                  <a:srgbClr val="93C763"/>
+                </a:solidFill>
+                <a:latin typeface="Menlo"/>
+              </a:rPr>
+              <a:t>let</a:t>
+            </a:r>
+            <a:r>
+              <a:rPr lang="nl-BE" sz="2400" dirty="0">
+                <a:solidFill>
+                  <a:srgbClr val="E0E2E4"/>
+                </a:solidFill>
+                <a:latin typeface="Menlo"/>
+              </a:rPr>
+              <a:t> {pos: {x, ...justY}, ...sizeAndColor} = box;</a:t>
+            </a:r>
+            <a:br>
+              <a:rPr lang="nl-BE" sz="2400" dirty="0">
+                <a:solidFill>
+                  <a:srgbClr val="E0E2E4"/>
+                </a:solidFill>
+                <a:latin typeface="Menlo"/>
+              </a:rPr>
+            </a:br>
+            <a:r>
+              <a:rPr lang="nl-BE" sz="2400" dirty="0">
+                <a:solidFill>
+                  <a:srgbClr val="818E96"/>
+                </a:solidFill>
+                <a:latin typeface="Menlo"/>
+              </a:rPr>
+              <a:t>// justY = {y: 5}</a:t>
+            </a:r>
+            <a:br>
+              <a:rPr lang="nl-BE" sz="2400" dirty="0">
+                <a:solidFill>
+                  <a:srgbClr val="E0E2E4"/>
+                </a:solidFill>
+                <a:latin typeface="Menlo"/>
+              </a:rPr>
+            </a:br>
+            <a:r>
+              <a:rPr lang="nl-BE" sz="2400" dirty="0">
+                <a:solidFill>
+                  <a:srgbClr val="818E96"/>
+                </a:solidFill>
+                <a:latin typeface="Menlo"/>
+              </a:rPr>
+              <a:t>// sizeAndColor = {size: ..., color: 'red'}</a:t>
+            </a:r>
+            <a:endParaRPr lang="nl-BE" sz="2400" dirty="0"/>
+          </a:p>
+        </p:txBody>
+      </p:sp>
+    </p:spTree>
+    <p:extLst>
+      <p:ext uri="{BB962C8B-B14F-4D97-AF65-F5344CB8AC3E}">
+        <p14:creationId xmlns:p14="http://schemas.microsoft.com/office/powerpoint/2010/main" val="2761897314"/>
+      </p:ext>
+    </p:extLst>
+  </p:cSld>
+  <p:clrMapOvr>
+    <a:masterClrMapping/>
+  </p:clrMapOvr>
+  <p:timing>
+    <p:tnLst>
+      <p:par>
+        <p:cTn id="1" dur="indefinite" restart="never" nodeType="tmRoot">
+          <p:childTnLst>
+            <p:seq concurrent="1" nextAc="seek">
+              <p:cTn id="2" dur="indefinite" nodeType="mainSeq">
+                <p:childTnLst>
+                  <p:par>
+                    <p:cTn id="3" fill="hold">
+                      <p:stCondLst>
+                        <p:cond delay="indefinite"/>
+                      </p:stCondLst>
+                      <p:childTnLst>
+                        <p:par>
+                          <p:cTn id="4" fill="hold">
+                            <p:stCondLst>
+                              <p:cond delay="0"/>
+                            </p:stCondLst>
+                            <p:childTnLst>
+                              <p:par>
+                                <p:cTn id="5" presetID="1" presetClass="entr" presetSubtype="0" fill="hold" grpId="0" nodeType="clickEffect">
+                                  <p:stCondLst>
+                                    <p:cond delay="0"/>
+                                  </p:stCondLst>
+                                  <p:childTnLst>
+                                    <p:set>
+                                      <p:cBhvr>
+                                        <p:cTn id="6" dur="1" fill="hold">
+                                          <p:stCondLst>
+                                            <p:cond delay="0"/>
+                                          </p:stCondLst>
+                                        </p:cTn>
+                                        <p:tgtEl>
+                                          <p:spTgt spid="6"/>
+                                        </p:tgtEl>
+                                        <p:attrNameLst>
+                                          <p:attrName>style.visibility</p:attrName>
+                                        </p:attrNameLst>
+                                      </p:cBhvr>
+                                      <p:to>
+                                        <p:strVal val="visible"/>
+                                      </p:to>
+                                    </p:set>
+                                  </p:childTnLst>
+                                </p:cTn>
+                              </p:par>
+                              <p:par>
+                                <p:cTn id="7" presetID="1" presetClass="entr" presetSubtype="0" fill="hold" grpId="0" nodeType="withEffect">
+                                  <p:stCondLst>
+                                    <p:cond delay="0"/>
+                                  </p:stCondLst>
+                                  <p:childTnLst>
+                                    <p:set>
+                                      <p:cBhvr>
+                                        <p:cTn id="8" dur="1" fill="hold">
+                                          <p:stCondLst>
+                                            <p:cond delay="0"/>
+                                          </p:stCondLst>
+                                        </p:cTn>
+                                        <p:tgtEl>
+                                          <p:spTgt spid="9"/>
+                                        </p:tgtEl>
+                                        <p:attrNameLst>
+                                          <p:attrName>style.visibility</p:attrName>
+                                        </p:attrNameLst>
+                                      </p:cBhvr>
+                                      <p:to>
+                                        <p:strVal val="visible"/>
+                                      </p:to>
+                                    </p:set>
+                                  </p:childTnLst>
+                                </p:cTn>
+                              </p:par>
+                            </p:childTnLst>
+                          </p:cTn>
+                        </p:par>
+                      </p:childTnLst>
+                    </p:cTn>
+                  </p:par>
+                  <p:par>
+                    <p:cTn id="9" fill="hold">
+                      <p:stCondLst>
+                        <p:cond delay="indefinite"/>
+                      </p:stCondLst>
+                      <p:childTnLst>
+                        <p:par>
+                          <p:cTn id="10" fill="hold">
+                            <p:stCondLst>
+                              <p:cond delay="0"/>
+                            </p:stCondLst>
+                            <p:childTnLst>
+                              <p:par>
+                                <p:cTn id="11" presetID="1" presetClass="entr" presetSubtype="0" fill="hold" grpId="0" nodeType="clickEffect">
+                                  <p:stCondLst>
+                                    <p:cond delay="0"/>
+                                  </p:stCondLst>
+                                  <p:childTnLst>
+                                    <p:set>
+                                      <p:cBhvr>
+                                        <p:cTn id="12" dur="1" fill="hold">
+                                          <p:stCondLst>
+                                            <p:cond delay="0"/>
+                                          </p:stCondLst>
+                                        </p:cTn>
+                                        <p:tgtEl>
+                                          <p:spTgt spid="10"/>
+                                        </p:tgtEl>
+                                        <p:attrNameLst>
+                                          <p:attrName>style.visibility</p:attrName>
+                                        </p:attrNameLst>
+                                      </p:cBhvr>
+                                      <p:to>
+                                        <p:strVal val="visible"/>
+                                      </p:to>
+                                    </p:set>
+                                  </p:childTnLst>
+                                </p:cTn>
+                              </p:par>
+                            </p:childTnLst>
+                          </p:cTn>
+                        </p:par>
+                      </p:childTnLst>
+                    </p:cTn>
+                  </p:par>
+                </p:childTnLst>
+              </p:cTn>
+              <p:prevCondLst>
+                <p:cond evt="onPrev" delay="0">
+                  <p:tgtEl>
+                    <p:sldTgt/>
+                  </p:tgtEl>
+                </p:cond>
+              </p:prevCondLst>
+              <p:nextCondLst>
+                <p:cond evt="onNext" delay="0">
+                  <p:tgtEl>
+                    <p:sldTgt/>
+                  </p:tgtEl>
+                </p:cond>
+              </p:nextCondLst>
+            </p:seq>
+          </p:childTnLst>
+        </p:cTn>
+      </p:par>
+    </p:tnLst>
+    <p:bldLst>
+      <p:bldP spid="6" grpId="0"/>
+      <p:bldP spid="9" grpId="0"/>
+      <p:bldP spid="10" grpId="0"/>
+    </p:bldLst>
+  </p:timing>
+</p:sld>
+</file>
+
+<file path=ppt/slides/slide12.xml><?xml version="1.0" encoding="utf-8"?>
+<p:sld xmlns:a="http://schemas.openxmlformats.org/drawingml/2006/main" xmlns:r="http://schemas.openxmlformats.org/officeDocument/2006/relationships" xmlns:p="http://schemas.openxmlformats.org/presentationml/2006/main">
+  <p:cSld>
+    <p:spTree>
+      <p:nvGrpSpPr>
+        <p:cNvPr id="1" name=""/>
+        <p:cNvGrpSpPr/>
+        <p:nvPr/>
+      </p:nvGrpSpPr>
+      <p:grpSpPr>
+        <a:xfrm>
+          <a:off x="0" y="0"/>
+          <a:ext cx="0" cy="0"/>
+          <a:chOff x="0" y="0"/>
+          <a:chExt cx="0" cy="0"/>
+        </a:xfrm>
+      </p:grpSpPr>
+      <p:sp>
+        <p:nvSpPr>
+          <p:cNvPr id="2" name="Title 1"/>
+          <p:cNvSpPr>
+            <a:spLocks noGrp="1"/>
+          </p:cNvSpPr>
+          <p:nvPr>
+            <p:ph type="title"/>
+          </p:nvPr>
+        </p:nvSpPr>
+        <p:spPr>
+          <a:xfrm>
+            <a:off x="685346" y="609600"/>
+            <a:ext cx="6766974" cy="970450"/>
+          </a:xfrm>
+        </p:spPr>
+        <p:txBody>
+          <a:bodyPr/>
+          <a:lstStyle/>
+          <a:p>
+            <a:r>
+              <a:rPr lang="nl-BE" dirty="0"/>
+              <a:t>ECMAScript 2018</a:t>
+            </a:r>
+          </a:p>
+        </p:txBody>
+      </p:sp>
+      <p:pic>
+        <p:nvPicPr>
+          <p:cNvPr id="5" name="Picture 4">
+            <a:extLst>
+              <a:ext uri="{FF2B5EF4-FFF2-40B4-BE49-F238E27FC236}">
+                <a16:creationId xmlns:a16="http://schemas.microsoft.com/office/drawing/2014/main" id="{560CF881-EE5E-4E9B-A632-637577B35D56}"/>
+              </a:ext>
+            </a:extLst>
+          </p:cNvPr>
+          <p:cNvPicPr>
+            <a:picLocks noChangeAspect="1"/>
+          </p:cNvPicPr>
+          <p:nvPr/>
+        </p:nvPicPr>
+        <p:blipFill>
+          <a:blip r:embed="rId2" cstate="print">
+            <a:extLst>
+              <a:ext uri="{28A0092B-C50C-407E-A947-70E740481C1C}">
+                <a14:useLocalDpi xmlns:a14="http://schemas.microsoft.com/office/drawing/2010/main" val="0"/>
+              </a:ext>
+            </a:extLst>
+          </a:blip>
+          <a:stretch>
+            <a:fillRect/>
+          </a:stretch>
+        </p:blipFill>
+        <p:spPr>
+          <a:xfrm>
+            <a:off x="7596336" y="187735"/>
+            <a:ext cx="1370401" cy="1544715"/>
+          </a:xfrm>
+          <a:prstGeom prst="rect">
+            <a:avLst/>
+          </a:prstGeom>
+        </p:spPr>
+      </p:pic>
+      <p:sp>
+        <p:nvSpPr>
+          <p:cNvPr id="7" name="Content Placeholder 2">
+            <a:extLst>
+              <a:ext uri="{FF2B5EF4-FFF2-40B4-BE49-F238E27FC236}">
+                <a16:creationId xmlns:a16="http://schemas.microsoft.com/office/drawing/2014/main" id="{75A56391-1E64-4CCB-B597-1B5AC1F1A008}"/>
+              </a:ext>
+            </a:extLst>
+          </p:cNvPr>
+          <p:cNvSpPr txBox="1">
+            <a:spLocks/>
+          </p:cNvSpPr>
+          <p:nvPr/>
+        </p:nvSpPr>
+        <p:spPr>
+          <a:xfrm>
+            <a:off x="818696" y="1488806"/>
+            <a:ext cx="7765322" cy="487287"/>
+          </a:xfrm>
+          <a:prstGeom prst="rect">
+            <a:avLst/>
+          </a:prstGeom>
+          <a:effectLst>
+            <a:outerShdw blurRad="25400" dir="17880000">
+              <a:srgbClr val="000000">
+                <a:alpha val="46000"/>
+              </a:srgbClr>
+            </a:outerShdw>
+          </a:effectLst>
+        </p:spPr>
+        <p:txBody>
+          <a:bodyPr vert="horz" lIns="91440" tIns="45720" rIns="91440" bIns="45720" rtlCol="0" anchor="t">
+            <a:normAutofit/>
+          </a:bodyPr>
+          <a:lstStyle>
+            <a:lvl1pPr marL="342900" indent="-306000" algn="l" defTabSz="457200" rtl="0" eaLnBrk="1" latinLnBrk="0" hangingPunct="1">
+              <a:spcBef>
+                <a:spcPct val="20000"/>
+              </a:spcBef>
+              <a:spcAft>
+                <a:spcPts val="600"/>
+              </a:spcAft>
+              <a:buClr>
+                <a:schemeClr val="tx2"/>
+              </a:buClr>
+              <a:buSzPct val="70000"/>
+              <a:buFont typeface="Wingdings 2" charset="2"/>
+              <a:buChar char=""/>
+              <a:defRPr sz="2000" kern="1200">
+                <a:ln>
+                  <a:solidFill>
+                    <a:schemeClr val="bg1">
+                      <a:lumMod val="75000"/>
+                      <a:lumOff val="25000"/>
+                      <a:alpha val="10000"/>
+                    </a:schemeClr>
+                  </a:solidFill>
+                </a:ln>
+                <a:solidFill>
+                  <a:schemeClr val="tx2"/>
+                </a:solidFill>
+                <a:effectLst>
+                  <a:outerShdw blurRad="9525" dist="25400" dir="14640000" algn="tl" rotWithShape="0">
+                    <a:schemeClr val="bg1">
+                      <a:alpha val="30000"/>
+                    </a:schemeClr>
+                  </a:outerShdw>
+                </a:effectLst>
+                <a:latin typeface="+mn-lt"/>
+                <a:ea typeface="+mn-ea"/>
+                <a:cs typeface="+mn-cs"/>
+              </a:defRPr>
+            </a:lvl1pPr>
+            <a:lvl2pPr marL="720000" indent="-270000" algn="l" defTabSz="457200" rtl="0" eaLnBrk="1" latinLnBrk="0" hangingPunct="1">
+              <a:spcBef>
+                <a:spcPct val="20000"/>
+              </a:spcBef>
+              <a:spcAft>
+                <a:spcPts val="600"/>
+              </a:spcAft>
+              <a:buClr>
+                <a:schemeClr val="tx2"/>
+              </a:buClr>
+              <a:buSzPct val="70000"/>
+              <a:buFont typeface="Wingdings 2" charset="2"/>
+              <a:buChar char=""/>
+              <a:defRPr sz="1800" kern="1200">
+                <a:ln>
+                  <a:solidFill>
+                    <a:schemeClr val="bg1">
+                      <a:lumMod val="75000"/>
+                      <a:lumOff val="25000"/>
+                      <a:alpha val="10000"/>
+                    </a:schemeClr>
+                  </a:solidFill>
+                </a:ln>
+                <a:solidFill>
+                  <a:schemeClr val="tx2"/>
+                </a:solidFill>
+                <a:effectLst>
+                  <a:outerShdw blurRad="9525" dist="25400" dir="14640000" algn="tl" rotWithShape="0">
+                    <a:schemeClr val="bg1">
+                      <a:alpha val="30000"/>
+                    </a:schemeClr>
+                  </a:outerShdw>
+                </a:effectLst>
+                <a:latin typeface="+mn-lt"/>
+                <a:ea typeface="+mn-ea"/>
+                <a:cs typeface="+mn-cs"/>
+              </a:defRPr>
+            </a:lvl2pPr>
+            <a:lvl3pPr marL="1026000" indent="-216000" algn="l" defTabSz="457200" rtl="0" eaLnBrk="1" latinLnBrk="0" hangingPunct="1">
+              <a:spcBef>
+                <a:spcPct val="20000"/>
+              </a:spcBef>
+              <a:spcAft>
+                <a:spcPts val="600"/>
+              </a:spcAft>
+              <a:buClr>
+                <a:schemeClr val="tx2"/>
+              </a:buClr>
+              <a:buSzPct val="70000"/>
+              <a:buFont typeface="Wingdings 2" charset="2"/>
+              <a:buChar char=""/>
+              <a:defRPr sz="1600" kern="1200">
+                <a:ln>
+                  <a:solidFill>
+                    <a:schemeClr val="bg1">
+                      <a:lumMod val="75000"/>
+                      <a:lumOff val="25000"/>
+                      <a:alpha val="10000"/>
+                    </a:schemeClr>
+                  </a:solidFill>
+                </a:ln>
+                <a:solidFill>
+                  <a:schemeClr val="tx2"/>
+                </a:solidFill>
+                <a:effectLst>
+                  <a:outerShdw blurRad="9525" dist="25400" dir="14640000" algn="tl" rotWithShape="0">
+                    <a:schemeClr val="bg1">
+                      <a:alpha val="30000"/>
+                    </a:schemeClr>
+                  </a:outerShdw>
+                </a:effectLst>
+                <a:latin typeface="+mn-lt"/>
+                <a:ea typeface="+mn-ea"/>
+                <a:cs typeface="+mn-cs"/>
+              </a:defRPr>
+            </a:lvl3pPr>
+            <a:lvl4pPr marL="1386000" indent="-216000" algn="l" defTabSz="457200" rtl="0" eaLnBrk="1" latinLnBrk="0" hangingPunct="1">
+              <a:spcBef>
+                <a:spcPct val="20000"/>
+              </a:spcBef>
+              <a:spcAft>
+                <a:spcPts val="600"/>
+              </a:spcAft>
+              <a:buClr>
+                <a:schemeClr val="tx2"/>
+              </a:buClr>
+              <a:buSzPct val="70000"/>
+              <a:buFont typeface="Wingdings 2" charset="2"/>
+              <a:buChar char=""/>
+              <a:defRPr sz="1400" kern="1200">
+                <a:ln>
+                  <a:solidFill>
+                    <a:schemeClr val="bg1">
+                      <a:lumMod val="75000"/>
+                      <a:lumOff val="25000"/>
+                      <a:alpha val="10000"/>
+                    </a:schemeClr>
+                  </a:solidFill>
+                </a:ln>
+                <a:solidFill>
+                  <a:schemeClr val="tx2"/>
+                </a:solidFill>
+                <a:effectLst>
+                  <a:outerShdw blurRad="9525" dist="25400" dir="14640000" algn="tl" rotWithShape="0">
+                    <a:schemeClr val="bg1">
+                      <a:alpha val="30000"/>
+                    </a:schemeClr>
+                  </a:outerShdw>
+                </a:effectLst>
+                <a:latin typeface="+mn-lt"/>
+                <a:ea typeface="+mn-ea"/>
+                <a:cs typeface="+mn-cs"/>
+              </a:defRPr>
+            </a:lvl4pPr>
+            <a:lvl5pPr marL="1674000" indent="-216000" algn="l" defTabSz="457200" rtl="0" eaLnBrk="1" latinLnBrk="0" hangingPunct="1">
+              <a:spcBef>
+                <a:spcPct val="20000"/>
+              </a:spcBef>
+              <a:spcAft>
+                <a:spcPts val="600"/>
+              </a:spcAft>
+              <a:buClr>
+                <a:schemeClr val="tx2"/>
+              </a:buClr>
+              <a:buSzPct val="70000"/>
+              <a:buFont typeface="Wingdings 2" charset="2"/>
+              <a:buChar char=""/>
+              <a:defRPr sz="1400" kern="1200">
+                <a:ln>
+                  <a:solidFill>
+                    <a:schemeClr val="bg1">
+                      <a:lumMod val="75000"/>
+                      <a:lumOff val="25000"/>
+                      <a:alpha val="10000"/>
+                    </a:schemeClr>
+                  </a:solidFill>
+                </a:ln>
+                <a:solidFill>
+                  <a:schemeClr val="tx2"/>
+                </a:solidFill>
+                <a:effectLst>
+                  <a:outerShdw blurRad="9525" dist="25400" dir="14640000" algn="tl" rotWithShape="0">
+                    <a:schemeClr val="bg1">
+                      <a:alpha val="30000"/>
+                    </a:schemeClr>
+                  </a:outerShdw>
+                </a:effectLst>
+                <a:latin typeface="+mn-lt"/>
+                <a:ea typeface="+mn-ea"/>
+                <a:cs typeface="+mn-cs"/>
+              </a:defRPr>
+            </a:lvl5pPr>
+            <a:lvl6pPr marL="2014600" indent="-228600" algn="l" defTabSz="457200" rtl="0" eaLnBrk="1" latinLnBrk="0" hangingPunct="1">
+              <a:spcBef>
+                <a:spcPct val="20000"/>
+              </a:spcBef>
+              <a:spcAft>
+                <a:spcPts val="600"/>
+              </a:spcAft>
+              <a:buClr>
+                <a:schemeClr val="tx2"/>
+              </a:buClr>
+              <a:buSzPct val="70000"/>
+              <a:buFont typeface="Wingdings 2" charset="2"/>
+              <a:buChar char=""/>
+              <a:defRPr sz="1400" kern="1200">
+                <a:ln>
+                  <a:solidFill>
+                    <a:schemeClr val="bg1">
+                      <a:lumMod val="75000"/>
+                      <a:lumOff val="25000"/>
+                      <a:alpha val="10000"/>
+                    </a:schemeClr>
+                  </a:solidFill>
+                </a:ln>
+                <a:solidFill>
+                  <a:schemeClr val="tx2"/>
+                </a:solidFill>
+                <a:effectLst>
+                  <a:outerShdw blurRad="9525" dist="25400" dir="14640000" algn="tl" rotWithShape="0">
+                    <a:schemeClr val="bg1">
+                      <a:alpha val="30000"/>
+                    </a:schemeClr>
+                  </a:outerShdw>
+                </a:effectLst>
+                <a:latin typeface="+mn-lt"/>
+                <a:ea typeface="+mn-ea"/>
+                <a:cs typeface="+mn-cs"/>
+              </a:defRPr>
+            </a:lvl6pPr>
+            <a:lvl7pPr marL="2401800" indent="-228600" algn="l" defTabSz="457200" rtl="0" eaLnBrk="1" latinLnBrk="0" hangingPunct="1">
+              <a:spcBef>
+                <a:spcPct val="20000"/>
+              </a:spcBef>
+              <a:spcAft>
+                <a:spcPts val="600"/>
+              </a:spcAft>
+              <a:buClr>
+                <a:schemeClr val="tx2"/>
+              </a:buClr>
+              <a:buSzPct val="70000"/>
+              <a:buFont typeface="Wingdings 2" charset="2"/>
+              <a:buChar char=""/>
+              <a:defRPr sz="1400" kern="1200">
+                <a:ln>
+                  <a:solidFill>
+                    <a:schemeClr val="bg1">
+                      <a:lumMod val="75000"/>
+                      <a:lumOff val="25000"/>
+                      <a:alpha val="10000"/>
+                    </a:schemeClr>
+                  </a:solidFill>
+                </a:ln>
+                <a:solidFill>
+                  <a:schemeClr val="tx2"/>
+                </a:solidFill>
+                <a:effectLst>
+                  <a:outerShdw blurRad="9525" dist="25400" dir="14640000" algn="tl" rotWithShape="0">
+                    <a:schemeClr val="bg1">
+                      <a:alpha val="30000"/>
+                    </a:schemeClr>
+                  </a:outerShdw>
+                </a:effectLst>
+                <a:latin typeface="+mn-lt"/>
+                <a:ea typeface="+mn-ea"/>
+                <a:cs typeface="+mn-cs"/>
+              </a:defRPr>
+            </a:lvl7pPr>
+            <a:lvl8pPr marL="2789000" indent="-228600" algn="l" defTabSz="457200" rtl="0" eaLnBrk="1" latinLnBrk="0" hangingPunct="1">
+              <a:spcBef>
+                <a:spcPct val="20000"/>
+              </a:spcBef>
+              <a:spcAft>
+                <a:spcPts val="600"/>
+              </a:spcAft>
+              <a:buClr>
+                <a:schemeClr val="tx2"/>
+              </a:buClr>
+              <a:buSzPct val="70000"/>
+              <a:buFont typeface="Wingdings 2" charset="2"/>
+              <a:buChar char=""/>
+              <a:defRPr sz="1400" kern="1200">
+                <a:ln>
+                  <a:solidFill>
+                    <a:schemeClr val="bg1">
+                      <a:lumMod val="75000"/>
+                      <a:lumOff val="25000"/>
+                      <a:alpha val="10000"/>
+                    </a:schemeClr>
+                  </a:solidFill>
+                </a:ln>
+                <a:solidFill>
+                  <a:schemeClr val="tx2"/>
+                </a:solidFill>
+                <a:effectLst>
+                  <a:outerShdw blurRad="9525" dist="25400" dir="14640000" algn="tl" rotWithShape="0">
+                    <a:schemeClr val="bg1">
+                      <a:alpha val="30000"/>
+                    </a:schemeClr>
+                  </a:outerShdw>
+                </a:effectLst>
+                <a:latin typeface="+mn-lt"/>
+                <a:ea typeface="+mn-ea"/>
+                <a:cs typeface="+mn-cs"/>
+              </a:defRPr>
+            </a:lvl8pPr>
+            <a:lvl9pPr marL="3106200" indent="-228600" algn="l" defTabSz="457200" rtl="0" eaLnBrk="1" latinLnBrk="0" hangingPunct="1">
+              <a:spcBef>
+                <a:spcPct val="20000"/>
+              </a:spcBef>
+              <a:spcAft>
+                <a:spcPts val="600"/>
+              </a:spcAft>
+              <a:buClr>
+                <a:schemeClr val="tx2"/>
+              </a:buClr>
+              <a:buSzPct val="70000"/>
+              <a:buFont typeface="Wingdings 2" charset="2"/>
+              <a:buChar char=""/>
+              <a:defRPr sz="1400" kern="1200">
+                <a:ln>
+                  <a:solidFill>
+                    <a:schemeClr val="bg1">
+                      <a:lumMod val="75000"/>
+                      <a:lumOff val="25000"/>
+                      <a:alpha val="10000"/>
+                    </a:schemeClr>
+                  </a:solidFill>
+                </a:ln>
+                <a:solidFill>
+                  <a:schemeClr val="tx2"/>
+                </a:solidFill>
+                <a:effectLst>
+                  <a:outerShdw blurRad="9525" dist="25400" dir="14640000" algn="tl" rotWithShape="0">
+                    <a:schemeClr val="bg1">
+                      <a:alpha val="30000"/>
+                    </a:schemeClr>
+                  </a:outerShdw>
+                </a:effectLst>
+                <a:latin typeface="+mn-lt"/>
+                <a:ea typeface="+mn-ea"/>
+                <a:cs typeface="+mn-cs"/>
+              </a:defRPr>
+            </a:lvl9pPr>
+          </a:lstStyle>
+          <a:p>
+            <a:r>
+              <a:rPr lang="nl-BE" dirty="0"/>
+              <a:t>RegEx: Named capture groups</a:t>
+            </a:r>
+          </a:p>
+          <a:p>
+            <a:pPr marL="45720" indent="0">
+              <a:buFont typeface="Wingdings 2" charset="2"/>
+              <a:buNone/>
+            </a:pPr>
+            <a:endParaRPr lang="nl-BE" dirty="0"/>
+          </a:p>
+        </p:txBody>
+      </p:sp>
+      <p:sp>
+        <p:nvSpPr>
+          <p:cNvPr id="10" name="Rectangle 9">
+            <a:extLst>
+              <a:ext uri="{FF2B5EF4-FFF2-40B4-BE49-F238E27FC236}">
+                <a16:creationId xmlns:a16="http://schemas.microsoft.com/office/drawing/2014/main" id="{9B84C6FA-9C60-4800-8CD0-2477443BF4EF}"/>
+              </a:ext>
+            </a:extLst>
+          </p:cNvPr>
+          <p:cNvSpPr/>
+          <p:nvPr/>
+        </p:nvSpPr>
+        <p:spPr>
+          <a:xfrm>
+            <a:off x="1187624" y="1976093"/>
+            <a:ext cx="7529744" cy="2308324"/>
+          </a:xfrm>
+          <a:prstGeom prst="rect">
+            <a:avLst/>
+          </a:prstGeom>
+        </p:spPr>
+        <p:txBody>
+          <a:bodyPr wrap="square">
+            <a:spAutoFit/>
+          </a:bodyPr>
+          <a:lstStyle/>
+          <a:p>
+            <a:r>
+              <a:rPr lang="nl-BE" b="1" dirty="0">
+                <a:solidFill>
+                  <a:srgbClr val="93C763"/>
+                </a:solidFill>
+                <a:latin typeface="Menlo"/>
+              </a:rPr>
+              <a:t>let</a:t>
+            </a:r>
+            <a:r>
+              <a:rPr lang="nl-BE" dirty="0">
+                <a:solidFill>
+                  <a:srgbClr val="E0E2E4"/>
+                </a:solidFill>
+                <a:latin typeface="Menlo"/>
+              </a:rPr>
+              <a:t> RE_DATE = </a:t>
+            </a:r>
+            <a:r>
+              <a:rPr lang="nl-BE" dirty="0">
+                <a:solidFill>
+                  <a:srgbClr val="D39745"/>
+                </a:solidFill>
+                <a:latin typeface="Menlo"/>
+              </a:rPr>
+              <a:t>/(?&lt;year&gt;[0-9]{4})-(?&lt;month&gt;[0-9]{2})-(?&lt;day&gt;[0-9]{2})/</a:t>
+            </a:r>
+            <a:r>
+              <a:rPr lang="nl-BE" dirty="0">
+                <a:solidFill>
+                  <a:srgbClr val="E0E2E4"/>
+                </a:solidFill>
+                <a:latin typeface="Menlo"/>
+              </a:rPr>
+              <a:t>;</a:t>
+            </a:r>
+            <a:br>
+              <a:rPr lang="nl-BE" dirty="0">
+                <a:solidFill>
+                  <a:srgbClr val="E0E2E4"/>
+                </a:solidFill>
+                <a:latin typeface="Menlo"/>
+              </a:rPr>
+            </a:br>
+            <a:br>
+              <a:rPr lang="nl-BE" dirty="0">
+                <a:solidFill>
+                  <a:srgbClr val="E0E2E4"/>
+                </a:solidFill>
+                <a:latin typeface="Menlo"/>
+              </a:rPr>
+            </a:br>
+            <a:r>
+              <a:rPr lang="nl-BE" b="1" dirty="0">
+                <a:solidFill>
+                  <a:srgbClr val="93C763"/>
+                </a:solidFill>
+                <a:latin typeface="Menlo"/>
+              </a:rPr>
+              <a:t>const</a:t>
+            </a:r>
+            <a:r>
+              <a:rPr lang="nl-BE" dirty="0">
+                <a:solidFill>
+                  <a:srgbClr val="E0E2E4"/>
+                </a:solidFill>
+                <a:latin typeface="Menlo"/>
+              </a:rPr>
+              <a:t> matchObj = RE_DATE.exec(</a:t>
+            </a:r>
+            <a:r>
+              <a:rPr lang="nl-BE" dirty="0">
+                <a:solidFill>
+                  <a:srgbClr val="EC7600"/>
+                </a:solidFill>
+                <a:latin typeface="Menlo"/>
+              </a:rPr>
+              <a:t>'1999-12-31’</a:t>
+            </a:r>
+            <a:r>
+              <a:rPr lang="nl-BE" dirty="0">
+                <a:solidFill>
+                  <a:srgbClr val="E0E2E4"/>
+                </a:solidFill>
+                <a:latin typeface="Menlo"/>
+              </a:rPr>
+              <a:t>);</a:t>
+            </a:r>
+            <a:br>
+              <a:rPr lang="nl-BE" dirty="0">
+                <a:solidFill>
+                  <a:srgbClr val="E0E2E4"/>
+                </a:solidFill>
+                <a:latin typeface="Menlo"/>
+              </a:rPr>
+            </a:br>
+            <a:r>
+              <a:rPr lang="nl-BE" b="1" dirty="0">
+                <a:solidFill>
+                  <a:srgbClr val="93C763"/>
+                </a:solidFill>
+                <a:latin typeface="Menlo"/>
+              </a:rPr>
+              <a:t>const</a:t>
+            </a:r>
+            <a:r>
+              <a:rPr lang="nl-BE" dirty="0">
+                <a:solidFill>
+                  <a:srgbClr val="E0E2E4"/>
+                </a:solidFill>
+                <a:latin typeface="Menlo"/>
+              </a:rPr>
+              <a:t> year = matchObj.groups.year; </a:t>
+            </a:r>
+            <a:r>
+              <a:rPr lang="nl-BE" dirty="0">
+                <a:solidFill>
+                  <a:srgbClr val="818E96"/>
+                </a:solidFill>
+                <a:latin typeface="Menlo"/>
+              </a:rPr>
+              <a:t>// 1999, or: matchObj[1]</a:t>
+            </a:r>
+            <a:br>
+              <a:rPr lang="nl-BE" dirty="0">
+                <a:solidFill>
+                  <a:srgbClr val="E0E2E4"/>
+                </a:solidFill>
+                <a:latin typeface="Menlo"/>
+              </a:rPr>
+            </a:br>
+            <a:r>
+              <a:rPr lang="nl-BE" b="1" dirty="0">
+                <a:solidFill>
+                  <a:srgbClr val="93C763"/>
+                </a:solidFill>
+                <a:latin typeface="Menlo"/>
+              </a:rPr>
+              <a:t>const</a:t>
+            </a:r>
+            <a:r>
+              <a:rPr lang="nl-BE" dirty="0">
+                <a:solidFill>
+                  <a:srgbClr val="E0E2E4"/>
+                </a:solidFill>
+                <a:latin typeface="Menlo"/>
+              </a:rPr>
+              <a:t> month = matchObj.groups.month; </a:t>
+            </a:r>
+            <a:r>
+              <a:rPr lang="nl-BE" dirty="0">
+                <a:solidFill>
+                  <a:srgbClr val="818E96"/>
+                </a:solidFill>
+                <a:latin typeface="Menlo"/>
+              </a:rPr>
+              <a:t>// 12</a:t>
+            </a:r>
+            <a:br>
+              <a:rPr lang="nl-BE" dirty="0">
+                <a:solidFill>
+                  <a:srgbClr val="E0E2E4"/>
+                </a:solidFill>
+                <a:latin typeface="Menlo"/>
+              </a:rPr>
+            </a:br>
+            <a:br>
+              <a:rPr lang="nl-BE" dirty="0">
+                <a:solidFill>
+                  <a:srgbClr val="E0E2E4"/>
+                </a:solidFill>
+                <a:latin typeface="Menlo"/>
+              </a:rPr>
+            </a:br>
+            <a:r>
+              <a:rPr lang="nl-BE" dirty="0">
+                <a:solidFill>
+                  <a:srgbClr val="EC7600"/>
+                </a:solidFill>
+                <a:latin typeface="Menlo"/>
+              </a:rPr>
+              <a:t>'1999-12-31'</a:t>
+            </a:r>
+            <a:r>
+              <a:rPr lang="nl-BE" dirty="0">
+                <a:solidFill>
+                  <a:srgbClr val="E0E2E4"/>
+                </a:solidFill>
+                <a:latin typeface="Menlo"/>
+              </a:rPr>
+              <a:t>.replace(RE_DATE, </a:t>
+            </a:r>
+            <a:r>
+              <a:rPr lang="nl-BE" dirty="0">
+                <a:solidFill>
+                  <a:srgbClr val="EC7600"/>
+                </a:solidFill>
+                <a:latin typeface="Menlo"/>
+              </a:rPr>
+              <a:t>'$&lt;day&gt;/$&lt;month&gt;/$&lt;year&gt;’</a:t>
+            </a:r>
+            <a:r>
+              <a:rPr lang="nl-BE" dirty="0">
+                <a:solidFill>
+                  <a:srgbClr val="E0E2E4"/>
+                </a:solidFill>
+                <a:latin typeface="Menlo"/>
+              </a:rPr>
+              <a:t>)</a:t>
+            </a:r>
+            <a:br>
+              <a:rPr lang="nl-BE" dirty="0">
+                <a:solidFill>
+                  <a:srgbClr val="E0E2E4"/>
+                </a:solidFill>
+                <a:latin typeface="Menlo"/>
+              </a:rPr>
+            </a:br>
+            <a:r>
+              <a:rPr lang="nl-BE" dirty="0">
+                <a:solidFill>
+                  <a:srgbClr val="818E96"/>
+                </a:solidFill>
+                <a:latin typeface="Menlo"/>
+              </a:rPr>
+              <a:t>// 31/12/1999</a:t>
+            </a:r>
+            <a:endParaRPr lang="nl-BE" dirty="0"/>
+          </a:p>
+        </p:txBody>
+      </p:sp>
+      <p:sp>
+        <p:nvSpPr>
+          <p:cNvPr id="11" name="Rectangle 10">
+            <a:extLst>
+              <a:ext uri="{FF2B5EF4-FFF2-40B4-BE49-F238E27FC236}">
+                <a16:creationId xmlns:a16="http://schemas.microsoft.com/office/drawing/2014/main" id="{33B28ED9-4A9F-4C4B-895B-91F44EA22F55}"/>
+              </a:ext>
+            </a:extLst>
+          </p:cNvPr>
+          <p:cNvSpPr/>
+          <p:nvPr/>
+        </p:nvSpPr>
+        <p:spPr>
+          <a:xfrm>
+            <a:off x="1187624" y="5069030"/>
+            <a:ext cx="7765322" cy="1015663"/>
+          </a:xfrm>
+          <a:prstGeom prst="rect">
+            <a:avLst/>
+          </a:prstGeom>
+        </p:spPr>
+        <p:txBody>
+          <a:bodyPr wrap="square">
+            <a:spAutoFit/>
+          </a:bodyPr>
+          <a:lstStyle/>
+          <a:p>
+            <a:r>
+              <a:rPr lang="nl-BE" b="1" dirty="0">
+                <a:solidFill>
+                  <a:srgbClr val="93C763"/>
+                </a:solidFill>
+                <a:latin typeface="Menlo"/>
+              </a:rPr>
+              <a:t>let</a:t>
+            </a:r>
+            <a:r>
+              <a:rPr lang="nl-BE" dirty="0">
+                <a:solidFill>
+                  <a:srgbClr val="E0E2E4"/>
+                </a:solidFill>
+                <a:latin typeface="Menlo"/>
+              </a:rPr>
+              <a:t> REPEAT3 = </a:t>
+            </a:r>
+            <a:r>
+              <a:rPr lang="nl-BE" sz="2400" dirty="0">
+                <a:solidFill>
+                  <a:srgbClr val="D39745"/>
+                </a:solidFill>
+                <a:latin typeface="Courier New" panose="02070309020205020404" pitchFamily="49" charset="0"/>
+                <a:cs typeface="Courier New" panose="02070309020205020404" pitchFamily="49" charset="0"/>
+              </a:rPr>
+              <a:t>/^(?&lt;word&gt;[a-z]+)!\k&lt;word&gt;!\1$/</a:t>
+            </a:r>
+            <a:r>
+              <a:rPr lang="nl-BE" dirty="0">
+                <a:solidFill>
+                  <a:srgbClr val="E0E2E4"/>
+                </a:solidFill>
+                <a:latin typeface="Menlo"/>
+              </a:rPr>
+              <a:t>;</a:t>
+            </a:r>
+            <a:br>
+              <a:rPr lang="nl-BE" dirty="0">
+                <a:solidFill>
+                  <a:srgbClr val="E0E2E4"/>
+                </a:solidFill>
+                <a:latin typeface="Menlo"/>
+              </a:rPr>
+            </a:br>
+            <a:r>
+              <a:rPr lang="nl-BE" dirty="0">
+                <a:solidFill>
+                  <a:srgbClr val="E0E2E4"/>
+                </a:solidFill>
+                <a:latin typeface="Menlo"/>
+              </a:rPr>
+              <a:t>REPEAT3.test(</a:t>
+            </a:r>
+            <a:r>
+              <a:rPr lang="nl-BE" dirty="0">
+                <a:solidFill>
+                  <a:srgbClr val="EC7600"/>
+                </a:solidFill>
+                <a:latin typeface="Menlo"/>
+              </a:rPr>
+              <a:t>'abc!abc!abc'</a:t>
+            </a:r>
+            <a:r>
+              <a:rPr lang="nl-BE" dirty="0">
+                <a:solidFill>
+                  <a:srgbClr val="E0E2E4"/>
+                </a:solidFill>
+                <a:latin typeface="Menlo"/>
+              </a:rPr>
+              <a:t>); </a:t>
+            </a:r>
+            <a:r>
+              <a:rPr lang="nl-BE" dirty="0">
+                <a:solidFill>
+                  <a:srgbClr val="818E96"/>
+                </a:solidFill>
+                <a:latin typeface="Menlo"/>
+              </a:rPr>
+              <a:t>// true</a:t>
+            </a:r>
+            <a:br>
+              <a:rPr lang="nl-BE" dirty="0">
+                <a:solidFill>
+                  <a:srgbClr val="E0E2E4"/>
+                </a:solidFill>
+                <a:latin typeface="Menlo"/>
+              </a:rPr>
+            </a:br>
+            <a:r>
+              <a:rPr lang="nl-BE" dirty="0">
+                <a:solidFill>
+                  <a:srgbClr val="E0E2E4"/>
+                </a:solidFill>
+                <a:latin typeface="Menlo"/>
+              </a:rPr>
+              <a:t>REPEAT3.test(</a:t>
+            </a:r>
+            <a:r>
+              <a:rPr lang="nl-BE" dirty="0">
+                <a:solidFill>
+                  <a:srgbClr val="EC7600"/>
+                </a:solidFill>
+                <a:latin typeface="Menlo"/>
+              </a:rPr>
+              <a:t>'abc!abc!ab'</a:t>
+            </a:r>
+            <a:r>
+              <a:rPr lang="nl-BE" dirty="0">
+                <a:solidFill>
+                  <a:srgbClr val="E0E2E4"/>
+                </a:solidFill>
+                <a:latin typeface="Menlo"/>
+              </a:rPr>
+              <a:t>); </a:t>
+            </a:r>
+            <a:r>
+              <a:rPr lang="nl-BE" dirty="0">
+                <a:solidFill>
+                  <a:srgbClr val="818E96"/>
+                </a:solidFill>
+                <a:latin typeface="Menlo"/>
+              </a:rPr>
+              <a:t>// false</a:t>
+            </a:r>
+            <a:endParaRPr lang="nl-BE" dirty="0"/>
+          </a:p>
+        </p:txBody>
+      </p:sp>
+      <p:sp>
+        <p:nvSpPr>
+          <p:cNvPr id="12" name="Content Placeholder 2">
+            <a:extLst>
+              <a:ext uri="{FF2B5EF4-FFF2-40B4-BE49-F238E27FC236}">
+                <a16:creationId xmlns:a16="http://schemas.microsoft.com/office/drawing/2014/main" id="{6B1FBDF1-DFB3-4833-83D3-211EAFD92139}"/>
+              </a:ext>
+            </a:extLst>
+          </p:cNvPr>
+          <p:cNvSpPr txBox="1">
+            <a:spLocks/>
+          </p:cNvSpPr>
+          <p:nvPr/>
+        </p:nvSpPr>
+        <p:spPr>
+          <a:xfrm>
+            <a:off x="818696" y="4581743"/>
+            <a:ext cx="7765322" cy="487287"/>
+          </a:xfrm>
+          <a:prstGeom prst="rect">
+            <a:avLst/>
+          </a:prstGeom>
+          <a:effectLst>
+            <a:outerShdw blurRad="25400" dir="17880000">
+              <a:srgbClr val="000000">
+                <a:alpha val="46000"/>
+              </a:srgbClr>
+            </a:outerShdw>
+          </a:effectLst>
+        </p:spPr>
+        <p:txBody>
+          <a:bodyPr vert="horz" lIns="91440" tIns="45720" rIns="91440" bIns="45720" rtlCol="0" anchor="t">
+            <a:normAutofit/>
+          </a:bodyPr>
+          <a:lstStyle>
+            <a:lvl1pPr marL="342900" indent="-306000" algn="l" defTabSz="457200" rtl="0" eaLnBrk="1" latinLnBrk="0" hangingPunct="1">
+              <a:spcBef>
+                <a:spcPct val="20000"/>
+              </a:spcBef>
+              <a:spcAft>
+                <a:spcPts val="600"/>
+              </a:spcAft>
+              <a:buClr>
+                <a:schemeClr val="tx2"/>
+              </a:buClr>
+              <a:buSzPct val="70000"/>
+              <a:buFont typeface="Wingdings 2" charset="2"/>
+              <a:buChar char=""/>
+              <a:defRPr sz="2000" kern="1200">
+                <a:ln>
+                  <a:solidFill>
+                    <a:schemeClr val="bg1">
+                      <a:lumMod val="75000"/>
+                      <a:lumOff val="25000"/>
+                      <a:alpha val="10000"/>
+                    </a:schemeClr>
+                  </a:solidFill>
+                </a:ln>
+                <a:solidFill>
+                  <a:schemeClr val="tx2"/>
+                </a:solidFill>
+                <a:effectLst>
+                  <a:outerShdw blurRad="9525" dist="25400" dir="14640000" algn="tl" rotWithShape="0">
+                    <a:schemeClr val="bg1">
+                      <a:alpha val="30000"/>
+                    </a:schemeClr>
+                  </a:outerShdw>
+                </a:effectLst>
+                <a:latin typeface="+mn-lt"/>
+                <a:ea typeface="+mn-ea"/>
+                <a:cs typeface="+mn-cs"/>
+              </a:defRPr>
+            </a:lvl1pPr>
+            <a:lvl2pPr marL="720000" indent="-270000" algn="l" defTabSz="457200" rtl="0" eaLnBrk="1" latinLnBrk="0" hangingPunct="1">
+              <a:spcBef>
+                <a:spcPct val="20000"/>
+              </a:spcBef>
+              <a:spcAft>
+                <a:spcPts val="600"/>
+              </a:spcAft>
+              <a:buClr>
+                <a:schemeClr val="tx2"/>
+              </a:buClr>
+              <a:buSzPct val="70000"/>
+              <a:buFont typeface="Wingdings 2" charset="2"/>
+              <a:buChar char=""/>
+              <a:defRPr sz="1800" kern="1200">
+                <a:ln>
+                  <a:solidFill>
+                    <a:schemeClr val="bg1">
+                      <a:lumMod val="75000"/>
+                      <a:lumOff val="25000"/>
+                      <a:alpha val="10000"/>
+                    </a:schemeClr>
+                  </a:solidFill>
+                </a:ln>
+                <a:solidFill>
+                  <a:schemeClr val="tx2"/>
+                </a:solidFill>
+                <a:effectLst>
+                  <a:outerShdw blurRad="9525" dist="25400" dir="14640000" algn="tl" rotWithShape="0">
+                    <a:schemeClr val="bg1">
+                      <a:alpha val="30000"/>
+                    </a:schemeClr>
+                  </a:outerShdw>
+                </a:effectLst>
+                <a:latin typeface="+mn-lt"/>
+                <a:ea typeface="+mn-ea"/>
+                <a:cs typeface="+mn-cs"/>
+              </a:defRPr>
+            </a:lvl2pPr>
+            <a:lvl3pPr marL="1026000" indent="-216000" algn="l" defTabSz="457200" rtl="0" eaLnBrk="1" latinLnBrk="0" hangingPunct="1">
+              <a:spcBef>
+                <a:spcPct val="20000"/>
+              </a:spcBef>
+              <a:spcAft>
+                <a:spcPts val="600"/>
+              </a:spcAft>
+              <a:buClr>
+                <a:schemeClr val="tx2"/>
+              </a:buClr>
+              <a:buSzPct val="70000"/>
+              <a:buFont typeface="Wingdings 2" charset="2"/>
+              <a:buChar char=""/>
+              <a:defRPr sz="1600" kern="1200">
+                <a:ln>
+                  <a:solidFill>
+                    <a:schemeClr val="bg1">
+                      <a:lumMod val="75000"/>
+                      <a:lumOff val="25000"/>
+                      <a:alpha val="10000"/>
+                    </a:schemeClr>
+                  </a:solidFill>
+                </a:ln>
+                <a:solidFill>
+                  <a:schemeClr val="tx2"/>
+                </a:solidFill>
+                <a:effectLst>
+                  <a:outerShdw blurRad="9525" dist="25400" dir="14640000" algn="tl" rotWithShape="0">
+                    <a:schemeClr val="bg1">
+                      <a:alpha val="30000"/>
+                    </a:schemeClr>
+                  </a:outerShdw>
+                </a:effectLst>
+                <a:latin typeface="+mn-lt"/>
+                <a:ea typeface="+mn-ea"/>
+                <a:cs typeface="+mn-cs"/>
+              </a:defRPr>
+            </a:lvl3pPr>
+            <a:lvl4pPr marL="1386000" indent="-216000" algn="l" defTabSz="457200" rtl="0" eaLnBrk="1" latinLnBrk="0" hangingPunct="1">
+              <a:spcBef>
+                <a:spcPct val="20000"/>
+              </a:spcBef>
+              <a:spcAft>
+                <a:spcPts val="600"/>
+              </a:spcAft>
+              <a:buClr>
+                <a:schemeClr val="tx2"/>
+              </a:buClr>
+              <a:buSzPct val="70000"/>
+              <a:buFont typeface="Wingdings 2" charset="2"/>
+              <a:buChar char=""/>
+              <a:defRPr sz="1400" kern="1200">
+                <a:ln>
+                  <a:solidFill>
+                    <a:schemeClr val="bg1">
+                      <a:lumMod val="75000"/>
+                      <a:lumOff val="25000"/>
+                      <a:alpha val="10000"/>
+                    </a:schemeClr>
+                  </a:solidFill>
+                </a:ln>
+                <a:solidFill>
+                  <a:schemeClr val="tx2"/>
+                </a:solidFill>
+                <a:effectLst>
+                  <a:outerShdw blurRad="9525" dist="25400" dir="14640000" algn="tl" rotWithShape="0">
+                    <a:schemeClr val="bg1">
+                      <a:alpha val="30000"/>
+                    </a:schemeClr>
+                  </a:outerShdw>
+                </a:effectLst>
+                <a:latin typeface="+mn-lt"/>
+                <a:ea typeface="+mn-ea"/>
+                <a:cs typeface="+mn-cs"/>
+              </a:defRPr>
+            </a:lvl4pPr>
+            <a:lvl5pPr marL="1674000" indent="-216000" algn="l" defTabSz="457200" rtl="0" eaLnBrk="1" latinLnBrk="0" hangingPunct="1">
+              <a:spcBef>
+                <a:spcPct val="20000"/>
+              </a:spcBef>
+              <a:spcAft>
+                <a:spcPts val="600"/>
+              </a:spcAft>
+              <a:buClr>
+                <a:schemeClr val="tx2"/>
+              </a:buClr>
+              <a:buSzPct val="70000"/>
+              <a:buFont typeface="Wingdings 2" charset="2"/>
+              <a:buChar char=""/>
+              <a:defRPr sz="1400" kern="1200">
+                <a:ln>
+                  <a:solidFill>
+                    <a:schemeClr val="bg1">
+                      <a:lumMod val="75000"/>
+                      <a:lumOff val="25000"/>
+                      <a:alpha val="10000"/>
+                    </a:schemeClr>
+                  </a:solidFill>
+                </a:ln>
+                <a:solidFill>
+                  <a:schemeClr val="tx2"/>
+                </a:solidFill>
+                <a:effectLst>
+                  <a:outerShdw blurRad="9525" dist="25400" dir="14640000" algn="tl" rotWithShape="0">
+                    <a:schemeClr val="bg1">
+                      <a:alpha val="30000"/>
+                    </a:schemeClr>
+                  </a:outerShdw>
+                </a:effectLst>
+                <a:latin typeface="+mn-lt"/>
+                <a:ea typeface="+mn-ea"/>
+                <a:cs typeface="+mn-cs"/>
+              </a:defRPr>
+            </a:lvl5pPr>
+            <a:lvl6pPr marL="2014600" indent="-228600" algn="l" defTabSz="457200" rtl="0" eaLnBrk="1" latinLnBrk="0" hangingPunct="1">
+              <a:spcBef>
+                <a:spcPct val="20000"/>
+              </a:spcBef>
+              <a:spcAft>
+                <a:spcPts val="600"/>
+              </a:spcAft>
+              <a:buClr>
+                <a:schemeClr val="tx2"/>
+              </a:buClr>
+              <a:buSzPct val="70000"/>
+              <a:buFont typeface="Wingdings 2" charset="2"/>
+              <a:buChar char=""/>
+              <a:defRPr sz="1400" kern="1200">
+                <a:ln>
+                  <a:solidFill>
+                    <a:schemeClr val="bg1">
+                      <a:lumMod val="75000"/>
+                      <a:lumOff val="25000"/>
+                      <a:alpha val="10000"/>
+                    </a:schemeClr>
+                  </a:solidFill>
+                </a:ln>
+                <a:solidFill>
+                  <a:schemeClr val="tx2"/>
+                </a:solidFill>
+                <a:effectLst>
+                  <a:outerShdw blurRad="9525" dist="25400" dir="14640000" algn="tl" rotWithShape="0">
+                    <a:schemeClr val="bg1">
+                      <a:alpha val="30000"/>
+                    </a:schemeClr>
+                  </a:outerShdw>
+                </a:effectLst>
+                <a:latin typeface="+mn-lt"/>
+                <a:ea typeface="+mn-ea"/>
+                <a:cs typeface="+mn-cs"/>
+              </a:defRPr>
+            </a:lvl6pPr>
+            <a:lvl7pPr marL="2401800" indent="-228600" algn="l" defTabSz="457200" rtl="0" eaLnBrk="1" latinLnBrk="0" hangingPunct="1">
+              <a:spcBef>
+                <a:spcPct val="20000"/>
+              </a:spcBef>
+              <a:spcAft>
+                <a:spcPts val="600"/>
+              </a:spcAft>
+              <a:buClr>
+                <a:schemeClr val="tx2"/>
+              </a:buClr>
+              <a:buSzPct val="70000"/>
+              <a:buFont typeface="Wingdings 2" charset="2"/>
+              <a:buChar char=""/>
+              <a:defRPr sz="1400" kern="1200">
+                <a:ln>
+                  <a:solidFill>
+                    <a:schemeClr val="bg1">
+                      <a:lumMod val="75000"/>
+                      <a:lumOff val="25000"/>
+                      <a:alpha val="10000"/>
+                    </a:schemeClr>
+                  </a:solidFill>
+                </a:ln>
+                <a:solidFill>
+                  <a:schemeClr val="tx2"/>
+                </a:solidFill>
+                <a:effectLst>
+                  <a:outerShdw blurRad="9525" dist="25400" dir="14640000" algn="tl" rotWithShape="0">
+                    <a:schemeClr val="bg1">
+                      <a:alpha val="30000"/>
+                    </a:schemeClr>
+                  </a:outerShdw>
+                </a:effectLst>
+                <a:latin typeface="+mn-lt"/>
+                <a:ea typeface="+mn-ea"/>
+                <a:cs typeface="+mn-cs"/>
+              </a:defRPr>
+            </a:lvl7pPr>
+            <a:lvl8pPr marL="2789000" indent="-228600" algn="l" defTabSz="457200" rtl="0" eaLnBrk="1" latinLnBrk="0" hangingPunct="1">
+              <a:spcBef>
+                <a:spcPct val="20000"/>
+              </a:spcBef>
+              <a:spcAft>
+                <a:spcPts val="600"/>
+              </a:spcAft>
+              <a:buClr>
+                <a:schemeClr val="tx2"/>
+              </a:buClr>
+              <a:buSzPct val="70000"/>
+              <a:buFont typeface="Wingdings 2" charset="2"/>
+              <a:buChar char=""/>
+              <a:defRPr sz="1400" kern="1200">
+                <a:ln>
+                  <a:solidFill>
+                    <a:schemeClr val="bg1">
+                      <a:lumMod val="75000"/>
+                      <a:lumOff val="25000"/>
+                      <a:alpha val="10000"/>
+                    </a:schemeClr>
+                  </a:solidFill>
+                </a:ln>
+                <a:solidFill>
+                  <a:schemeClr val="tx2"/>
+                </a:solidFill>
+                <a:effectLst>
+                  <a:outerShdw blurRad="9525" dist="25400" dir="14640000" algn="tl" rotWithShape="0">
+                    <a:schemeClr val="bg1">
+                      <a:alpha val="30000"/>
+                    </a:schemeClr>
+                  </a:outerShdw>
+                </a:effectLst>
+                <a:latin typeface="+mn-lt"/>
+                <a:ea typeface="+mn-ea"/>
+                <a:cs typeface="+mn-cs"/>
+              </a:defRPr>
+            </a:lvl8pPr>
+            <a:lvl9pPr marL="3106200" indent="-228600" algn="l" defTabSz="457200" rtl="0" eaLnBrk="1" latinLnBrk="0" hangingPunct="1">
+              <a:spcBef>
+                <a:spcPct val="20000"/>
+              </a:spcBef>
+              <a:spcAft>
+                <a:spcPts val="600"/>
+              </a:spcAft>
+              <a:buClr>
+                <a:schemeClr val="tx2"/>
+              </a:buClr>
+              <a:buSzPct val="70000"/>
+              <a:buFont typeface="Wingdings 2" charset="2"/>
+              <a:buChar char=""/>
+              <a:defRPr sz="1400" kern="1200">
+                <a:ln>
+                  <a:solidFill>
+                    <a:schemeClr val="bg1">
+                      <a:lumMod val="75000"/>
+                      <a:lumOff val="25000"/>
+                      <a:alpha val="10000"/>
+                    </a:schemeClr>
+                  </a:solidFill>
+                </a:ln>
+                <a:solidFill>
+                  <a:schemeClr val="tx2"/>
+                </a:solidFill>
+                <a:effectLst>
+                  <a:outerShdw blurRad="9525" dist="25400" dir="14640000" algn="tl" rotWithShape="0">
+                    <a:schemeClr val="bg1">
+                      <a:alpha val="30000"/>
+                    </a:schemeClr>
+                  </a:outerShdw>
+                </a:effectLst>
+                <a:latin typeface="+mn-lt"/>
+                <a:ea typeface="+mn-ea"/>
+                <a:cs typeface="+mn-cs"/>
+              </a:defRPr>
+            </a:lvl9pPr>
+          </a:lstStyle>
+          <a:p>
+            <a:r>
+              <a:rPr lang="nl-BE" dirty="0"/>
+              <a:t>Names can be used in backtracking</a:t>
+            </a:r>
+          </a:p>
+        </p:txBody>
+      </p:sp>
+      <p:sp>
+        <p:nvSpPr>
+          <p:cNvPr id="13" name="Oval 12">
+            <a:extLst>
+              <a:ext uri="{FF2B5EF4-FFF2-40B4-BE49-F238E27FC236}">
+                <a16:creationId xmlns:a16="http://schemas.microsoft.com/office/drawing/2014/main" id="{56C16F6C-ACCE-4100-B792-53E1D7A0A025}"/>
+              </a:ext>
+            </a:extLst>
+          </p:cNvPr>
+          <p:cNvSpPr/>
+          <p:nvPr/>
+        </p:nvSpPr>
+        <p:spPr>
+          <a:xfrm>
+            <a:off x="2771800" y="5085184"/>
+            <a:ext cx="216024" cy="356652"/>
+          </a:xfrm>
+          <a:prstGeom prst="ellipse">
+            <a:avLst/>
+          </a:prstGeom>
+          <a:solidFill>
+            <a:schemeClr val="accent1">
+              <a:alpha val="52000"/>
+            </a:schemeClr>
+          </a:solidFill>
+          <a:ln>
+            <a:solidFill>
+              <a:schemeClr val="accent1">
+                <a:shade val="50000"/>
+              </a:schemeClr>
+            </a:solidFill>
+          </a:ln>
+        </p:spPr>
+        <p:style>
+          <a:lnRef idx="2">
+            <a:schemeClr val="accent1">
+              <a:shade val="50000"/>
+            </a:schemeClr>
+          </a:lnRef>
+          <a:fillRef idx="1">
+            <a:schemeClr val="accent1"/>
+          </a:fillRef>
+          <a:effectRef idx="0">
+            <a:schemeClr val="accent1"/>
+          </a:effectRef>
+          <a:fontRef idx="minor">
+            <a:schemeClr val="lt1"/>
+          </a:fontRef>
+        </p:style>
+        <p:txBody>
+          <a:bodyPr rtlCol="0" anchor="ctr"/>
+          <a:lstStyle/>
+          <a:p>
+            <a:pPr algn="ctr"/>
+            <a:endParaRPr lang="nl-BE"/>
+          </a:p>
+        </p:txBody>
+      </p:sp>
+      <p:sp>
+        <p:nvSpPr>
+          <p:cNvPr id="15" name="Oval 14">
+            <a:extLst>
+              <a:ext uri="{FF2B5EF4-FFF2-40B4-BE49-F238E27FC236}">
+                <a16:creationId xmlns:a16="http://schemas.microsoft.com/office/drawing/2014/main" id="{93330249-3BFA-4842-A357-21BDA818EEF9}"/>
+              </a:ext>
+            </a:extLst>
+          </p:cNvPr>
+          <p:cNvSpPr/>
+          <p:nvPr/>
+        </p:nvSpPr>
+        <p:spPr>
+          <a:xfrm>
+            <a:off x="3046728" y="4957937"/>
+            <a:ext cx="2618496" cy="623001"/>
+          </a:xfrm>
+          <a:prstGeom prst="ellipse">
+            <a:avLst/>
+          </a:prstGeom>
+          <a:solidFill>
+            <a:schemeClr val="accent1">
+              <a:alpha val="52000"/>
+            </a:schemeClr>
+          </a:solidFill>
+          <a:ln>
+            <a:solidFill>
+              <a:schemeClr val="accent1">
+                <a:shade val="50000"/>
+              </a:schemeClr>
+            </a:solidFill>
+          </a:ln>
+        </p:spPr>
+        <p:style>
+          <a:lnRef idx="2">
+            <a:schemeClr val="accent1">
+              <a:shade val="50000"/>
+            </a:schemeClr>
+          </a:lnRef>
+          <a:fillRef idx="1">
+            <a:schemeClr val="accent1"/>
+          </a:fillRef>
+          <a:effectRef idx="0">
+            <a:schemeClr val="accent1"/>
+          </a:effectRef>
+          <a:fontRef idx="minor">
+            <a:schemeClr val="lt1"/>
+          </a:fontRef>
+        </p:style>
+        <p:txBody>
+          <a:bodyPr rtlCol="0" anchor="ctr"/>
+          <a:lstStyle/>
+          <a:p>
+            <a:pPr algn="ctr"/>
+            <a:endParaRPr lang="nl-BE"/>
+          </a:p>
+        </p:txBody>
+      </p:sp>
+      <p:sp>
+        <p:nvSpPr>
+          <p:cNvPr id="17" name="Oval 16">
+            <a:extLst>
+              <a:ext uri="{FF2B5EF4-FFF2-40B4-BE49-F238E27FC236}">
+                <a16:creationId xmlns:a16="http://schemas.microsoft.com/office/drawing/2014/main" id="{717E4C72-662E-4052-8247-43C3FFFFA250}"/>
+              </a:ext>
+            </a:extLst>
+          </p:cNvPr>
+          <p:cNvSpPr/>
+          <p:nvPr/>
+        </p:nvSpPr>
+        <p:spPr>
+          <a:xfrm>
+            <a:off x="5724128" y="5114816"/>
+            <a:ext cx="144016" cy="356652"/>
+          </a:xfrm>
+          <a:prstGeom prst="ellipse">
+            <a:avLst/>
+          </a:prstGeom>
+          <a:solidFill>
+            <a:schemeClr val="accent1">
+              <a:alpha val="52000"/>
+            </a:schemeClr>
+          </a:solidFill>
+          <a:ln>
+            <a:solidFill>
+              <a:schemeClr val="accent1">
+                <a:shade val="50000"/>
+              </a:schemeClr>
+            </a:solidFill>
+          </a:ln>
+        </p:spPr>
+        <p:style>
+          <a:lnRef idx="2">
+            <a:schemeClr val="accent1">
+              <a:shade val="50000"/>
+            </a:schemeClr>
+          </a:lnRef>
+          <a:fillRef idx="1">
+            <a:schemeClr val="accent1"/>
+          </a:fillRef>
+          <a:effectRef idx="0">
+            <a:schemeClr val="accent1"/>
+          </a:effectRef>
+          <a:fontRef idx="minor">
+            <a:schemeClr val="lt1"/>
+          </a:fontRef>
+        </p:style>
+        <p:txBody>
+          <a:bodyPr rtlCol="0" anchor="ctr"/>
+          <a:lstStyle/>
+          <a:p>
+            <a:pPr algn="ctr"/>
+            <a:endParaRPr lang="nl-BE"/>
+          </a:p>
+        </p:txBody>
+      </p:sp>
+      <p:sp>
+        <p:nvSpPr>
+          <p:cNvPr id="18" name="Oval 17">
+            <a:extLst>
+              <a:ext uri="{FF2B5EF4-FFF2-40B4-BE49-F238E27FC236}">
+                <a16:creationId xmlns:a16="http://schemas.microsoft.com/office/drawing/2014/main" id="{2CB2ADF3-6114-4DF9-A28C-8F24F1C4A3BC}"/>
+              </a:ext>
+            </a:extLst>
+          </p:cNvPr>
+          <p:cNvSpPr/>
+          <p:nvPr/>
+        </p:nvSpPr>
+        <p:spPr>
+          <a:xfrm>
+            <a:off x="5885916" y="4957937"/>
+            <a:ext cx="1503280" cy="598380"/>
+          </a:xfrm>
+          <a:prstGeom prst="ellipse">
+            <a:avLst/>
+          </a:prstGeom>
+          <a:solidFill>
+            <a:schemeClr val="accent1">
+              <a:alpha val="52000"/>
+            </a:schemeClr>
+          </a:solidFill>
+          <a:ln>
+            <a:solidFill>
+              <a:schemeClr val="accent1">
+                <a:shade val="50000"/>
+              </a:schemeClr>
+            </a:solidFill>
+          </a:ln>
+        </p:spPr>
+        <p:style>
+          <a:lnRef idx="2">
+            <a:schemeClr val="accent1">
+              <a:shade val="50000"/>
+            </a:schemeClr>
+          </a:lnRef>
+          <a:fillRef idx="1">
+            <a:schemeClr val="accent1"/>
+          </a:fillRef>
+          <a:effectRef idx="0">
+            <a:schemeClr val="accent1"/>
+          </a:effectRef>
+          <a:fontRef idx="minor">
+            <a:schemeClr val="lt1"/>
+          </a:fontRef>
+        </p:style>
+        <p:txBody>
+          <a:bodyPr rtlCol="0" anchor="ctr"/>
+          <a:lstStyle/>
+          <a:p>
+            <a:pPr algn="ctr"/>
+            <a:endParaRPr lang="nl-BE"/>
+          </a:p>
+        </p:txBody>
+      </p:sp>
+      <p:sp>
+        <p:nvSpPr>
+          <p:cNvPr id="19" name="Oval 18">
+            <a:extLst>
+              <a:ext uri="{FF2B5EF4-FFF2-40B4-BE49-F238E27FC236}">
+                <a16:creationId xmlns:a16="http://schemas.microsoft.com/office/drawing/2014/main" id="{3BEFAF8A-1BEA-4CCD-8EB9-FE10FBBD877B}"/>
+              </a:ext>
+            </a:extLst>
+          </p:cNvPr>
+          <p:cNvSpPr/>
+          <p:nvPr/>
+        </p:nvSpPr>
+        <p:spPr>
+          <a:xfrm>
+            <a:off x="2699792" y="1863864"/>
+            <a:ext cx="1584176" cy="598380"/>
+          </a:xfrm>
+          <a:prstGeom prst="ellipse">
+            <a:avLst/>
+          </a:prstGeom>
+          <a:solidFill>
+            <a:schemeClr val="accent1">
+              <a:alpha val="52000"/>
+            </a:schemeClr>
+          </a:solidFill>
+          <a:ln>
+            <a:solidFill>
+              <a:schemeClr val="accent1">
+                <a:shade val="50000"/>
+              </a:schemeClr>
+            </a:solidFill>
+          </a:ln>
+        </p:spPr>
+        <p:style>
+          <a:lnRef idx="2">
+            <a:schemeClr val="accent1">
+              <a:shade val="50000"/>
+            </a:schemeClr>
+          </a:lnRef>
+          <a:fillRef idx="1">
+            <a:schemeClr val="accent1"/>
+          </a:fillRef>
+          <a:effectRef idx="0">
+            <a:schemeClr val="accent1"/>
+          </a:effectRef>
+          <a:fontRef idx="minor">
+            <a:schemeClr val="lt1"/>
+          </a:fontRef>
+        </p:style>
+        <p:txBody>
+          <a:bodyPr rtlCol="0" anchor="ctr"/>
+          <a:lstStyle/>
+          <a:p>
+            <a:pPr algn="ctr"/>
+            <a:endParaRPr lang="nl-BE"/>
+          </a:p>
+        </p:txBody>
+      </p:sp>
+      <p:sp>
+        <p:nvSpPr>
+          <p:cNvPr id="20" name="Oval 19">
+            <a:extLst>
+              <a:ext uri="{FF2B5EF4-FFF2-40B4-BE49-F238E27FC236}">
+                <a16:creationId xmlns:a16="http://schemas.microsoft.com/office/drawing/2014/main" id="{8BF5B4F6-96BD-488D-B5B4-BAAC5A36DA89}"/>
+              </a:ext>
+            </a:extLst>
+          </p:cNvPr>
+          <p:cNvSpPr/>
+          <p:nvPr/>
+        </p:nvSpPr>
+        <p:spPr>
+          <a:xfrm>
+            <a:off x="7372431" y="5126463"/>
+            <a:ext cx="144016" cy="356652"/>
+          </a:xfrm>
+          <a:prstGeom prst="ellipse">
+            <a:avLst/>
+          </a:prstGeom>
+          <a:solidFill>
+            <a:schemeClr val="accent1">
+              <a:alpha val="52000"/>
+            </a:schemeClr>
+          </a:solidFill>
+          <a:ln>
+            <a:solidFill>
+              <a:schemeClr val="accent1">
+                <a:shade val="50000"/>
+              </a:schemeClr>
+            </a:solidFill>
+          </a:ln>
+        </p:spPr>
+        <p:style>
+          <a:lnRef idx="2">
+            <a:schemeClr val="accent1">
+              <a:shade val="50000"/>
+            </a:schemeClr>
+          </a:lnRef>
+          <a:fillRef idx="1">
+            <a:schemeClr val="accent1"/>
+          </a:fillRef>
+          <a:effectRef idx="0">
+            <a:schemeClr val="accent1"/>
+          </a:effectRef>
+          <a:fontRef idx="minor">
+            <a:schemeClr val="lt1"/>
+          </a:fontRef>
+        </p:style>
+        <p:txBody>
+          <a:bodyPr rtlCol="0" anchor="ctr"/>
+          <a:lstStyle/>
+          <a:p>
+            <a:pPr algn="ctr"/>
+            <a:endParaRPr lang="nl-BE"/>
+          </a:p>
+        </p:txBody>
+      </p:sp>
+      <p:sp>
+        <p:nvSpPr>
+          <p:cNvPr id="21" name="Oval 20">
+            <a:extLst>
+              <a:ext uri="{FF2B5EF4-FFF2-40B4-BE49-F238E27FC236}">
+                <a16:creationId xmlns:a16="http://schemas.microsoft.com/office/drawing/2014/main" id="{E8A21859-258D-40B7-8B5C-14A7D14D7E08}"/>
+              </a:ext>
+            </a:extLst>
+          </p:cNvPr>
+          <p:cNvSpPr/>
+          <p:nvPr/>
+        </p:nvSpPr>
+        <p:spPr>
+          <a:xfrm>
+            <a:off x="7575351" y="5085184"/>
+            <a:ext cx="525041" cy="356652"/>
+          </a:xfrm>
+          <a:prstGeom prst="ellipse">
+            <a:avLst/>
+          </a:prstGeom>
+          <a:solidFill>
+            <a:schemeClr val="accent1">
+              <a:alpha val="52000"/>
+            </a:schemeClr>
+          </a:solidFill>
+          <a:ln>
+            <a:solidFill>
+              <a:schemeClr val="accent1">
+                <a:shade val="50000"/>
+              </a:schemeClr>
+            </a:solidFill>
+          </a:ln>
+        </p:spPr>
+        <p:style>
+          <a:lnRef idx="2">
+            <a:schemeClr val="accent1">
+              <a:shade val="50000"/>
+            </a:schemeClr>
+          </a:lnRef>
+          <a:fillRef idx="1">
+            <a:schemeClr val="accent1"/>
+          </a:fillRef>
+          <a:effectRef idx="0">
+            <a:schemeClr val="accent1"/>
+          </a:effectRef>
+          <a:fontRef idx="minor">
+            <a:schemeClr val="lt1"/>
+          </a:fontRef>
+        </p:style>
+        <p:txBody>
+          <a:bodyPr rtlCol="0" anchor="ctr"/>
+          <a:lstStyle/>
+          <a:p>
+            <a:pPr algn="ctr"/>
+            <a:endParaRPr lang="nl-BE"/>
+          </a:p>
+        </p:txBody>
+      </p:sp>
+    </p:spTree>
+    <p:extLst>
+      <p:ext uri="{BB962C8B-B14F-4D97-AF65-F5344CB8AC3E}">
+        <p14:creationId xmlns:p14="http://schemas.microsoft.com/office/powerpoint/2010/main" val="4135405682"/>
+      </p:ext>
+    </p:extLst>
+  </p:cSld>
+  <p:clrMapOvr>
+    <a:masterClrMapping/>
+  </p:clrMapOvr>
+  <p:timing>
+    <p:tnLst>
+      <p:par>
+        <p:cTn id="1" dur="indefinite" restart="never" nodeType="tmRoot">
+          <p:childTnLst>
+            <p:seq concurrent="1" nextAc="seek">
+              <p:cTn id="2" dur="indefinite" nodeType="mainSeq">
+                <p:childTnLst>
+                  <p:par>
+                    <p:cTn id="3" fill="hold">
+                      <p:stCondLst>
+                        <p:cond delay="indefinite"/>
+                      </p:stCondLst>
+                      <p:childTnLst>
+                        <p:par>
+                          <p:cTn id="4" fill="hold">
+                            <p:stCondLst>
+                              <p:cond delay="0"/>
+                            </p:stCondLst>
+                            <p:childTnLst>
+                              <p:par>
+                                <p:cTn id="5" presetID="1" presetClass="entr" presetSubtype="0" fill="hold" grpId="0" nodeType="clickEffect">
+                                  <p:stCondLst>
+                                    <p:cond delay="0"/>
+                                  </p:stCondLst>
+                                  <p:childTnLst>
+                                    <p:set>
+                                      <p:cBhvr>
+                                        <p:cTn id="6" dur="1" fill="hold">
+                                          <p:stCondLst>
+                                            <p:cond delay="0"/>
+                                          </p:stCondLst>
+                                        </p:cTn>
+                                        <p:tgtEl>
+                                          <p:spTgt spid="10"/>
+                                        </p:tgtEl>
+                                        <p:attrNameLst>
+                                          <p:attrName>style.visibility</p:attrName>
+                                        </p:attrNameLst>
+                                      </p:cBhvr>
+                                      <p:to>
+                                        <p:strVal val="visible"/>
+                                      </p:to>
+                                    </p:set>
+                                  </p:childTnLst>
+                                </p:cTn>
+                              </p:par>
+                            </p:childTnLst>
+                          </p:cTn>
+                        </p:par>
+                      </p:childTnLst>
+                    </p:cTn>
+                  </p:par>
+                  <p:par>
+                    <p:cTn id="7" fill="hold">
+                      <p:stCondLst>
+                        <p:cond delay="indefinite"/>
+                      </p:stCondLst>
+                      <p:childTnLst>
+                        <p:par>
+                          <p:cTn id="8" fill="hold">
+                            <p:stCondLst>
+                              <p:cond delay="0"/>
+                            </p:stCondLst>
+                            <p:childTnLst>
+                              <p:par>
+                                <p:cTn id="9" presetID="1" presetClass="entr" presetSubtype="0" fill="hold" grpId="0" nodeType="clickEffect">
+                                  <p:stCondLst>
+                                    <p:cond delay="0"/>
+                                  </p:stCondLst>
+                                  <p:childTnLst>
+                                    <p:set>
+                                      <p:cBhvr>
+                                        <p:cTn id="10" dur="1" fill="hold">
+                                          <p:stCondLst>
+                                            <p:cond delay="0"/>
+                                          </p:stCondLst>
+                                        </p:cTn>
+                                        <p:tgtEl>
+                                          <p:spTgt spid="19"/>
+                                        </p:tgtEl>
+                                        <p:attrNameLst>
+                                          <p:attrName>style.visibility</p:attrName>
+                                        </p:attrNameLst>
+                                      </p:cBhvr>
+                                      <p:to>
+                                        <p:strVal val="visible"/>
+                                      </p:to>
+                                    </p:set>
+                                  </p:childTnLst>
+                                </p:cTn>
+                              </p:par>
+                            </p:childTnLst>
+                          </p:cTn>
+                        </p:par>
+                      </p:childTnLst>
+                    </p:cTn>
+                  </p:par>
+                  <p:par>
+                    <p:cTn id="11" fill="hold">
+                      <p:stCondLst>
+                        <p:cond delay="indefinite"/>
+                      </p:stCondLst>
+                      <p:childTnLst>
+                        <p:par>
+                          <p:cTn id="12" fill="hold">
+                            <p:stCondLst>
+                              <p:cond delay="0"/>
+                            </p:stCondLst>
+                            <p:childTnLst>
+                              <p:par>
+                                <p:cTn id="13" presetID="1" presetClass="entr" presetSubtype="0" fill="hold" grpId="0" nodeType="clickEffect">
+                                  <p:stCondLst>
+                                    <p:cond delay="0"/>
+                                  </p:stCondLst>
+                                  <p:childTnLst>
+                                    <p:set>
+                                      <p:cBhvr>
+                                        <p:cTn id="14" dur="1" fill="hold">
+                                          <p:stCondLst>
+                                            <p:cond delay="0"/>
+                                          </p:stCondLst>
+                                        </p:cTn>
+                                        <p:tgtEl>
+                                          <p:spTgt spid="12"/>
+                                        </p:tgtEl>
+                                        <p:attrNameLst>
+                                          <p:attrName>style.visibility</p:attrName>
+                                        </p:attrNameLst>
+                                      </p:cBhvr>
+                                      <p:to>
+                                        <p:strVal val="visible"/>
+                                      </p:to>
+                                    </p:set>
+                                  </p:childTnLst>
+                                </p:cTn>
+                              </p:par>
+                              <p:par>
+                                <p:cTn id="15" presetID="1" presetClass="entr" presetSubtype="0" fill="hold" grpId="0" nodeType="withEffect">
+                                  <p:stCondLst>
+                                    <p:cond delay="0"/>
+                                  </p:stCondLst>
+                                  <p:childTnLst>
+                                    <p:set>
+                                      <p:cBhvr>
+                                        <p:cTn id="16" dur="1" fill="hold">
+                                          <p:stCondLst>
+                                            <p:cond delay="0"/>
+                                          </p:stCondLst>
+                                        </p:cTn>
+                                        <p:tgtEl>
+                                          <p:spTgt spid="11"/>
+                                        </p:tgtEl>
+                                        <p:attrNameLst>
+                                          <p:attrName>style.visibility</p:attrName>
+                                        </p:attrNameLst>
+                                      </p:cBhvr>
+                                      <p:to>
+                                        <p:strVal val="visible"/>
+                                      </p:to>
+                                    </p:set>
+                                  </p:childTnLst>
+                                </p:cTn>
+                              </p:par>
+                              <p:par>
+                                <p:cTn id="17" presetID="1" presetClass="exit" presetSubtype="0" fill="hold" grpId="1" nodeType="withEffect">
+                                  <p:stCondLst>
+                                    <p:cond delay="0"/>
+                                  </p:stCondLst>
+                                  <p:childTnLst>
+                                    <p:set>
+                                      <p:cBhvr>
+                                        <p:cTn id="18" dur="1" fill="hold">
+                                          <p:stCondLst>
+                                            <p:cond delay="0"/>
+                                          </p:stCondLst>
+                                        </p:cTn>
+                                        <p:tgtEl>
+                                          <p:spTgt spid="19"/>
+                                        </p:tgtEl>
+                                        <p:attrNameLst>
+                                          <p:attrName>style.visibility</p:attrName>
+                                        </p:attrNameLst>
+                                      </p:cBhvr>
+                                      <p:to>
+                                        <p:strVal val="hidden"/>
+                                      </p:to>
+                                    </p:set>
+                                  </p:childTnLst>
+                                </p:cTn>
+                              </p:par>
+                            </p:childTnLst>
+                          </p:cTn>
+                        </p:par>
+                      </p:childTnLst>
+                    </p:cTn>
+                  </p:par>
+                  <p:par>
+                    <p:cTn id="19" fill="hold">
+                      <p:stCondLst>
+                        <p:cond delay="indefinite"/>
+                      </p:stCondLst>
+                      <p:childTnLst>
+                        <p:par>
+                          <p:cTn id="20" fill="hold">
+                            <p:stCondLst>
+                              <p:cond delay="0"/>
+                            </p:stCondLst>
+                            <p:childTnLst>
+                              <p:par>
+                                <p:cTn id="21" presetID="1" presetClass="entr" presetSubtype="0" fill="hold" grpId="0" nodeType="clickEffect">
+                                  <p:stCondLst>
+                                    <p:cond delay="0"/>
+                                  </p:stCondLst>
+                                  <p:childTnLst>
+                                    <p:set>
+                                      <p:cBhvr>
+                                        <p:cTn id="22" dur="1" fill="hold">
+                                          <p:stCondLst>
+                                            <p:cond delay="0"/>
+                                          </p:stCondLst>
+                                        </p:cTn>
+                                        <p:tgtEl>
+                                          <p:spTgt spid="13"/>
+                                        </p:tgtEl>
+                                        <p:attrNameLst>
+                                          <p:attrName>style.visibility</p:attrName>
+                                        </p:attrNameLst>
+                                      </p:cBhvr>
+                                      <p:to>
+                                        <p:strVal val="visible"/>
+                                      </p:to>
+                                    </p:set>
+                                  </p:childTnLst>
+                                </p:cTn>
+                              </p:par>
+                            </p:childTnLst>
+                          </p:cTn>
+                        </p:par>
+                      </p:childTnLst>
+                    </p:cTn>
+                  </p:par>
+                  <p:par>
+                    <p:cTn id="23" fill="hold">
+                      <p:stCondLst>
+                        <p:cond delay="indefinite"/>
+                      </p:stCondLst>
+                      <p:childTnLst>
+                        <p:par>
+                          <p:cTn id="24" fill="hold">
+                            <p:stCondLst>
+                              <p:cond delay="0"/>
+                            </p:stCondLst>
+                            <p:childTnLst>
+                              <p:par>
+                                <p:cTn id="25" presetID="1" presetClass="entr" presetSubtype="0" fill="hold" grpId="0" nodeType="clickEffect">
+                                  <p:stCondLst>
+                                    <p:cond delay="0"/>
+                                  </p:stCondLst>
+                                  <p:childTnLst>
+                                    <p:set>
+                                      <p:cBhvr>
+                                        <p:cTn id="26" dur="1" fill="hold">
+                                          <p:stCondLst>
+                                            <p:cond delay="0"/>
+                                          </p:stCondLst>
+                                        </p:cTn>
+                                        <p:tgtEl>
+                                          <p:spTgt spid="15"/>
+                                        </p:tgtEl>
+                                        <p:attrNameLst>
+                                          <p:attrName>style.visibility</p:attrName>
+                                        </p:attrNameLst>
+                                      </p:cBhvr>
+                                      <p:to>
+                                        <p:strVal val="visible"/>
+                                      </p:to>
+                                    </p:set>
+                                  </p:childTnLst>
+                                </p:cTn>
+                              </p:par>
+                              <p:par>
+                                <p:cTn id="27" presetID="1" presetClass="exit" presetSubtype="0" fill="hold" grpId="1" nodeType="withEffect">
+                                  <p:stCondLst>
+                                    <p:cond delay="0"/>
+                                  </p:stCondLst>
+                                  <p:childTnLst>
+                                    <p:set>
+                                      <p:cBhvr>
+                                        <p:cTn id="28" dur="1" fill="hold">
+                                          <p:stCondLst>
+                                            <p:cond delay="0"/>
+                                          </p:stCondLst>
+                                        </p:cTn>
+                                        <p:tgtEl>
+                                          <p:spTgt spid="13"/>
+                                        </p:tgtEl>
+                                        <p:attrNameLst>
+                                          <p:attrName>style.visibility</p:attrName>
+                                        </p:attrNameLst>
+                                      </p:cBhvr>
+                                      <p:to>
+                                        <p:strVal val="hidden"/>
+                                      </p:to>
+                                    </p:set>
+                                  </p:childTnLst>
+                                </p:cTn>
+                              </p:par>
+                            </p:childTnLst>
+                          </p:cTn>
+                        </p:par>
+                      </p:childTnLst>
+                    </p:cTn>
+                  </p:par>
+                  <p:par>
+                    <p:cTn id="29" fill="hold">
+                      <p:stCondLst>
+                        <p:cond delay="indefinite"/>
+                      </p:stCondLst>
+                      <p:childTnLst>
+                        <p:par>
+                          <p:cTn id="30" fill="hold">
+                            <p:stCondLst>
+                              <p:cond delay="0"/>
+                            </p:stCondLst>
+                            <p:childTnLst>
+                              <p:par>
+                                <p:cTn id="31" presetID="1" presetClass="entr" presetSubtype="0" fill="hold" grpId="0" nodeType="clickEffect">
+                                  <p:stCondLst>
+                                    <p:cond delay="0"/>
+                                  </p:stCondLst>
+                                  <p:childTnLst>
+                                    <p:set>
+                                      <p:cBhvr>
+                                        <p:cTn id="32" dur="1" fill="hold">
+                                          <p:stCondLst>
+                                            <p:cond delay="0"/>
+                                          </p:stCondLst>
+                                        </p:cTn>
+                                        <p:tgtEl>
+                                          <p:spTgt spid="17"/>
+                                        </p:tgtEl>
+                                        <p:attrNameLst>
+                                          <p:attrName>style.visibility</p:attrName>
+                                        </p:attrNameLst>
+                                      </p:cBhvr>
+                                      <p:to>
+                                        <p:strVal val="visible"/>
+                                      </p:to>
+                                    </p:set>
+                                  </p:childTnLst>
+                                </p:cTn>
+                              </p:par>
+                              <p:par>
+                                <p:cTn id="33" presetID="1" presetClass="exit" presetSubtype="0" fill="hold" grpId="1" nodeType="withEffect">
+                                  <p:stCondLst>
+                                    <p:cond delay="0"/>
+                                  </p:stCondLst>
+                                  <p:childTnLst>
+                                    <p:set>
+                                      <p:cBhvr>
+                                        <p:cTn id="34" dur="1" fill="hold">
+                                          <p:stCondLst>
+                                            <p:cond delay="0"/>
+                                          </p:stCondLst>
+                                        </p:cTn>
+                                        <p:tgtEl>
+                                          <p:spTgt spid="15"/>
+                                        </p:tgtEl>
+                                        <p:attrNameLst>
+                                          <p:attrName>style.visibility</p:attrName>
+                                        </p:attrNameLst>
+                                      </p:cBhvr>
+                                      <p:to>
+                                        <p:strVal val="hidden"/>
+                                      </p:to>
+                                    </p:set>
+                                  </p:childTnLst>
+                                </p:cTn>
+                              </p:par>
+                            </p:childTnLst>
+                          </p:cTn>
+                        </p:par>
+                      </p:childTnLst>
+                    </p:cTn>
+                  </p:par>
+                  <p:par>
+                    <p:cTn id="35" fill="hold">
+                      <p:stCondLst>
+                        <p:cond delay="indefinite"/>
+                      </p:stCondLst>
+                      <p:childTnLst>
+                        <p:par>
+                          <p:cTn id="36" fill="hold">
+                            <p:stCondLst>
+                              <p:cond delay="0"/>
+                            </p:stCondLst>
+                            <p:childTnLst>
+                              <p:par>
+                                <p:cTn id="37" presetID="1" presetClass="entr" presetSubtype="0" fill="hold" grpId="0" nodeType="clickEffect">
+                                  <p:stCondLst>
+                                    <p:cond delay="0"/>
+                                  </p:stCondLst>
+                                  <p:childTnLst>
+                                    <p:set>
+                                      <p:cBhvr>
+                                        <p:cTn id="38" dur="1" fill="hold">
+                                          <p:stCondLst>
+                                            <p:cond delay="0"/>
+                                          </p:stCondLst>
+                                        </p:cTn>
+                                        <p:tgtEl>
+                                          <p:spTgt spid="18"/>
+                                        </p:tgtEl>
+                                        <p:attrNameLst>
+                                          <p:attrName>style.visibility</p:attrName>
+                                        </p:attrNameLst>
+                                      </p:cBhvr>
+                                      <p:to>
+                                        <p:strVal val="visible"/>
+                                      </p:to>
+                                    </p:set>
+                                  </p:childTnLst>
+                                </p:cTn>
+                              </p:par>
+                              <p:par>
+                                <p:cTn id="39" presetID="1" presetClass="exit" presetSubtype="0" fill="hold" grpId="1" nodeType="withEffect">
+                                  <p:stCondLst>
+                                    <p:cond delay="0"/>
+                                  </p:stCondLst>
+                                  <p:childTnLst>
+                                    <p:set>
+                                      <p:cBhvr>
+                                        <p:cTn id="40" dur="1" fill="hold">
+                                          <p:stCondLst>
+                                            <p:cond delay="0"/>
+                                          </p:stCondLst>
+                                        </p:cTn>
+                                        <p:tgtEl>
+                                          <p:spTgt spid="17"/>
+                                        </p:tgtEl>
+                                        <p:attrNameLst>
+                                          <p:attrName>style.visibility</p:attrName>
+                                        </p:attrNameLst>
+                                      </p:cBhvr>
+                                      <p:to>
+                                        <p:strVal val="hidden"/>
+                                      </p:to>
+                                    </p:set>
+                                  </p:childTnLst>
+                                </p:cTn>
+                              </p:par>
+                            </p:childTnLst>
+                          </p:cTn>
+                        </p:par>
+                      </p:childTnLst>
+                    </p:cTn>
+                  </p:par>
+                  <p:par>
+                    <p:cTn id="41" fill="hold">
+                      <p:stCondLst>
+                        <p:cond delay="indefinite"/>
+                      </p:stCondLst>
+                      <p:childTnLst>
+                        <p:par>
+                          <p:cTn id="42" fill="hold">
+                            <p:stCondLst>
+                              <p:cond delay="0"/>
+                            </p:stCondLst>
+                            <p:childTnLst>
+                              <p:par>
+                                <p:cTn id="43" presetID="1" presetClass="entr" presetSubtype="0" fill="hold" grpId="0" nodeType="clickEffect">
+                                  <p:stCondLst>
+                                    <p:cond delay="0"/>
+                                  </p:stCondLst>
+                                  <p:childTnLst>
+                                    <p:set>
+                                      <p:cBhvr>
+                                        <p:cTn id="44" dur="1" fill="hold">
+                                          <p:stCondLst>
+                                            <p:cond delay="0"/>
+                                          </p:stCondLst>
+                                        </p:cTn>
+                                        <p:tgtEl>
+                                          <p:spTgt spid="20"/>
+                                        </p:tgtEl>
+                                        <p:attrNameLst>
+                                          <p:attrName>style.visibility</p:attrName>
+                                        </p:attrNameLst>
+                                      </p:cBhvr>
+                                      <p:to>
+                                        <p:strVal val="visible"/>
+                                      </p:to>
+                                    </p:set>
+                                  </p:childTnLst>
+                                </p:cTn>
+                              </p:par>
+                              <p:par>
+                                <p:cTn id="45" presetID="1" presetClass="exit" presetSubtype="0" fill="hold" grpId="1" nodeType="withEffect">
+                                  <p:stCondLst>
+                                    <p:cond delay="0"/>
+                                  </p:stCondLst>
+                                  <p:childTnLst>
+                                    <p:set>
+                                      <p:cBhvr>
+                                        <p:cTn id="46" dur="1" fill="hold">
+                                          <p:stCondLst>
+                                            <p:cond delay="0"/>
+                                          </p:stCondLst>
+                                        </p:cTn>
+                                        <p:tgtEl>
+                                          <p:spTgt spid="18"/>
+                                        </p:tgtEl>
+                                        <p:attrNameLst>
+                                          <p:attrName>style.visibility</p:attrName>
+                                        </p:attrNameLst>
+                                      </p:cBhvr>
+                                      <p:to>
+                                        <p:strVal val="hidden"/>
+                                      </p:to>
+                                    </p:set>
+                                  </p:childTnLst>
+                                </p:cTn>
+                              </p:par>
+                            </p:childTnLst>
+                          </p:cTn>
+                        </p:par>
+                      </p:childTnLst>
+                    </p:cTn>
+                  </p:par>
+                  <p:par>
+                    <p:cTn id="47" fill="hold">
+                      <p:stCondLst>
+                        <p:cond delay="indefinite"/>
+                      </p:stCondLst>
+                      <p:childTnLst>
+                        <p:par>
+                          <p:cTn id="48" fill="hold">
+                            <p:stCondLst>
+                              <p:cond delay="0"/>
+                            </p:stCondLst>
+                            <p:childTnLst>
+                              <p:par>
+                                <p:cTn id="49" presetID="1" presetClass="entr" presetSubtype="0" fill="hold" grpId="0" nodeType="clickEffect">
+                                  <p:stCondLst>
+                                    <p:cond delay="0"/>
+                                  </p:stCondLst>
+                                  <p:childTnLst>
+                                    <p:set>
+                                      <p:cBhvr>
+                                        <p:cTn id="50" dur="1" fill="hold">
+                                          <p:stCondLst>
+                                            <p:cond delay="0"/>
+                                          </p:stCondLst>
+                                        </p:cTn>
+                                        <p:tgtEl>
+                                          <p:spTgt spid="21"/>
+                                        </p:tgtEl>
+                                        <p:attrNameLst>
+                                          <p:attrName>style.visibility</p:attrName>
+                                        </p:attrNameLst>
+                                      </p:cBhvr>
+                                      <p:to>
+                                        <p:strVal val="visible"/>
+                                      </p:to>
+                                    </p:set>
+                                  </p:childTnLst>
+                                </p:cTn>
+                              </p:par>
+                              <p:par>
+                                <p:cTn id="51" presetID="1" presetClass="exit" presetSubtype="0" fill="hold" grpId="1" nodeType="withEffect">
+                                  <p:stCondLst>
+                                    <p:cond delay="0"/>
+                                  </p:stCondLst>
+                                  <p:childTnLst>
+                                    <p:set>
+                                      <p:cBhvr>
+                                        <p:cTn id="52" dur="1" fill="hold">
+                                          <p:stCondLst>
+                                            <p:cond delay="0"/>
+                                          </p:stCondLst>
+                                        </p:cTn>
+                                        <p:tgtEl>
+                                          <p:spTgt spid="20"/>
+                                        </p:tgtEl>
+                                        <p:attrNameLst>
+                                          <p:attrName>style.visibility</p:attrName>
+                                        </p:attrNameLst>
+                                      </p:cBhvr>
+                                      <p:to>
+                                        <p:strVal val="hidden"/>
+                                      </p:to>
+                                    </p:set>
+                                  </p:childTnLst>
+                                </p:cTn>
+                              </p:par>
+                            </p:childTnLst>
+                          </p:cTn>
+                        </p:par>
+                      </p:childTnLst>
+                    </p:cTn>
+                  </p:par>
+                </p:childTnLst>
+              </p:cTn>
+              <p:prevCondLst>
+                <p:cond evt="onPrev" delay="0">
+                  <p:tgtEl>
+                    <p:sldTgt/>
+                  </p:tgtEl>
+                </p:cond>
+              </p:prevCondLst>
+              <p:nextCondLst>
+                <p:cond evt="onNext" delay="0">
+                  <p:tgtEl>
+                    <p:sldTgt/>
+                  </p:tgtEl>
+                </p:cond>
+              </p:nextCondLst>
+            </p:seq>
+          </p:childTnLst>
+        </p:cTn>
+      </p:par>
+    </p:tnLst>
+    <p:bldLst>
+      <p:bldP spid="10" grpId="0"/>
+      <p:bldP spid="11" grpId="0"/>
+      <p:bldP spid="12" grpId="0"/>
+      <p:bldP spid="13" grpId="0" animBg="1"/>
+      <p:bldP spid="13" grpId="1" animBg="1"/>
+      <p:bldP spid="15" grpId="0" animBg="1"/>
+      <p:bldP spid="15" grpId="1" animBg="1"/>
+      <p:bldP spid="17" grpId="0" animBg="1"/>
+      <p:bldP spid="17" grpId="1" animBg="1"/>
+      <p:bldP spid="18" grpId="0" animBg="1"/>
+      <p:bldP spid="18" grpId="1" animBg="1"/>
+      <p:bldP spid="19" grpId="0" animBg="1"/>
+      <p:bldP spid="19" grpId="1" animBg="1"/>
+      <p:bldP spid="20" grpId="0" animBg="1"/>
+      <p:bldP spid="20" grpId="1" animBg="1"/>
+      <p:bldP spid="21" grpId="0" animBg="1"/>
+    </p:bldLst>
+  </p:timing>
+</p:sld>
+</file>
+
+<file path=ppt/slides/slide13.xml><?xml version="1.0" encoding="utf-8"?>
+<p:sld xmlns:a="http://schemas.openxmlformats.org/drawingml/2006/main" xmlns:r="http://schemas.openxmlformats.org/officeDocument/2006/relationships" xmlns:p="http://schemas.openxmlformats.org/presentationml/2006/main">
+  <p:cSld>
+    <p:spTree>
+      <p:nvGrpSpPr>
+        <p:cNvPr id="1" name=""/>
+        <p:cNvGrpSpPr/>
+        <p:nvPr/>
+      </p:nvGrpSpPr>
+      <p:grpSpPr>
+        <a:xfrm>
+          <a:off x="0" y="0"/>
+          <a:ext cx="0" cy="0"/>
+          <a:chOff x="0" y="0"/>
+          <a:chExt cx="0" cy="0"/>
+        </a:xfrm>
+      </p:grpSpPr>
+      <p:sp>
+        <p:nvSpPr>
+          <p:cNvPr id="2" name="Title 1"/>
+          <p:cNvSpPr>
+            <a:spLocks noGrp="1"/>
+          </p:cNvSpPr>
+          <p:nvPr>
+            <p:ph type="title"/>
+          </p:nvPr>
+        </p:nvSpPr>
+        <p:spPr>
+          <a:xfrm>
+            <a:off x="685346" y="609600"/>
+            <a:ext cx="6766974" cy="970450"/>
+          </a:xfrm>
+        </p:spPr>
+        <p:txBody>
+          <a:bodyPr/>
+          <a:lstStyle/>
+          <a:p>
+            <a:r>
+              <a:rPr lang="nl-BE" dirty="0"/>
+              <a:t>ECMAScript 2018</a:t>
+            </a:r>
+          </a:p>
+        </p:txBody>
+      </p:sp>
+      <p:pic>
+        <p:nvPicPr>
+          <p:cNvPr id="5" name="Picture 4">
+            <a:extLst>
+              <a:ext uri="{FF2B5EF4-FFF2-40B4-BE49-F238E27FC236}">
+                <a16:creationId xmlns:a16="http://schemas.microsoft.com/office/drawing/2014/main" id="{560CF881-EE5E-4E9B-A632-637577B35D56}"/>
+              </a:ext>
+            </a:extLst>
+          </p:cNvPr>
+          <p:cNvPicPr>
+            <a:picLocks noChangeAspect="1"/>
+          </p:cNvPicPr>
+          <p:nvPr/>
+        </p:nvPicPr>
+        <p:blipFill>
+          <a:blip r:embed="rId2" cstate="print">
+            <a:extLst>
+              <a:ext uri="{28A0092B-C50C-407E-A947-70E740481C1C}">
+                <a14:useLocalDpi xmlns:a14="http://schemas.microsoft.com/office/drawing/2010/main" val="0"/>
+              </a:ext>
+            </a:extLst>
+          </a:blip>
+          <a:stretch>
+            <a:fillRect/>
+          </a:stretch>
+        </p:blipFill>
+        <p:spPr>
+          <a:xfrm>
+            <a:off x="7596336" y="187735"/>
+            <a:ext cx="1370401" cy="1544715"/>
+          </a:xfrm>
+          <a:prstGeom prst="rect">
+            <a:avLst/>
+          </a:prstGeom>
+        </p:spPr>
+      </p:pic>
+      <p:sp>
+        <p:nvSpPr>
+          <p:cNvPr id="8" name="Content Placeholder 2">
+            <a:extLst>
+              <a:ext uri="{FF2B5EF4-FFF2-40B4-BE49-F238E27FC236}">
+                <a16:creationId xmlns:a16="http://schemas.microsoft.com/office/drawing/2014/main" id="{412634E7-EFF5-41FB-96A1-70EFEEA9A2EB}"/>
+              </a:ext>
+            </a:extLst>
+          </p:cNvPr>
+          <p:cNvSpPr txBox="1">
+            <a:spLocks/>
+          </p:cNvSpPr>
+          <p:nvPr/>
+        </p:nvSpPr>
+        <p:spPr>
+          <a:xfrm>
+            <a:off x="899592" y="1580051"/>
+            <a:ext cx="7765322" cy="408790"/>
+          </a:xfrm>
+          <a:prstGeom prst="rect">
+            <a:avLst/>
+          </a:prstGeom>
+          <a:effectLst>
+            <a:outerShdw blurRad="25400" dir="17880000">
+              <a:srgbClr val="000000">
+                <a:alpha val="46000"/>
+              </a:srgbClr>
+            </a:outerShdw>
+          </a:effectLst>
+        </p:spPr>
+        <p:txBody>
+          <a:bodyPr vert="horz" lIns="91440" tIns="45720" rIns="91440" bIns="45720" rtlCol="0" anchor="t">
+            <a:normAutofit/>
+          </a:bodyPr>
+          <a:lstStyle>
+            <a:lvl1pPr marL="342900" indent="-306000" algn="l" defTabSz="457200" rtl="0" eaLnBrk="1" latinLnBrk="0" hangingPunct="1">
+              <a:spcBef>
+                <a:spcPct val="20000"/>
+              </a:spcBef>
+              <a:spcAft>
+                <a:spcPts val="600"/>
+              </a:spcAft>
+              <a:buClr>
+                <a:schemeClr val="tx2"/>
+              </a:buClr>
+              <a:buSzPct val="70000"/>
+              <a:buFont typeface="Wingdings 2" charset="2"/>
+              <a:buChar char=""/>
+              <a:defRPr sz="2000" kern="1200">
+                <a:ln>
+                  <a:solidFill>
+                    <a:schemeClr val="bg1">
+                      <a:lumMod val="75000"/>
+                      <a:lumOff val="25000"/>
+                      <a:alpha val="10000"/>
+                    </a:schemeClr>
+                  </a:solidFill>
+                </a:ln>
+                <a:solidFill>
+                  <a:schemeClr val="tx2"/>
+                </a:solidFill>
+                <a:effectLst>
+                  <a:outerShdw blurRad="9525" dist="25400" dir="14640000" algn="tl" rotWithShape="0">
+                    <a:schemeClr val="bg1">
+                      <a:alpha val="30000"/>
+                    </a:schemeClr>
+                  </a:outerShdw>
+                </a:effectLst>
+                <a:latin typeface="+mn-lt"/>
+                <a:ea typeface="+mn-ea"/>
+                <a:cs typeface="+mn-cs"/>
+              </a:defRPr>
+            </a:lvl1pPr>
+            <a:lvl2pPr marL="720000" indent="-270000" algn="l" defTabSz="457200" rtl="0" eaLnBrk="1" latinLnBrk="0" hangingPunct="1">
+              <a:spcBef>
+                <a:spcPct val="20000"/>
+              </a:spcBef>
+              <a:spcAft>
+                <a:spcPts val="600"/>
+              </a:spcAft>
+              <a:buClr>
+                <a:schemeClr val="tx2"/>
+              </a:buClr>
+              <a:buSzPct val="70000"/>
+              <a:buFont typeface="Wingdings 2" charset="2"/>
+              <a:buChar char=""/>
+              <a:defRPr sz="1800" kern="1200">
+                <a:ln>
+                  <a:solidFill>
+                    <a:schemeClr val="bg1">
+                      <a:lumMod val="75000"/>
+                      <a:lumOff val="25000"/>
+                      <a:alpha val="10000"/>
+                    </a:schemeClr>
+                  </a:solidFill>
+                </a:ln>
+                <a:solidFill>
+                  <a:schemeClr val="tx2"/>
+                </a:solidFill>
+                <a:effectLst>
+                  <a:outerShdw blurRad="9525" dist="25400" dir="14640000" algn="tl" rotWithShape="0">
+                    <a:schemeClr val="bg1">
+                      <a:alpha val="30000"/>
+                    </a:schemeClr>
+                  </a:outerShdw>
+                </a:effectLst>
+                <a:latin typeface="+mn-lt"/>
+                <a:ea typeface="+mn-ea"/>
+                <a:cs typeface="+mn-cs"/>
+              </a:defRPr>
+            </a:lvl2pPr>
+            <a:lvl3pPr marL="1026000" indent="-216000" algn="l" defTabSz="457200" rtl="0" eaLnBrk="1" latinLnBrk="0" hangingPunct="1">
+              <a:spcBef>
+                <a:spcPct val="20000"/>
+              </a:spcBef>
+              <a:spcAft>
+                <a:spcPts val="600"/>
+              </a:spcAft>
+              <a:buClr>
+                <a:schemeClr val="tx2"/>
+              </a:buClr>
+              <a:buSzPct val="70000"/>
+              <a:buFont typeface="Wingdings 2" charset="2"/>
+              <a:buChar char=""/>
+              <a:defRPr sz="1600" kern="1200">
+                <a:ln>
+                  <a:solidFill>
+                    <a:schemeClr val="bg1">
+                      <a:lumMod val="75000"/>
+                      <a:lumOff val="25000"/>
+                      <a:alpha val="10000"/>
+                    </a:schemeClr>
+                  </a:solidFill>
+                </a:ln>
+                <a:solidFill>
+                  <a:schemeClr val="tx2"/>
+                </a:solidFill>
+                <a:effectLst>
+                  <a:outerShdw blurRad="9525" dist="25400" dir="14640000" algn="tl" rotWithShape="0">
+                    <a:schemeClr val="bg1">
+                      <a:alpha val="30000"/>
+                    </a:schemeClr>
+                  </a:outerShdw>
+                </a:effectLst>
+                <a:latin typeface="+mn-lt"/>
+                <a:ea typeface="+mn-ea"/>
+                <a:cs typeface="+mn-cs"/>
+              </a:defRPr>
+            </a:lvl3pPr>
+            <a:lvl4pPr marL="1386000" indent="-216000" algn="l" defTabSz="457200" rtl="0" eaLnBrk="1" latinLnBrk="0" hangingPunct="1">
+              <a:spcBef>
+                <a:spcPct val="20000"/>
+              </a:spcBef>
+              <a:spcAft>
+                <a:spcPts val="600"/>
+              </a:spcAft>
+              <a:buClr>
+                <a:schemeClr val="tx2"/>
+              </a:buClr>
+              <a:buSzPct val="70000"/>
+              <a:buFont typeface="Wingdings 2" charset="2"/>
+              <a:buChar char=""/>
+              <a:defRPr sz="1400" kern="1200">
+                <a:ln>
+                  <a:solidFill>
+                    <a:schemeClr val="bg1">
+                      <a:lumMod val="75000"/>
+                      <a:lumOff val="25000"/>
+                      <a:alpha val="10000"/>
+                    </a:schemeClr>
+                  </a:solidFill>
+                </a:ln>
+                <a:solidFill>
+                  <a:schemeClr val="tx2"/>
+                </a:solidFill>
+                <a:effectLst>
+                  <a:outerShdw blurRad="9525" dist="25400" dir="14640000" algn="tl" rotWithShape="0">
+                    <a:schemeClr val="bg1">
+                      <a:alpha val="30000"/>
+                    </a:schemeClr>
+                  </a:outerShdw>
+                </a:effectLst>
+                <a:latin typeface="+mn-lt"/>
+                <a:ea typeface="+mn-ea"/>
+                <a:cs typeface="+mn-cs"/>
+              </a:defRPr>
+            </a:lvl4pPr>
+            <a:lvl5pPr marL="1674000" indent="-216000" algn="l" defTabSz="457200" rtl="0" eaLnBrk="1" latinLnBrk="0" hangingPunct="1">
+              <a:spcBef>
+                <a:spcPct val="20000"/>
+              </a:spcBef>
+              <a:spcAft>
+                <a:spcPts val="600"/>
+              </a:spcAft>
+              <a:buClr>
+                <a:schemeClr val="tx2"/>
+              </a:buClr>
+              <a:buSzPct val="70000"/>
+              <a:buFont typeface="Wingdings 2" charset="2"/>
+              <a:buChar char=""/>
+              <a:defRPr sz="1400" kern="1200">
+                <a:ln>
+                  <a:solidFill>
+                    <a:schemeClr val="bg1">
+                      <a:lumMod val="75000"/>
+                      <a:lumOff val="25000"/>
+                      <a:alpha val="10000"/>
+                    </a:schemeClr>
+                  </a:solidFill>
+                </a:ln>
+                <a:solidFill>
+                  <a:schemeClr val="tx2"/>
+                </a:solidFill>
+                <a:effectLst>
+                  <a:outerShdw blurRad="9525" dist="25400" dir="14640000" algn="tl" rotWithShape="0">
+                    <a:schemeClr val="bg1">
+                      <a:alpha val="30000"/>
+                    </a:schemeClr>
+                  </a:outerShdw>
+                </a:effectLst>
+                <a:latin typeface="+mn-lt"/>
+                <a:ea typeface="+mn-ea"/>
+                <a:cs typeface="+mn-cs"/>
+              </a:defRPr>
+            </a:lvl5pPr>
+            <a:lvl6pPr marL="2014600" indent="-228600" algn="l" defTabSz="457200" rtl="0" eaLnBrk="1" latinLnBrk="0" hangingPunct="1">
+              <a:spcBef>
+                <a:spcPct val="20000"/>
+              </a:spcBef>
+              <a:spcAft>
+                <a:spcPts val="600"/>
+              </a:spcAft>
+              <a:buClr>
+                <a:schemeClr val="tx2"/>
+              </a:buClr>
+              <a:buSzPct val="70000"/>
+              <a:buFont typeface="Wingdings 2" charset="2"/>
+              <a:buChar char=""/>
+              <a:defRPr sz="1400" kern="1200">
+                <a:ln>
+                  <a:solidFill>
+                    <a:schemeClr val="bg1">
+                      <a:lumMod val="75000"/>
+                      <a:lumOff val="25000"/>
+                      <a:alpha val="10000"/>
+                    </a:schemeClr>
+                  </a:solidFill>
+                </a:ln>
+                <a:solidFill>
+                  <a:schemeClr val="tx2"/>
+                </a:solidFill>
+                <a:effectLst>
+                  <a:outerShdw blurRad="9525" dist="25400" dir="14640000" algn="tl" rotWithShape="0">
+                    <a:schemeClr val="bg1">
+                      <a:alpha val="30000"/>
+                    </a:schemeClr>
+                  </a:outerShdw>
+                </a:effectLst>
+                <a:latin typeface="+mn-lt"/>
+                <a:ea typeface="+mn-ea"/>
+                <a:cs typeface="+mn-cs"/>
+              </a:defRPr>
+            </a:lvl6pPr>
+            <a:lvl7pPr marL="2401800" indent="-228600" algn="l" defTabSz="457200" rtl="0" eaLnBrk="1" latinLnBrk="0" hangingPunct="1">
+              <a:spcBef>
+                <a:spcPct val="20000"/>
+              </a:spcBef>
+              <a:spcAft>
+                <a:spcPts val="600"/>
+              </a:spcAft>
+              <a:buClr>
+                <a:schemeClr val="tx2"/>
+              </a:buClr>
+              <a:buSzPct val="70000"/>
+              <a:buFont typeface="Wingdings 2" charset="2"/>
+              <a:buChar char=""/>
+              <a:defRPr sz="1400" kern="1200">
+                <a:ln>
+                  <a:solidFill>
+                    <a:schemeClr val="bg1">
+                      <a:lumMod val="75000"/>
+                      <a:lumOff val="25000"/>
+                      <a:alpha val="10000"/>
+                    </a:schemeClr>
+                  </a:solidFill>
+                </a:ln>
+                <a:solidFill>
+                  <a:schemeClr val="tx2"/>
+                </a:solidFill>
+                <a:effectLst>
+                  <a:outerShdw blurRad="9525" dist="25400" dir="14640000" algn="tl" rotWithShape="0">
+                    <a:schemeClr val="bg1">
+                      <a:alpha val="30000"/>
+                    </a:schemeClr>
+                  </a:outerShdw>
+                </a:effectLst>
+                <a:latin typeface="+mn-lt"/>
+                <a:ea typeface="+mn-ea"/>
+                <a:cs typeface="+mn-cs"/>
+              </a:defRPr>
+            </a:lvl7pPr>
+            <a:lvl8pPr marL="2789000" indent="-228600" algn="l" defTabSz="457200" rtl="0" eaLnBrk="1" latinLnBrk="0" hangingPunct="1">
+              <a:spcBef>
+                <a:spcPct val="20000"/>
+              </a:spcBef>
+              <a:spcAft>
+                <a:spcPts val="600"/>
+              </a:spcAft>
+              <a:buClr>
+                <a:schemeClr val="tx2"/>
+              </a:buClr>
+              <a:buSzPct val="70000"/>
+              <a:buFont typeface="Wingdings 2" charset="2"/>
+              <a:buChar char=""/>
+              <a:defRPr sz="1400" kern="1200">
+                <a:ln>
+                  <a:solidFill>
+                    <a:schemeClr val="bg1">
+                      <a:lumMod val="75000"/>
+                      <a:lumOff val="25000"/>
+                      <a:alpha val="10000"/>
+                    </a:schemeClr>
+                  </a:solidFill>
+                </a:ln>
+                <a:solidFill>
+                  <a:schemeClr val="tx2"/>
+                </a:solidFill>
+                <a:effectLst>
+                  <a:outerShdw blurRad="9525" dist="25400" dir="14640000" algn="tl" rotWithShape="0">
+                    <a:schemeClr val="bg1">
+                      <a:alpha val="30000"/>
+                    </a:schemeClr>
+                  </a:outerShdw>
+                </a:effectLst>
+                <a:latin typeface="+mn-lt"/>
+                <a:ea typeface="+mn-ea"/>
+                <a:cs typeface="+mn-cs"/>
+              </a:defRPr>
+            </a:lvl8pPr>
+            <a:lvl9pPr marL="3106200" indent="-228600" algn="l" defTabSz="457200" rtl="0" eaLnBrk="1" latinLnBrk="0" hangingPunct="1">
+              <a:spcBef>
+                <a:spcPct val="20000"/>
+              </a:spcBef>
+              <a:spcAft>
+                <a:spcPts val="600"/>
+              </a:spcAft>
+              <a:buClr>
+                <a:schemeClr val="tx2"/>
+              </a:buClr>
+              <a:buSzPct val="70000"/>
+              <a:buFont typeface="Wingdings 2" charset="2"/>
+              <a:buChar char=""/>
+              <a:defRPr sz="1400" kern="1200">
+                <a:ln>
+                  <a:solidFill>
+                    <a:schemeClr val="bg1">
+                      <a:lumMod val="75000"/>
+                      <a:lumOff val="25000"/>
+                      <a:alpha val="10000"/>
+                    </a:schemeClr>
+                  </a:solidFill>
+                </a:ln>
+                <a:solidFill>
+                  <a:schemeClr val="tx2"/>
+                </a:solidFill>
+                <a:effectLst>
+                  <a:outerShdw blurRad="9525" dist="25400" dir="14640000" algn="tl" rotWithShape="0">
+                    <a:schemeClr val="bg1">
+                      <a:alpha val="30000"/>
+                    </a:schemeClr>
+                  </a:outerShdw>
+                </a:effectLst>
+                <a:latin typeface="+mn-lt"/>
+                <a:ea typeface="+mn-ea"/>
+                <a:cs typeface="+mn-cs"/>
+              </a:defRPr>
+            </a:lvl9pPr>
+          </a:lstStyle>
+          <a:p>
+            <a:r>
+              <a:rPr lang="nl-BE" dirty="0"/>
+              <a:t>RegEx: Lookbehind zero-width assertion</a:t>
+            </a:r>
+          </a:p>
+        </p:txBody>
+      </p:sp>
+      <p:sp>
+        <p:nvSpPr>
+          <p:cNvPr id="9" name="Content Placeholder 2">
+            <a:extLst>
+              <a:ext uri="{FF2B5EF4-FFF2-40B4-BE49-F238E27FC236}">
+                <a16:creationId xmlns:a16="http://schemas.microsoft.com/office/drawing/2014/main" id="{A425A06D-52CD-496E-8ADC-31259958343C}"/>
+              </a:ext>
+            </a:extLst>
+          </p:cNvPr>
+          <p:cNvSpPr txBox="1">
+            <a:spLocks/>
+          </p:cNvSpPr>
+          <p:nvPr/>
+        </p:nvSpPr>
+        <p:spPr>
+          <a:xfrm>
+            <a:off x="912907" y="4362056"/>
+            <a:ext cx="7765322" cy="2235296"/>
+          </a:xfrm>
+          <a:prstGeom prst="rect">
+            <a:avLst/>
+          </a:prstGeom>
+          <a:effectLst>
+            <a:outerShdw blurRad="25400" dir="17880000">
+              <a:srgbClr val="000000">
+                <a:alpha val="46000"/>
+              </a:srgbClr>
+            </a:outerShdw>
+          </a:effectLst>
+        </p:spPr>
+        <p:txBody>
+          <a:bodyPr vert="horz" lIns="91440" tIns="45720" rIns="91440" bIns="45720" rtlCol="0" anchor="t">
+            <a:normAutofit/>
+          </a:bodyPr>
+          <a:lstStyle>
+            <a:lvl1pPr marL="342900" indent="-306000" algn="l" defTabSz="457200" rtl="0" eaLnBrk="1" latinLnBrk="0" hangingPunct="1">
+              <a:spcBef>
+                <a:spcPct val="20000"/>
+              </a:spcBef>
+              <a:spcAft>
+                <a:spcPts val="600"/>
+              </a:spcAft>
+              <a:buClr>
+                <a:schemeClr val="tx2"/>
+              </a:buClr>
+              <a:buSzPct val="70000"/>
+              <a:buFont typeface="Wingdings 2" charset="2"/>
+              <a:buChar char=""/>
+              <a:defRPr sz="2000" kern="1200">
+                <a:ln>
+                  <a:solidFill>
+                    <a:schemeClr val="bg1">
+                      <a:lumMod val="75000"/>
+                      <a:lumOff val="25000"/>
+                      <a:alpha val="10000"/>
+                    </a:schemeClr>
+                  </a:solidFill>
+                </a:ln>
+                <a:solidFill>
+                  <a:schemeClr val="tx2"/>
+                </a:solidFill>
+                <a:effectLst>
+                  <a:outerShdw blurRad="9525" dist="25400" dir="14640000" algn="tl" rotWithShape="0">
+                    <a:schemeClr val="bg1">
+                      <a:alpha val="30000"/>
+                    </a:schemeClr>
+                  </a:outerShdw>
+                </a:effectLst>
+                <a:latin typeface="+mn-lt"/>
+                <a:ea typeface="+mn-ea"/>
+                <a:cs typeface="+mn-cs"/>
+              </a:defRPr>
+            </a:lvl1pPr>
+            <a:lvl2pPr marL="720000" indent="-270000" algn="l" defTabSz="457200" rtl="0" eaLnBrk="1" latinLnBrk="0" hangingPunct="1">
+              <a:spcBef>
+                <a:spcPct val="20000"/>
+              </a:spcBef>
+              <a:spcAft>
+                <a:spcPts val="600"/>
+              </a:spcAft>
+              <a:buClr>
+                <a:schemeClr val="tx2"/>
+              </a:buClr>
+              <a:buSzPct val="70000"/>
+              <a:buFont typeface="Wingdings 2" charset="2"/>
+              <a:buChar char=""/>
+              <a:defRPr sz="1800" kern="1200">
+                <a:ln>
+                  <a:solidFill>
+                    <a:schemeClr val="bg1">
+                      <a:lumMod val="75000"/>
+                      <a:lumOff val="25000"/>
+                      <a:alpha val="10000"/>
+                    </a:schemeClr>
+                  </a:solidFill>
+                </a:ln>
+                <a:solidFill>
+                  <a:schemeClr val="tx2"/>
+                </a:solidFill>
+                <a:effectLst>
+                  <a:outerShdw blurRad="9525" dist="25400" dir="14640000" algn="tl" rotWithShape="0">
+                    <a:schemeClr val="bg1">
+                      <a:alpha val="30000"/>
+                    </a:schemeClr>
+                  </a:outerShdw>
+                </a:effectLst>
+                <a:latin typeface="+mn-lt"/>
+                <a:ea typeface="+mn-ea"/>
+                <a:cs typeface="+mn-cs"/>
+              </a:defRPr>
+            </a:lvl2pPr>
+            <a:lvl3pPr marL="1026000" indent="-216000" algn="l" defTabSz="457200" rtl="0" eaLnBrk="1" latinLnBrk="0" hangingPunct="1">
+              <a:spcBef>
+                <a:spcPct val="20000"/>
+              </a:spcBef>
+              <a:spcAft>
+                <a:spcPts val="600"/>
+              </a:spcAft>
+              <a:buClr>
+                <a:schemeClr val="tx2"/>
+              </a:buClr>
+              <a:buSzPct val="70000"/>
+              <a:buFont typeface="Wingdings 2" charset="2"/>
+              <a:buChar char=""/>
+              <a:defRPr sz="1600" kern="1200">
+                <a:ln>
+                  <a:solidFill>
+                    <a:schemeClr val="bg1">
+                      <a:lumMod val="75000"/>
+                      <a:lumOff val="25000"/>
+                      <a:alpha val="10000"/>
+                    </a:schemeClr>
+                  </a:solidFill>
+                </a:ln>
+                <a:solidFill>
+                  <a:schemeClr val="tx2"/>
+                </a:solidFill>
+                <a:effectLst>
+                  <a:outerShdw blurRad="9525" dist="25400" dir="14640000" algn="tl" rotWithShape="0">
+                    <a:schemeClr val="bg1">
+                      <a:alpha val="30000"/>
+                    </a:schemeClr>
+                  </a:outerShdw>
+                </a:effectLst>
+                <a:latin typeface="+mn-lt"/>
+                <a:ea typeface="+mn-ea"/>
+                <a:cs typeface="+mn-cs"/>
+              </a:defRPr>
+            </a:lvl3pPr>
+            <a:lvl4pPr marL="1386000" indent="-216000" algn="l" defTabSz="457200" rtl="0" eaLnBrk="1" latinLnBrk="0" hangingPunct="1">
+              <a:spcBef>
+                <a:spcPct val="20000"/>
+              </a:spcBef>
+              <a:spcAft>
+                <a:spcPts val="600"/>
+              </a:spcAft>
+              <a:buClr>
+                <a:schemeClr val="tx2"/>
+              </a:buClr>
+              <a:buSzPct val="70000"/>
+              <a:buFont typeface="Wingdings 2" charset="2"/>
+              <a:buChar char=""/>
+              <a:defRPr sz="1400" kern="1200">
+                <a:ln>
+                  <a:solidFill>
+                    <a:schemeClr val="bg1">
+                      <a:lumMod val="75000"/>
+                      <a:lumOff val="25000"/>
+                      <a:alpha val="10000"/>
+                    </a:schemeClr>
+                  </a:solidFill>
+                </a:ln>
+                <a:solidFill>
+                  <a:schemeClr val="tx2"/>
+                </a:solidFill>
+                <a:effectLst>
+                  <a:outerShdw blurRad="9525" dist="25400" dir="14640000" algn="tl" rotWithShape="0">
+                    <a:schemeClr val="bg1">
+                      <a:alpha val="30000"/>
+                    </a:schemeClr>
+                  </a:outerShdw>
+                </a:effectLst>
+                <a:latin typeface="+mn-lt"/>
+                <a:ea typeface="+mn-ea"/>
+                <a:cs typeface="+mn-cs"/>
+              </a:defRPr>
+            </a:lvl4pPr>
+            <a:lvl5pPr marL="1674000" indent="-216000" algn="l" defTabSz="457200" rtl="0" eaLnBrk="1" latinLnBrk="0" hangingPunct="1">
+              <a:spcBef>
+                <a:spcPct val="20000"/>
+              </a:spcBef>
+              <a:spcAft>
+                <a:spcPts val="600"/>
+              </a:spcAft>
+              <a:buClr>
+                <a:schemeClr val="tx2"/>
+              </a:buClr>
+              <a:buSzPct val="70000"/>
+              <a:buFont typeface="Wingdings 2" charset="2"/>
+              <a:buChar char=""/>
+              <a:defRPr sz="1400" kern="1200">
+                <a:ln>
+                  <a:solidFill>
+                    <a:schemeClr val="bg1">
+                      <a:lumMod val="75000"/>
+                      <a:lumOff val="25000"/>
+                      <a:alpha val="10000"/>
+                    </a:schemeClr>
+                  </a:solidFill>
+                </a:ln>
+                <a:solidFill>
+                  <a:schemeClr val="tx2"/>
+                </a:solidFill>
+                <a:effectLst>
+                  <a:outerShdw blurRad="9525" dist="25400" dir="14640000" algn="tl" rotWithShape="0">
+                    <a:schemeClr val="bg1">
+                      <a:alpha val="30000"/>
+                    </a:schemeClr>
+                  </a:outerShdw>
+                </a:effectLst>
+                <a:latin typeface="+mn-lt"/>
+                <a:ea typeface="+mn-ea"/>
+                <a:cs typeface="+mn-cs"/>
+              </a:defRPr>
+            </a:lvl5pPr>
+            <a:lvl6pPr marL="2014600" indent="-228600" algn="l" defTabSz="457200" rtl="0" eaLnBrk="1" latinLnBrk="0" hangingPunct="1">
+              <a:spcBef>
+                <a:spcPct val="20000"/>
+              </a:spcBef>
+              <a:spcAft>
+                <a:spcPts val="600"/>
+              </a:spcAft>
+              <a:buClr>
+                <a:schemeClr val="tx2"/>
+              </a:buClr>
+              <a:buSzPct val="70000"/>
+              <a:buFont typeface="Wingdings 2" charset="2"/>
+              <a:buChar char=""/>
+              <a:defRPr sz="1400" kern="1200">
+                <a:ln>
+                  <a:solidFill>
+                    <a:schemeClr val="bg1">
+                      <a:lumMod val="75000"/>
+                      <a:lumOff val="25000"/>
+                      <a:alpha val="10000"/>
+                    </a:schemeClr>
+                  </a:solidFill>
+                </a:ln>
+                <a:solidFill>
+                  <a:schemeClr val="tx2"/>
+                </a:solidFill>
+                <a:effectLst>
+                  <a:outerShdw blurRad="9525" dist="25400" dir="14640000" algn="tl" rotWithShape="0">
+                    <a:schemeClr val="bg1">
+                      <a:alpha val="30000"/>
+                    </a:schemeClr>
+                  </a:outerShdw>
+                </a:effectLst>
+                <a:latin typeface="+mn-lt"/>
+                <a:ea typeface="+mn-ea"/>
+                <a:cs typeface="+mn-cs"/>
+              </a:defRPr>
+            </a:lvl6pPr>
+            <a:lvl7pPr marL="2401800" indent="-228600" algn="l" defTabSz="457200" rtl="0" eaLnBrk="1" latinLnBrk="0" hangingPunct="1">
+              <a:spcBef>
+                <a:spcPct val="20000"/>
+              </a:spcBef>
+              <a:spcAft>
+                <a:spcPts val="600"/>
+              </a:spcAft>
+              <a:buClr>
+                <a:schemeClr val="tx2"/>
+              </a:buClr>
+              <a:buSzPct val="70000"/>
+              <a:buFont typeface="Wingdings 2" charset="2"/>
+              <a:buChar char=""/>
+              <a:defRPr sz="1400" kern="1200">
+                <a:ln>
+                  <a:solidFill>
+                    <a:schemeClr val="bg1">
+                      <a:lumMod val="75000"/>
+                      <a:lumOff val="25000"/>
+                      <a:alpha val="10000"/>
+                    </a:schemeClr>
+                  </a:solidFill>
+                </a:ln>
+                <a:solidFill>
+                  <a:schemeClr val="tx2"/>
+                </a:solidFill>
+                <a:effectLst>
+                  <a:outerShdw blurRad="9525" dist="25400" dir="14640000" algn="tl" rotWithShape="0">
+                    <a:schemeClr val="bg1">
+                      <a:alpha val="30000"/>
+                    </a:schemeClr>
+                  </a:outerShdw>
+                </a:effectLst>
+                <a:latin typeface="+mn-lt"/>
+                <a:ea typeface="+mn-ea"/>
+                <a:cs typeface="+mn-cs"/>
+              </a:defRPr>
+            </a:lvl7pPr>
+            <a:lvl8pPr marL="2789000" indent="-228600" algn="l" defTabSz="457200" rtl="0" eaLnBrk="1" latinLnBrk="0" hangingPunct="1">
+              <a:spcBef>
+                <a:spcPct val="20000"/>
+              </a:spcBef>
+              <a:spcAft>
+                <a:spcPts val="600"/>
+              </a:spcAft>
+              <a:buClr>
+                <a:schemeClr val="tx2"/>
+              </a:buClr>
+              <a:buSzPct val="70000"/>
+              <a:buFont typeface="Wingdings 2" charset="2"/>
+              <a:buChar char=""/>
+              <a:defRPr sz="1400" kern="1200">
+                <a:ln>
+                  <a:solidFill>
+                    <a:schemeClr val="bg1">
+                      <a:lumMod val="75000"/>
+                      <a:lumOff val="25000"/>
+                      <a:alpha val="10000"/>
+                    </a:schemeClr>
+                  </a:solidFill>
+                </a:ln>
+                <a:solidFill>
+                  <a:schemeClr val="tx2"/>
+                </a:solidFill>
+                <a:effectLst>
+                  <a:outerShdw blurRad="9525" dist="25400" dir="14640000" algn="tl" rotWithShape="0">
+                    <a:schemeClr val="bg1">
+                      <a:alpha val="30000"/>
+                    </a:schemeClr>
+                  </a:outerShdw>
+                </a:effectLst>
+                <a:latin typeface="+mn-lt"/>
+                <a:ea typeface="+mn-ea"/>
+                <a:cs typeface="+mn-cs"/>
+              </a:defRPr>
+            </a:lvl8pPr>
+            <a:lvl9pPr marL="3106200" indent="-228600" algn="l" defTabSz="457200" rtl="0" eaLnBrk="1" latinLnBrk="0" hangingPunct="1">
+              <a:spcBef>
+                <a:spcPct val="20000"/>
+              </a:spcBef>
+              <a:spcAft>
+                <a:spcPts val="600"/>
+              </a:spcAft>
+              <a:buClr>
+                <a:schemeClr val="tx2"/>
+              </a:buClr>
+              <a:buSzPct val="70000"/>
+              <a:buFont typeface="Wingdings 2" charset="2"/>
+              <a:buChar char=""/>
+              <a:defRPr sz="1400" kern="1200">
+                <a:ln>
+                  <a:solidFill>
+                    <a:schemeClr val="bg1">
+                      <a:lumMod val="75000"/>
+                      <a:lumOff val="25000"/>
+                      <a:alpha val="10000"/>
+                    </a:schemeClr>
+                  </a:solidFill>
+                </a:ln>
+                <a:solidFill>
+                  <a:schemeClr val="tx2"/>
+                </a:solidFill>
+                <a:effectLst>
+                  <a:outerShdw blurRad="9525" dist="25400" dir="14640000" algn="tl" rotWithShape="0">
+                    <a:schemeClr val="bg1">
+                      <a:alpha val="30000"/>
+                    </a:schemeClr>
+                  </a:outerShdw>
+                </a:effectLst>
+                <a:latin typeface="+mn-lt"/>
+                <a:ea typeface="+mn-ea"/>
+                <a:cs typeface="+mn-cs"/>
+              </a:defRPr>
+            </a:lvl9pPr>
+          </a:lstStyle>
+          <a:p>
+            <a:r>
+              <a:rPr lang="nl-BE" sz="2800" dirty="0"/>
+              <a:t>Lookbehinds: </a:t>
+            </a:r>
+            <a:br>
+              <a:rPr lang="nl-BE" sz="2800" dirty="0"/>
+            </a:br>
+            <a:r>
+              <a:rPr lang="nl-BE" sz="2800" dirty="0"/>
+              <a:t>				</a:t>
+            </a:r>
+            <a:r>
+              <a:rPr lang="nl-BE" sz="3200" dirty="0">
+                <a:solidFill>
+                  <a:srgbClr val="D39745"/>
+                </a:solidFill>
+                <a:latin typeface="Courier New" panose="02070309020205020404" pitchFamily="49" charset="0"/>
+                <a:cs typeface="Courier New" panose="02070309020205020404" pitchFamily="49" charset="0"/>
+              </a:rPr>
+              <a:t>/(?&lt;=a)b/</a:t>
+            </a:r>
+          </a:p>
+          <a:p>
+            <a:pPr marL="36900" indent="0">
+              <a:buNone/>
+            </a:pPr>
+            <a:br>
+              <a:rPr lang="nl-BE" sz="3200" dirty="0">
+                <a:solidFill>
+                  <a:srgbClr val="D39745"/>
+                </a:solidFill>
+                <a:latin typeface="Courier New" panose="02070309020205020404" pitchFamily="49" charset="0"/>
+                <a:cs typeface="Courier New" panose="02070309020205020404" pitchFamily="49" charset="0"/>
+              </a:rPr>
+            </a:br>
+            <a:r>
+              <a:rPr lang="nl-BE" sz="3200" dirty="0">
+                <a:solidFill>
+                  <a:srgbClr val="D39745"/>
+                </a:solidFill>
+                <a:latin typeface="Courier New" panose="02070309020205020404" pitchFamily="49" charset="0"/>
+                <a:cs typeface="Courier New" panose="02070309020205020404" pitchFamily="49" charset="0"/>
+              </a:rPr>
+              <a:t>				/(?&lt;!a)b/</a:t>
+            </a:r>
+          </a:p>
+        </p:txBody>
+      </p:sp>
+      <p:sp>
+        <p:nvSpPr>
+          <p:cNvPr id="11" name="Content Placeholder 2">
+            <a:extLst>
+              <a:ext uri="{FF2B5EF4-FFF2-40B4-BE49-F238E27FC236}">
+                <a16:creationId xmlns:a16="http://schemas.microsoft.com/office/drawing/2014/main" id="{6D4390C2-7F08-448C-8AE2-EE9D84576E87}"/>
+              </a:ext>
+            </a:extLst>
+          </p:cNvPr>
+          <p:cNvSpPr txBox="1">
+            <a:spLocks/>
+          </p:cNvSpPr>
+          <p:nvPr/>
+        </p:nvSpPr>
+        <p:spPr>
+          <a:xfrm>
+            <a:off x="899592" y="2123419"/>
+            <a:ext cx="7765322" cy="1829846"/>
+          </a:xfrm>
+          <a:prstGeom prst="rect">
+            <a:avLst/>
+          </a:prstGeom>
+          <a:effectLst>
+            <a:outerShdw blurRad="25400" dir="17880000">
+              <a:srgbClr val="000000">
+                <a:alpha val="46000"/>
+              </a:srgbClr>
+            </a:outerShdw>
+          </a:effectLst>
+        </p:spPr>
+        <p:txBody>
+          <a:bodyPr vert="horz" lIns="91440" tIns="45720" rIns="91440" bIns="45720" rtlCol="0" anchor="t">
+            <a:noAutofit/>
+          </a:bodyPr>
+          <a:lstStyle>
+            <a:lvl1pPr marL="342900" indent="-306000" algn="l" defTabSz="457200" rtl="0" eaLnBrk="1" latinLnBrk="0" hangingPunct="1">
+              <a:spcBef>
+                <a:spcPct val="20000"/>
+              </a:spcBef>
+              <a:spcAft>
+                <a:spcPts val="600"/>
+              </a:spcAft>
+              <a:buClr>
+                <a:schemeClr val="tx2"/>
+              </a:buClr>
+              <a:buSzPct val="70000"/>
+              <a:buFont typeface="Wingdings 2" charset="2"/>
+              <a:buChar char=""/>
+              <a:defRPr sz="2000" kern="1200">
+                <a:ln>
+                  <a:solidFill>
+                    <a:schemeClr val="bg1">
+                      <a:lumMod val="75000"/>
+                      <a:lumOff val="25000"/>
+                      <a:alpha val="10000"/>
+                    </a:schemeClr>
+                  </a:solidFill>
+                </a:ln>
+                <a:solidFill>
+                  <a:schemeClr val="tx2"/>
+                </a:solidFill>
+                <a:effectLst>
+                  <a:outerShdw blurRad="9525" dist="25400" dir="14640000" algn="tl" rotWithShape="0">
+                    <a:schemeClr val="bg1">
+                      <a:alpha val="30000"/>
+                    </a:schemeClr>
+                  </a:outerShdw>
+                </a:effectLst>
+                <a:latin typeface="+mn-lt"/>
+                <a:ea typeface="+mn-ea"/>
+                <a:cs typeface="+mn-cs"/>
+              </a:defRPr>
+            </a:lvl1pPr>
+            <a:lvl2pPr marL="720000" indent="-270000" algn="l" defTabSz="457200" rtl="0" eaLnBrk="1" latinLnBrk="0" hangingPunct="1">
+              <a:spcBef>
+                <a:spcPct val="20000"/>
+              </a:spcBef>
+              <a:spcAft>
+                <a:spcPts val="600"/>
+              </a:spcAft>
+              <a:buClr>
+                <a:schemeClr val="tx2"/>
+              </a:buClr>
+              <a:buSzPct val="70000"/>
+              <a:buFont typeface="Wingdings 2" charset="2"/>
+              <a:buChar char=""/>
+              <a:defRPr sz="1800" kern="1200">
+                <a:ln>
+                  <a:solidFill>
+                    <a:schemeClr val="bg1">
+                      <a:lumMod val="75000"/>
+                      <a:lumOff val="25000"/>
+                      <a:alpha val="10000"/>
+                    </a:schemeClr>
+                  </a:solidFill>
+                </a:ln>
+                <a:solidFill>
+                  <a:schemeClr val="tx2"/>
+                </a:solidFill>
+                <a:effectLst>
+                  <a:outerShdw blurRad="9525" dist="25400" dir="14640000" algn="tl" rotWithShape="0">
+                    <a:schemeClr val="bg1">
+                      <a:alpha val="30000"/>
+                    </a:schemeClr>
+                  </a:outerShdw>
+                </a:effectLst>
+                <a:latin typeface="+mn-lt"/>
+                <a:ea typeface="+mn-ea"/>
+                <a:cs typeface="+mn-cs"/>
+              </a:defRPr>
+            </a:lvl2pPr>
+            <a:lvl3pPr marL="1026000" indent="-216000" algn="l" defTabSz="457200" rtl="0" eaLnBrk="1" latinLnBrk="0" hangingPunct="1">
+              <a:spcBef>
+                <a:spcPct val="20000"/>
+              </a:spcBef>
+              <a:spcAft>
+                <a:spcPts val="600"/>
+              </a:spcAft>
+              <a:buClr>
+                <a:schemeClr val="tx2"/>
+              </a:buClr>
+              <a:buSzPct val="70000"/>
+              <a:buFont typeface="Wingdings 2" charset="2"/>
+              <a:buChar char=""/>
+              <a:defRPr sz="1600" kern="1200">
+                <a:ln>
+                  <a:solidFill>
+                    <a:schemeClr val="bg1">
+                      <a:lumMod val="75000"/>
+                      <a:lumOff val="25000"/>
+                      <a:alpha val="10000"/>
+                    </a:schemeClr>
+                  </a:solidFill>
+                </a:ln>
+                <a:solidFill>
+                  <a:schemeClr val="tx2"/>
+                </a:solidFill>
+                <a:effectLst>
+                  <a:outerShdw blurRad="9525" dist="25400" dir="14640000" algn="tl" rotWithShape="0">
+                    <a:schemeClr val="bg1">
+                      <a:alpha val="30000"/>
+                    </a:schemeClr>
+                  </a:outerShdw>
+                </a:effectLst>
+                <a:latin typeface="+mn-lt"/>
+                <a:ea typeface="+mn-ea"/>
+                <a:cs typeface="+mn-cs"/>
+              </a:defRPr>
+            </a:lvl3pPr>
+            <a:lvl4pPr marL="1386000" indent="-216000" algn="l" defTabSz="457200" rtl="0" eaLnBrk="1" latinLnBrk="0" hangingPunct="1">
+              <a:spcBef>
+                <a:spcPct val="20000"/>
+              </a:spcBef>
+              <a:spcAft>
+                <a:spcPts val="600"/>
+              </a:spcAft>
+              <a:buClr>
+                <a:schemeClr val="tx2"/>
+              </a:buClr>
+              <a:buSzPct val="70000"/>
+              <a:buFont typeface="Wingdings 2" charset="2"/>
+              <a:buChar char=""/>
+              <a:defRPr sz="1400" kern="1200">
+                <a:ln>
+                  <a:solidFill>
+                    <a:schemeClr val="bg1">
+                      <a:lumMod val="75000"/>
+                      <a:lumOff val="25000"/>
+                      <a:alpha val="10000"/>
+                    </a:schemeClr>
+                  </a:solidFill>
+                </a:ln>
+                <a:solidFill>
+                  <a:schemeClr val="tx2"/>
+                </a:solidFill>
+                <a:effectLst>
+                  <a:outerShdw blurRad="9525" dist="25400" dir="14640000" algn="tl" rotWithShape="0">
+                    <a:schemeClr val="bg1">
+                      <a:alpha val="30000"/>
+                    </a:schemeClr>
+                  </a:outerShdw>
+                </a:effectLst>
+                <a:latin typeface="+mn-lt"/>
+                <a:ea typeface="+mn-ea"/>
+                <a:cs typeface="+mn-cs"/>
+              </a:defRPr>
+            </a:lvl4pPr>
+            <a:lvl5pPr marL="1674000" indent="-216000" algn="l" defTabSz="457200" rtl="0" eaLnBrk="1" latinLnBrk="0" hangingPunct="1">
+              <a:spcBef>
+                <a:spcPct val="20000"/>
+              </a:spcBef>
+              <a:spcAft>
+                <a:spcPts val="600"/>
+              </a:spcAft>
+              <a:buClr>
+                <a:schemeClr val="tx2"/>
+              </a:buClr>
+              <a:buSzPct val="70000"/>
+              <a:buFont typeface="Wingdings 2" charset="2"/>
+              <a:buChar char=""/>
+              <a:defRPr sz="1400" kern="1200">
+                <a:ln>
+                  <a:solidFill>
+                    <a:schemeClr val="bg1">
+                      <a:lumMod val="75000"/>
+                      <a:lumOff val="25000"/>
+                      <a:alpha val="10000"/>
+                    </a:schemeClr>
+                  </a:solidFill>
+                </a:ln>
+                <a:solidFill>
+                  <a:schemeClr val="tx2"/>
+                </a:solidFill>
+                <a:effectLst>
+                  <a:outerShdw blurRad="9525" dist="25400" dir="14640000" algn="tl" rotWithShape="0">
+                    <a:schemeClr val="bg1">
+                      <a:alpha val="30000"/>
+                    </a:schemeClr>
+                  </a:outerShdw>
+                </a:effectLst>
+                <a:latin typeface="+mn-lt"/>
+                <a:ea typeface="+mn-ea"/>
+                <a:cs typeface="+mn-cs"/>
+              </a:defRPr>
+            </a:lvl5pPr>
+            <a:lvl6pPr marL="2014600" indent="-228600" algn="l" defTabSz="457200" rtl="0" eaLnBrk="1" latinLnBrk="0" hangingPunct="1">
+              <a:spcBef>
+                <a:spcPct val="20000"/>
+              </a:spcBef>
+              <a:spcAft>
+                <a:spcPts val="600"/>
+              </a:spcAft>
+              <a:buClr>
+                <a:schemeClr val="tx2"/>
+              </a:buClr>
+              <a:buSzPct val="70000"/>
+              <a:buFont typeface="Wingdings 2" charset="2"/>
+              <a:buChar char=""/>
+              <a:defRPr sz="1400" kern="1200">
+                <a:ln>
+                  <a:solidFill>
+                    <a:schemeClr val="bg1">
+                      <a:lumMod val="75000"/>
+                      <a:lumOff val="25000"/>
+                      <a:alpha val="10000"/>
+                    </a:schemeClr>
+                  </a:solidFill>
+                </a:ln>
+                <a:solidFill>
+                  <a:schemeClr val="tx2"/>
+                </a:solidFill>
+                <a:effectLst>
+                  <a:outerShdw blurRad="9525" dist="25400" dir="14640000" algn="tl" rotWithShape="0">
+                    <a:schemeClr val="bg1">
+                      <a:alpha val="30000"/>
+                    </a:schemeClr>
+                  </a:outerShdw>
+                </a:effectLst>
+                <a:latin typeface="+mn-lt"/>
+                <a:ea typeface="+mn-ea"/>
+                <a:cs typeface="+mn-cs"/>
+              </a:defRPr>
+            </a:lvl6pPr>
+            <a:lvl7pPr marL="2401800" indent="-228600" algn="l" defTabSz="457200" rtl="0" eaLnBrk="1" latinLnBrk="0" hangingPunct="1">
+              <a:spcBef>
+                <a:spcPct val="20000"/>
+              </a:spcBef>
+              <a:spcAft>
+                <a:spcPts val="600"/>
+              </a:spcAft>
+              <a:buClr>
+                <a:schemeClr val="tx2"/>
+              </a:buClr>
+              <a:buSzPct val="70000"/>
+              <a:buFont typeface="Wingdings 2" charset="2"/>
+              <a:buChar char=""/>
+              <a:defRPr sz="1400" kern="1200">
+                <a:ln>
+                  <a:solidFill>
+                    <a:schemeClr val="bg1">
+                      <a:lumMod val="75000"/>
+                      <a:lumOff val="25000"/>
+                      <a:alpha val="10000"/>
+                    </a:schemeClr>
+                  </a:solidFill>
+                </a:ln>
+                <a:solidFill>
+                  <a:schemeClr val="tx2"/>
+                </a:solidFill>
+                <a:effectLst>
+                  <a:outerShdw blurRad="9525" dist="25400" dir="14640000" algn="tl" rotWithShape="0">
+                    <a:schemeClr val="bg1">
+                      <a:alpha val="30000"/>
+                    </a:schemeClr>
+                  </a:outerShdw>
+                </a:effectLst>
+                <a:latin typeface="+mn-lt"/>
+                <a:ea typeface="+mn-ea"/>
+                <a:cs typeface="+mn-cs"/>
+              </a:defRPr>
+            </a:lvl7pPr>
+            <a:lvl8pPr marL="2789000" indent="-228600" algn="l" defTabSz="457200" rtl="0" eaLnBrk="1" latinLnBrk="0" hangingPunct="1">
+              <a:spcBef>
+                <a:spcPct val="20000"/>
+              </a:spcBef>
+              <a:spcAft>
+                <a:spcPts val="600"/>
+              </a:spcAft>
+              <a:buClr>
+                <a:schemeClr val="tx2"/>
+              </a:buClr>
+              <a:buSzPct val="70000"/>
+              <a:buFont typeface="Wingdings 2" charset="2"/>
+              <a:buChar char=""/>
+              <a:defRPr sz="1400" kern="1200">
+                <a:ln>
+                  <a:solidFill>
+                    <a:schemeClr val="bg1">
+                      <a:lumMod val="75000"/>
+                      <a:lumOff val="25000"/>
+                      <a:alpha val="10000"/>
+                    </a:schemeClr>
+                  </a:solidFill>
+                </a:ln>
+                <a:solidFill>
+                  <a:schemeClr val="tx2"/>
+                </a:solidFill>
+                <a:effectLst>
+                  <a:outerShdw blurRad="9525" dist="25400" dir="14640000" algn="tl" rotWithShape="0">
+                    <a:schemeClr val="bg1">
+                      <a:alpha val="30000"/>
+                    </a:schemeClr>
+                  </a:outerShdw>
+                </a:effectLst>
+                <a:latin typeface="+mn-lt"/>
+                <a:ea typeface="+mn-ea"/>
+                <a:cs typeface="+mn-cs"/>
+              </a:defRPr>
+            </a:lvl8pPr>
+            <a:lvl9pPr marL="3106200" indent="-228600" algn="l" defTabSz="457200" rtl="0" eaLnBrk="1" latinLnBrk="0" hangingPunct="1">
+              <a:spcBef>
+                <a:spcPct val="20000"/>
+              </a:spcBef>
+              <a:spcAft>
+                <a:spcPts val="600"/>
+              </a:spcAft>
+              <a:buClr>
+                <a:schemeClr val="tx2"/>
+              </a:buClr>
+              <a:buSzPct val="70000"/>
+              <a:buFont typeface="Wingdings 2" charset="2"/>
+              <a:buChar char=""/>
+              <a:defRPr sz="1400" kern="1200">
+                <a:ln>
+                  <a:solidFill>
+                    <a:schemeClr val="bg1">
+                      <a:lumMod val="75000"/>
+                      <a:lumOff val="25000"/>
+                      <a:alpha val="10000"/>
+                    </a:schemeClr>
+                  </a:solidFill>
+                </a:ln>
+                <a:solidFill>
+                  <a:schemeClr val="tx2"/>
+                </a:solidFill>
+                <a:effectLst>
+                  <a:outerShdw blurRad="9525" dist="25400" dir="14640000" algn="tl" rotWithShape="0">
+                    <a:schemeClr val="bg1">
+                      <a:alpha val="30000"/>
+                    </a:schemeClr>
+                  </a:outerShdw>
+                </a:effectLst>
+                <a:latin typeface="+mn-lt"/>
+                <a:ea typeface="+mn-ea"/>
+                <a:cs typeface="+mn-cs"/>
+              </a:defRPr>
+            </a:lvl9pPr>
+          </a:lstStyle>
+          <a:p>
+            <a:r>
+              <a:rPr lang="nl-BE" sz="2400" dirty="0"/>
+              <a:t>Lookaheads:</a:t>
+            </a:r>
+            <a:br>
+              <a:rPr lang="nl-BE" sz="2400" dirty="0"/>
+            </a:br>
+            <a:r>
+              <a:rPr lang="nl-BE" sz="2400" dirty="0"/>
+              <a:t>				</a:t>
+            </a:r>
+            <a:r>
+              <a:rPr lang="nl-BE" sz="2800" dirty="0">
+                <a:solidFill>
+                  <a:srgbClr val="D39745"/>
+                </a:solidFill>
+                <a:latin typeface="Courier New" panose="02070309020205020404" pitchFamily="49" charset="0"/>
+                <a:cs typeface="Courier New" panose="02070309020205020404" pitchFamily="49" charset="0"/>
+              </a:rPr>
+              <a:t>/a(?=positive)/</a:t>
+            </a:r>
+            <a:br>
+              <a:rPr lang="nl-BE" sz="2800" dirty="0">
+                <a:solidFill>
+                  <a:srgbClr val="D39745"/>
+                </a:solidFill>
+                <a:latin typeface="Courier New" panose="02070309020205020404" pitchFamily="49" charset="0"/>
+                <a:cs typeface="Courier New" panose="02070309020205020404" pitchFamily="49" charset="0"/>
+              </a:rPr>
+            </a:br>
+            <a:br>
+              <a:rPr lang="nl-BE" sz="2800" dirty="0">
+                <a:solidFill>
+                  <a:srgbClr val="D39745"/>
+                </a:solidFill>
+                <a:latin typeface="Courier New" panose="02070309020205020404" pitchFamily="49" charset="0"/>
+                <a:cs typeface="Courier New" panose="02070309020205020404" pitchFamily="49" charset="0"/>
+              </a:rPr>
+            </a:br>
+            <a:r>
+              <a:rPr lang="nl-BE" sz="2800" dirty="0">
+                <a:solidFill>
+                  <a:srgbClr val="D39745"/>
+                </a:solidFill>
+                <a:latin typeface="Courier New" panose="02070309020205020404" pitchFamily="49" charset="0"/>
+                <a:cs typeface="Courier New" panose="02070309020205020404" pitchFamily="49" charset="0"/>
+              </a:rPr>
+              <a:t>				/o(?!negative)/</a:t>
+            </a:r>
+          </a:p>
+        </p:txBody>
+      </p:sp>
+      <p:sp>
+        <p:nvSpPr>
+          <p:cNvPr id="12" name="Oval 11">
+            <a:extLst>
+              <a:ext uri="{FF2B5EF4-FFF2-40B4-BE49-F238E27FC236}">
+                <a16:creationId xmlns:a16="http://schemas.microsoft.com/office/drawing/2014/main" id="{BE5B1E67-1EDA-4F86-AEFE-E48338B62BD2}"/>
+              </a:ext>
+            </a:extLst>
+          </p:cNvPr>
+          <p:cNvSpPr/>
+          <p:nvPr/>
+        </p:nvSpPr>
+        <p:spPr>
+          <a:xfrm>
+            <a:off x="3795228" y="6015587"/>
+            <a:ext cx="301223" cy="465625"/>
+          </a:xfrm>
+          <a:prstGeom prst="ellipse">
+            <a:avLst/>
+          </a:prstGeom>
+          <a:solidFill>
+            <a:schemeClr val="accent1">
+              <a:alpha val="52000"/>
+            </a:schemeClr>
+          </a:solidFill>
+          <a:ln>
+            <a:solidFill>
+              <a:schemeClr val="accent1">
+                <a:shade val="50000"/>
+              </a:schemeClr>
+            </a:solidFill>
+          </a:ln>
+        </p:spPr>
+        <p:style>
+          <a:lnRef idx="2">
+            <a:schemeClr val="accent1">
+              <a:shade val="50000"/>
+            </a:schemeClr>
+          </a:lnRef>
+          <a:fillRef idx="1">
+            <a:schemeClr val="accent1"/>
+          </a:fillRef>
+          <a:effectRef idx="0">
+            <a:schemeClr val="accent1"/>
+          </a:effectRef>
+          <a:fontRef idx="minor">
+            <a:schemeClr val="lt1"/>
+          </a:fontRef>
+        </p:style>
+        <p:txBody>
+          <a:bodyPr rtlCol="0" anchor="ctr"/>
+          <a:lstStyle/>
+          <a:p>
+            <a:pPr algn="ctr"/>
+            <a:endParaRPr lang="nl-BE"/>
+          </a:p>
+        </p:txBody>
+      </p:sp>
+      <p:sp>
+        <p:nvSpPr>
+          <p:cNvPr id="13" name="Oval 12">
+            <a:extLst>
+              <a:ext uri="{FF2B5EF4-FFF2-40B4-BE49-F238E27FC236}">
+                <a16:creationId xmlns:a16="http://schemas.microsoft.com/office/drawing/2014/main" id="{8EE965AB-F5B2-42B0-8672-532EED741D2E}"/>
+              </a:ext>
+            </a:extLst>
+          </p:cNvPr>
+          <p:cNvSpPr/>
+          <p:nvPr/>
+        </p:nvSpPr>
+        <p:spPr>
+          <a:xfrm>
+            <a:off x="3139506" y="4797152"/>
+            <a:ext cx="1406848" cy="566870"/>
+          </a:xfrm>
+          <a:prstGeom prst="ellipse">
+            <a:avLst/>
+          </a:prstGeom>
+          <a:solidFill>
+            <a:schemeClr val="accent1">
+              <a:alpha val="52000"/>
+            </a:schemeClr>
+          </a:solidFill>
+          <a:ln>
+            <a:solidFill>
+              <a:schemeClr val="accent1">
+                <a:shade val="50000"/>
+              </a:schemeClr>
+            </a:solidFill>
+          </a:ln>
+        </p:spPr>
+        <p:style>
+          <a:lnRef idx="2">
+            <a:schemeClr val="accent1">
+              <a:shade val="50000"/>
+            </a:schemeClr>
+          </a:lnRef>
+          <a:fillRef idx="1">
+            <a:schemeClr val="accent1"/>
+          </a:fillRef>
+          <a:effectRef idx="0">
+            <a:schemeClr val="accent1"/>
+          </a:effectRef>
+          <a:fontRef idx="minor">
+            <a:schemeClr val="lt1"/>
+          </a:fontRef>
+        </p:style>
+        <p:txBody>
+          <a:bodyPr rtlCol="0" anchor="ctr"/>
+          <a:lstStyle/>
+          <a:p>
+            <a:pPr algn="ctr"/>
+            <a:endParaRPr lang="nl-BE"/>
+          </a:p>
+        </p:txBody>
+      </p:sp>
+      <p:sp>
+        <p:nvSpPr>
+          <p:cNvPr id="14" name="Oval 13">
+            <a:extLst>
+              <a:ext uri="{FF2B5EF4-FFF2-40B4-BE49-F238E27FC236}">
+                <a16:creationId xmlns:a16="http://schemas.microsoft.com/office/drawing/2014/main" id="{A19335C9-7866-412D-B24A-FC4593E1CEF8}"/>
+              </a:ext>
+            </a:extLst>
+          </p:cNvPr>
+          <p:cNvSpPr/>
+          <p:nvPr/>
+        </p:nvSpPr>
+        <p:spPr>
+          <a:xfrm>
+            <a:off x="4494345" y="6015587"/>
+            <a:ext cx="301223" cy="465625"/>
+          </a:xfrm>
+          <a:prstGeom prst="ellipse">
+            <a:avLst/>
+          </a:prstGeom>
+          <a:solidFill>
+            <a:schemeClr val="accent1">
+              <a:alpha val="52000"/>
+            </a:schemeClr>
+          </a:solidFill>
+          <a:ln>
+            <a:solidFill>
+              <a:schemeClr val="accent1">
+                <a:shade val="50000"/>
+              </a:schemeClr>
+            </a:solidFill>
+          </a:ln>
+        </p:spPr>
+        <p:style>
+          <a:lnRef idx="2">
+            <a:schemeClr val="accent1">
+              <a:shade val="50000"/>
+            </a:schemeClr>
+          </a:lnRef>
+          <a:fillRef idx="1">
+            <a:schemeClr val="accent1"/>
+          </a:fillRef>
+          <a:effectRef idx="0">
+            <a:schemeClr val="accent1"/>
+          </a:effectRef>
+          <a:fontRef idx="minor">
+            <a:schemeClr val="lt1"/>
+          </a:fontRef>
+        </p:style>
+        <p:txBody>
+          <a:bodyPr rtlCol="0" anchor="ctr"/>
+          <a:lstStyle/>
+          <a:p>
+            <a:pPr algn="ctr"/>
+            <a:endParaRPr lang="nl-BE"/>
+          </a:p>
+        </p:txBody>
+      </p:sp>
+      <p:sp>
+        <p:nvSpPr>
+          <p:cNvPr id="15" name="Oval 14">
+            <a:extLst>
+              <a:ext uri="{FF2B5EF4-FFF2-40B4-BE49-F238E27FC236}">
+                <a16:creationId xmlns:a16="http://schemas.microsoft.com/office/drawing/2014/main" id="{61FDD1ED-D672-4DB9-9845-67476BBA76BE}"/>
+              </a:ext>
+            </a:extLst>
+          </p:cNvPr>
+          <p:cNvSpPr/>
+          <p:nvPr/>
+        </p:nvSpPr>
+        <p:spPr>
+          <a:xfrm>
+            <a:off x="4494346" y="4797152"/>
+            <a:ext cx="334270" cy="558993"/>
+          </a:xfrm>
+          <a:prstGeom prst="ellipse">
+            <a:avLst/>
+          </a:prstGeom>
+          <a:solidFill>
+            <a:schemeClr val="accent1">
+              <a:alpha val="52000"/>
+            </a:schemeClr>
+          </a:solidFill>
+          <a:ln>
+            <a:solidFill>
+              <a:schemeClr val="accent1">
+                <a:shade val="50000"/>
+              </a:schemeClr>
+            </a:solidFill>
+          </a:ln>
+        </p:spPr>
+        <p:style>
+          <a:lnRef idx="2">
+            <a:schemeClr val="accent1">
+              <a:shade val="50000"/>
+            </a:schemeClr>
+          </a:lnRef>
+          <a:fillRef idx="1">
+            <a:schemeClr val="accent1"/>
+          </a:fillRef>
+          <a:effectRef idx="0">
+            <a:schemeClr val="accent1"/>
+          </a:effectRef>
+          <a:fontRef idx="minor">
+            <a:schemeClr val="lt1"/>
+          </a:fontRef>
+        </p:style>
+        <p:txBody>
+          <a:bodyPr rtlCol="0" anchor="ctr"/>
+          <a:lstStyle/>
+          <a:p>
+            <a:pPr algn="ctr"/>
+            <a:endParaRPr lang="nl-BE"/>
+          </a:p>
+        </p:txBody>
+      </p:sp>
+    </p:spTree>
+    <p:extLst>
+      <p:ext uri="{BB962C8B-B14F-4D97-AF65-F5344CB8AC3E}">
+        <p14:creationId xmlns:p14="http://schemas.microsoft.com/office/powerpoint/2010/main" val="302101272"/>
+      </p:ext>
+    </p:extLst>
+  </p:cSld>
+  <p:clrMapOvr>
+    <a:masterClrMapping/>
+  </p:clrMapOvr>
+  <p:timing>
+    <p:tnLst>
+      <p:par>
+        <p:cTn id="1" dur="indefinite" restart="never" nodeType="tmRoot">
+          <p:childTnLst>
+            <p:seq concurrent="1" nextAc="seek">
+              <p:cTn id="2" dur="indefinite" nodeType="mainSeq">
+                <p:childTnLst>
+                  <p:par>
+                    <p:cTn id="3" fill="hold">
+                      <p:stCondLst>
+                        <p:cond delay="indefinite"/>
+                      </p:stCondLst>
+                      <p:childTnLst>
+                        <p:par>
+                          <p:cTn id="4" fill="hold">
+                            <p:stCondLst>
+                              <p:cond delay="0"/>
+                            </p:stCondLst>
+                            <p:childTnLst>
+                              <p:par>
+                                <p:cTn id="5" presetID="1" presetClass="entr" presetSubtype="0" fill="hold" grpId="0" nodeType="clickEffect">
+                                  <p:stCondLst>
+                                    <p:cond delay="0"/>
+                                  </p:stCondLst>
+                                  <p:childTnLst>
+                                    <p:set>
+                                      <p:cBhvr>
+                                        <p:cTn id="6" dur="1" fill="hold">
+                                          <p:stCondLst>
+                                            <p:cond delay="0"/>
+                                          </p:stCondLst>
+                                        </p:cTn>
+                                        <p:tgtEl>
+                                          <p:spTgt spid="11"/>
+                                        </p:tgtEl>
+                                        <p:attrNameLst>
+                                          <p:attrName>style.visibility</p:attrName>
+                                        </p:attrNameLst>
+                                      </p:cBhvr>
+                                      <p:to>
+                                        <p:strVal val="visible"/>
+                                      </p:to>
+                                    </p:set>
+                                  </p:childTnLst>
+                                </p:cTn>
+                              </p:par>
+                            </p:childTnLst>
+                          </p:cTn>
+                        </p:par>
+                      </p:childTnLst>
+                    </p:cTn>
+                  </p:par>
+                  <p:par>
+                    <p:cTn id="7" fill="hold">
+                      <p:stCondLst>
+                        <p:cond delay="indefinite"/>
+                      </p:stCondLst>
+                      <p:childTnLst>
+                        <p:par>
+                          <p:cTn id="8" fill="hold">
+                            <p:stCondLst>
+                              <p:cond delay="0"/>
+                            </p:stCondLst>
+                            <p:childTnLst>
+                              <p:par>
+                                <p:cTn id="9" presetID="1" presetClass="entr" presetSubtype="0" fill="hold" grpId="0" nodeType="clickEffect">
+                                  <p:stCondLst>
+                                    <p:cond delay="0"/>
+                                  </p:stCondLst>
+                                  <p:childTnLst>
+                                    <p:set>
+                                      <p:cBhvr>
+                                        <p:cTn id="10" dur="1" fill="hold">
+                                          <p:stCondLst>
+                                            <p:cond delay="0"/>
+                                          </p:stCondLst>
+                                        </p:cTn>
+                                        <p:tgtEl>
+                                          <p:spTgt spid="9"/>
+                                        </p:tgtEl>
+                                        <p:attrNameLst>
+                                          <p:attrName>style.visibility</p:attrName>
+                                        </p:attrNameLst>
+                                      </p:cBhvr>
+                                      <p:to>
+                                        <p:strVal val="visible"/>
+                                      </p:to>
+                                    </p:set>
+                                  </p:childTnLst>
+                                </p:cTn>
+                              </p:par>
+                            </p:childTnLst>
+                          </p:cTn>
+                        </p:par>
+                      </p:childTnLst>
+                    </p:cTn>
+                  </p:par>
+                  <p:par>
+                    <p:cTn id="11" fill="hold">
+                      <p:stCondLst>
+                        <p:cond delay="indefinite"/>
+                      </p:stCondLst>
+                      <p:childTnLst>
+                        <p:par>
+                          <p:cTn id="12" fill="hold">
+                            <p:stCondLst>
+                              <p:cond delay="0"/>
+                            </p:stCondLst>
+                            <p:childTnLst>
+                              <p:par>
+                                <p:cTn id="13" presetID="1" presetClass="entr" presetSubtype="0" fill="hold" grpId="0" nodeType="clickEffect">
+                                  <p:stCondLst>
+                                    <p:cond delay="0"/>
+                                  </p:stCondLst>
+                                  <p:childTnLst>
+                                    <p:set>
+                                      <p:cBhvr>
+                                        <p:cTn id="14" dur="1" fill="hold">
+                                          <p:stCondLst>
+                                            <p:cond delay="0"/>
+                                          </p:stCondLst>
+                                        </p:cTn>
+                                        <p:tgtEl>
+                                          <p:spTgt spid="15"/>
+                                        </p:tgtEl>
+                                        <p:attrNameLst>
+                                          <p:attrName>style.visibility</p:attrName>
+                                        </p:attrNameLst>
+                                      </p:cBhvr>
+                                      <p:to>
+                                        <p:strVal val="visible"/>
+                                      </p:to>
+                                    </p:set>
+                                  </p:childTnLst>
+                                </p:cTn>
+                              </p:par>
+                            </p:childTnLst>
+                          </p:cTn>
+                        </p:par>
+                      </p:childTnLst>
+                    </p:cTn>
+                  </p:par>
+                  <p:par>
+                    <p:cTn id="15" fill="hold">
+                      <p:stCondLst>
+                        <p:cond delay="indefinite"/>
+                      </p:stCondLst>
+                      <p:childTnLst>
+                        <p:par>
+                          <p:cTn id="16" fill="hold">
+                            <p:stCondLst>
+                              <p:cond delay="0"/>
+                            </p:stCondLst>
+                            <p:childTnLst>
+                              <p:par>
+                                <p:cTn id="17" presetID="1" presetClass="entr" presetSubtype="0" fill="hold" grpId="0" nodeType="clickEffect">
+                                  <p:stCondLst>
+                                    <p:cond delay="0"/>
+                                  </p:stCondLst>
+                                  <p:childTnLst>
+                                    <p:set>
+                                      <p:cBhvr>
+                                        <p:cTn id="18" dur="1" fill="hold">
+                                          <p:stCondLst>
+                                            <p:cond delay="0"/>
+                                          </p:stCondLst>
+                                        </p:cTn>
+                                        <p:tgtEl>
+                                          <p:spTgt spid="13"/>
+                                        </p:tgtEl>
+                                        <p:attrNameLst>
+                                          <p:attrName>style.visibility</p:attrName>
+                                        </p:attrNameLst>
+                                      </p:cBhvr>
+                                      <p:to>
+                                        <p:strVal val="visible"/>
+                                      </p:to>
+                                    </p:set>
+                                  </p:childTnLst>
+                                </p:cTn>
+                              </p:par>
+                              <p:par>
+                                <p:cTn id="19" presetID="1" presetClass="exit" presetSubtype="0" fill="hold" grpId="1" nodeType="withEffect">
+                                  <p:stCondLst>
+                                    <p:cond delay="0"/>
+                                  </p:stCondLst>
+                                  <p:childTnLst>
+                                    <p:set>
+                                      <p:cBhvr>
+                                        <p:cTn id="20" dur="1" fill="hold">
+                                          <p:stCondLst>
+                                            <p:cond delay="0"/>
+                                          </p:stCondLst>
+                                        </p:cTn>
+                                        <p:tgtEl>
+                                          <p:spTgt spid="15"/>
+                                        </p:tgtEl>
+                                        <p:attrNameLst>
+                                          <p:attrName>style.visibility</p:attrName>
+                                        </p:attrNameLst>
+                                      </p:cBhvr>
+                                      <p:to>
+                                        <p:strVal val="hidden"/>
+                                      </p:to>
+                                    </p:set>
+                                  </p:childTnLst>
+                                </p:cTn>
+                              </p:par>
+                            </p:childTnLst>
+                          </p:cTn>
+                        </p:par>
+                      </p:childTnLst>
+                    </p:cTn>
+                  </p:par>
+                  <p:par>
+                    <p:cTn id="21" fill="hold">
+                      <p:stCondLst>
+                        <p:cond delay="indefinite"/>
+                      </p:stCondLst>
+                      <p:childTnLst>
+                        <p:par>
+                          <p:cTn id="22" fill="hold">
+                            <p:stCondLst>
+                              <p:cond delay="0"/>
+                            </p:stCondLst>
+                            <p:childTnLst>
+                              <p:par>
+                                <p:cTn id="23" presetID="1" presetClass="entr" presetSubtype="0" fill="hold" grpId="0" nodeType="clickEffect">
+                                  <p:stCondLst>
+                                    <p:cond delay="0"/>
+                                  </p:stCondLst>
+                                  <p:childTnLst>
+                                    <p:set>
+                                      <p:cBhvr>
+                                        <p:cTn id="24" dur="1" fill="hold">
+                                          <p:stCondLst>
+                                            <p:cond delay="0"/>
+                                          </p:stCondLst>
+                                        </p:cTn>
+                                        <p:tgtEl>
+                                          <p:spTgt spid="14"/>
+                                        </p:tgtEl>
+                                        <p:attrNameLst>
+                                          <p:attrName>style.visibility</p:attrName>
+                                        </p:attrNameLst>
+                                      </p:cBhvr>
+                                      <p:to>
+                                        <p:strVal val="visible"/>
+                                      </p:to>
+                                    </p:set>
+                                  </p:childTnLst>
+                                </p:cTn>
+                              </p:par>
+                              <p:par>
+                                <p:cTn id="25" presetID="1" presetClass="exit" presetSubtype="0" fill="hold" grpId="1" nodeType="withEffect">
+                                  <p:stCondLst>
+                                    <p:cond delay="0"/>
+                                  </p:stCondLst>
+                                  <p:childTnLst>
+                                    <p:set>
+                                      <p:cBhvr>
+                                        <p:cTn id="26" dur="1" fill="hold">
+                                          <p:stCondLst>
+                                            <p:cond delay="0"/>
+                                          </p:stCondLst>
+                                        </p:cTn>
+                                        <p:tgtEl>
+                                          <p:spTgt spid="13"/>
+                                        </p:tgtEl>
+                                        <p:attrNameLst>
+                                          <p:attrName>style.visibility</p:attrName>
+                                        </p:attrNameLst>
+                                      </p:cBhvr>
+                                      <p:to>
+                                        <p:strVal val="hidden"/>
+                                      </p:to>
+                                    </p:set>
+                                  </p:childTnLst>
+                                </p:cTn>
+                              </p:par>
+                            </p:childTnLst>
+                          </p:cTn>
+                        </p:par>
+                      </p:childTnLst>
+                    </p:cTn>
+                  </p:par>
+                  <p:par>
+                    <p:cTn id="27" fill="hold">
+                      <p:stCondLst>
+                        <p:cond delay="indefinite"/>
+                      </p:stCondLst>
+                      <p:childTnLst>
+                        <p:par>
+                          <p:cTn id="28" fill="hold">
+                            <p:stCondLst>
+                              <p:cond delay="0"/>
+                            </p:stCondLst>
+                            <p:childTnLst>
+                              <p:par>
+                                <p:cTn id="29" presetID="1" presetClass="entr" presetSubtype="0" fill="hold" grpId="0" nodeType="clickEffect">
+                                  <p:stCondLst>
+                                    <p:cond delay="0"/>
+                                  </p:stCondLst>
+                                  <p:childTnLst>
+                                    <p:set>
+                                      <p:cBhvr>
+                                        <p:cTn id="30" dur="1" fill="hold">
+                                          <p:stCondLst>
+                                            <p:cond delay="0"/>
+                                          </p:stCondLst>
+                                        </p:cTn>
+                                        <p:tgtEl>
+                                          <p:spTgt spid="12"/>
+                                        </p:tgtEl>
+                                        <p:attrNameLst>
+                                          <p:attrName>style.visibility</p:attrName>
+                                        </p:attrNameLst>
+                                      </p:cBhvr>
+                                      <p:to>
+                                        <p:strVal val="visible"/>
+                                      </p:to>
+                                    </p:set>
+                                  </p:childTnLst>
+                                </p:cTn>
+                              </p:par>
+                              <p:par>
+                                <p:cTn id="31" presetID="1" presetClass="exit" presetSubtype="0" fill="hold" grpId="1" nodeType="withEffect">
+                                  <p:stCondLst>
+                                    <p:cond delay="0"/>
+                                  </p:stCondLst>
+                                  <p:childTnLst>
+                                    <p:set>
+                                      <p:cBhvr>
+                                        <p:cTn id="32" dur="1" fill="hold">
+                                          <p:stCondLst>
+                                            <p:cond delay="0"/>
+                                          </p:stCondLst>
+                                        </p:cTn>
+                                        <p:tgtEl>
+                                          <p:spTgt spid="14"/>
+                                        </p:tgtEl>
+                                        <p:attrNameLst>
+                                          <p:attrName>style.visibility</p:attrName>
+                                        </p:attrNameLst>
+                                      </p:cBhvr>
+                                      <p:to>
+                                        <p:strVal val="hidden"/>
+                                      </p:to>
+                                    </p:set>
+                                  </p:childTnLst>
+                                </p:cTn>
+                              </p:par>
+                            </p:childTnLst>
+                          </p:cTn>
+                        </p:par>
+                      </p:childTnLst>
+                    </p:cTn>
+                  </p:par>
+                </p:childTnLst>
+              </p:cTn>
+              <p:prevCondLst>
+                <p:cond evt="onPrev" delay="0">
+                  <p:tgtEl>
+                    <p:sldTgt/>
+                  </p:tgtEl>
+                </p:cond>
+              </p:prevCondLst>
+              <p:nextCondLst>
+                <p:cond evt="onNext" delay="0">
+                  <p:tgtEl>
+                    <p:sldTgt/>
+                  </p:tgtEl>
+                </p:cond>
+              </p:nextCondLst>
+            </p:seq>
+          </p:childTnLst>
+        </p:cTn>
+      </p:par>
+    </p:tnLst>
+    <p:bldLst>
+      <p:bldP spid="9" grpId="0"/>
+      <p:bldP spid="11" grpId="0"/>
+      <p:bldP spid="12" grpId="0" animBg="1"/>
+      <p:bldP spid="13" grpId="0" animBg="1"/>
+      <p:bldP spid="13" grpId="1" animBg="1"/>
+      <p:bldP spid="14" grpId="0" animBg="1"/>
+      <p:bldP spid="14" grpId="1" animBg="1"/>
+      <p:bldP spid="15" grpId="0" animBg="1"/>
+      <p:bldP spid="15" grpId="1" animBg="1"/>
+    </p:bldLst>
+  </p:timing>
+</p:sld>
+</file>
+
+<file path=ppt/slides/slide14.xml><?xml version="1.0" encoding="utf-8"?>
+<p:sld xmlns:a="http://schemas.openxmlformats.org/drawingml/2006/main" xmlns:r="http://schemas.openxmlformats.org/officeDocument/2006/relationships" xmlns:p="http://schemas.openxmlformats.org/presentationml/2006/main">
+  <p:cSld>
+    <p:spTree>
+      <p:nvGrpSpPr>
+        <p:cNvPr id="1" name=""/>
+        <p:cNvGrpSpPr/>
+        <p:nvPr/>
+      </p:nvGrpSpPr>
+      <p:grpSpPr>
+        <a:xfrm>
+          <a:off x="0" y="0"/>
+          <a:ext cx="0" cy="0"/>
+          <a:chOff x="0" y="0"/>
+          <a:chExt cx="0" cy="0"/>
+        </a:xfrm>
+      </p:grpSpPr>
+      <p:sp>
+        <p:nvSpPr>
+          <p:cNvPr id="2" name="Title 1"/>
+          <p:cNvSpPr>
+            <a:spLocks noGrp="1"/>
+          </p:cNvSpPr>
+          <p:nvPr>
+            <p:ph type="title"/>
+          </p:nvPr>
+        </p:nvSpPr>
+        <p:spPr>
+          <a:xfrm>
+            <a:off x="685346" y="609600"/>
+            <a:ext cx="6766974" cy="970450"/>
+          </a:xfrm>
+        </p:spPr>
+        <p:txBody>
+          <a:bodyPr/>
+          <a:lstStyle/>
+          <a:p>
+            <a:r>
+              <a:rPr lang="nl-BE" dirty="0"/>
+              <a:t>ECMAScript 2018</a:t>
+            </a:r>
+          </a:p>
+        </p:txBody>
+      </p:sp>
+      <p:sp>
+        <p:nvSpPr>
+          <p:cNvPr id="3" name="Content Placeholder 2"/>
+          <p:cNvSpPr>
+            <a:spLocks noGrp="1"/>
+          </p:cNvSpPr>
+          <p:nvPr>
+            <p:ph idx="1"/>
+          </p:nvPr>
+        </p:nvSpPr>
+        <p:spPr>
+          <a:xfrm>
+            <a:off x="685346" y="1732451"/>
+            <a:ext cx="7765322" cy="472414"/>
+          </a:xfrm>
+        </p:spPr>
+        <p:txBody>
+          <a:bodyPr>
+            <a:normAutofit/>
+          </a:bodyPr>
+          <a:lstStyle/>
+          <a:p>
+            <a:r>
+              <a:rPr lang="nl-BE" dirty="0"/>
+              <a:t>New RegEx flag /s (dotAll)</a:t>
+            </a:r>
+          </a:p>
+        </p:txBody>
+      </p:sp>
+      <p:pic>
+        <p:nvPicPr>
+          <p:cNvPr id="5" name="Picture 4">
+            <a:extLst>
+              <a:ext uri="{FF2B5EF4-FFF2-40B4-BE49-F238E27FC236}">
+                <a16:creationId xmlns:a16="http://schemas.microsoft.com/office/drawing/2014/main" id="{560CF881-EE5E-4E9B-A632-637577B35D56}"/>
+              </a:ext>
+            </a:extLst>
+          </p:cNvPr>
+          <p:cNvPicPr>
+            <a:picLocks noChangeAspect="1"/>
+          </p:cNvPicPr>
+          <p:nvPr/>
+        </p:nvPicPr>
+        <p:blipFill>
+          <a:blip r:embed="rId2" cstate="print">
+            <a:extLst>
+              <a:ext uri="{28A0092B-C50C-407E-A947-70E740481C1C}">
+                <a14:useLocalDpi xmlns:a14="http://schemas.microsoft.com/office/drawing/2010/main" val="0"/>
+              </a:ext>
+            </a:extLst>
+          </a:blip>
+          <a:stretch>
+            <a:fillRect/>
+          </a:stretch>
+        </p:blipFill>
+        <p:spPr>
+          <a:xfrm>
+            <a:off x="7596336" y="187735"/>
+            <a:ext cx="1370401" cy="1544715"/>
+          </a:xfrm>
+          <a:prstGeom prst="rect">
+            <a:avLst/>
+          </a:prstGeom>
+        </p:spPr>
+      </p:pic>
+      <p:sp>
+        <p:nvSpPr>
+          <p:cNvPr id="4" name="Rectangle 3">
+            <a:extLst>
+              <a:ext uri="{FF2B5EF4-FFF2-40B4-BE49-F238E27FC236}">
+                <a16:creationId xmlns:a16="http://schemas.microsoft.com/office/drawing/2014/main" id="{40D852E2-7A38-4E6A-BCFD-BAEE27C178FC}"/>
+              </a:ext>
+            </a:extLst>
+          </p:cNvPr>
+          <p:cNvSpPr/>
+          <p:nvPr/>
+        </p:nvSpPr>
+        <p:spPr>
+          <a:xfrm>
+            <a:off x="971600" y="2204865"/>
+            <a:ext cx="5603542" cy="1938992"/>
+          </a:xfrm>
+          <a:prstGeom prst="rect">
+            <a:avLst/>
+          </a:prstGeom>
+        </p:spPr>
+        <p:txBody>
+          <a:bodyPr wrap="square">
+            <a:spAutoFit/>
+          </a:bodyPr>
+          <a:lstStyle/>
+          <a:p>
+            <a:r>
+              <a:rPr lang="en-US" sz="2000" dirty="0">
+                <a:solidFill>
+                  <a:srgbClr val="818E96"/>
+                </a:solidFill>
+                <a:latin typeface="Menlo"/>
+              </a:rPr>
+              <a:t>// without /s</a:t>
+            </a:r>
+            <a:br>
+              <a:rPr lang="en-US" sz="2000" dirty="0">
+                <a:solidFill>
+                  <a:srgbClr val="E0E2E4"/>
+                </a:solidFill>
+                <a:latin typeface="Menlo"/>
+              </a:rPr>
+            </a:br>
+            <a:r>
+              <a:rPr lang="en-US" sz="2000" dirty="0">
+                <a:solidFill>
+                  <a:srgbClr val="E0E2E4"/>
+                </a:solidFill>
+                <a:latin typeface="Menlo"/>
+              </a:rPr>
+              <a:t>/./.test(</a:t>
+            </a:r>
+            <a:r>
+              <a:rPr lang="en-US" sz="2000" dirty="0">
+                <a:solidFill>
+                  <a:srgbClr val="EC7600"/>
+                </a:solidFill>
+                <a:latin typeface="Menlo"/>
+              </a:rPr>
+              <a:t>'\n’</a:t>
+            </a:r>
+            <a:r>
+              <a:rPr lang="en-US" sz="2000" dirty="0">
+                <a:solidFill>
+                  <a:srgbClr val="E0E2E4"/>
+                </a:solidFill>
+                <a:latin typeface="Menlo"/>
+              </a:rPr>
+              <a:t>)</a:t>
+            </a:r>
+            <a:br>
+              <a:rPr lang="en-US" sz="2000" dirty="0">
+                <a:solidFill>
+                  <a:srgbClr val="E0E2E4"/>
+                </a:solidFill>
+                <a:latin typeface="Menlo"/>
+              </a:rPr>
+            </a:br>
+            <a:r>
+              <a:rPr lang="en-US" sz="2000" dirty="0">
+                <a:solidFill>
+                  <a:srgbClr val="818E96"/>
+                </a:solidFill>
+                <a:latin typeface="Menlo"/>
+              </a:rPr>
+              <a:t>// false</a:t>
+            </a:r>
+            <a:br>
+              <a:rPr lang="en-US" sz="2000" dirty="0">
+                <a:solidFill>
+                  <a:srgbClr val="E0E2E4"/>
+                </a:solidFill>
+                <a:latin typeface="Menlo"/>
+              </a:rPr>
+            </a:br>
+            <a:br>
+              <a:rPr lang="en-US" sz="2000" dirty="0">
+                <a:solidFill>
+                  <a:srgbClr val="E0E2E4"/>
+                </a:solidFill>
+                <a:latin typeface="Menlo"/>
+              </a:rPr>
+            </a:br>
+            <a:r>
+              <a:rPr lang="en-US" sz="2000" dirty="0">
+                <a:solidFill>
+                  <a:srgbClr val="E0E2E4"/>
+                </a:solidFill>
+                <a:latin typeface="Menlo"/>
+              </a:rPr>
+              <a:t>/[\s\S]/.test(</a:t>
+            </a:r>
+            <a:r>
+              <a:rPr lang="en-US" sz="2000" dirty="0">
+                <a:solidFill>
+                  <a:srgbClr val="EC7600"/>
+                </a:solidFill>
+                <a:latin typeface="Menlo"/>
+              </a:rPr>
+              <a:t>'\n’</a:t>
+            </a:r>
+            <a:r>
+              <a:rPr lang="en-US" sz="2000" dirty="0">
+                <a:solidFill>
+                  <a:srgbClr val="E0E2E4"/>
+                </a:solidFill>
+                <a:latin typeface="Menlo"/>
+              </a:rPr>
+              <a:t>)</a:t>
+            </a:r>
+            <a:br>
+              <a:rPr lang="en-US" sz="2000" dirty="0">
+                <a:solidFill>
+                  <a:srgbClr val="E0E2E4"/>
+                </a:solidFill>
+                <a:latin typeface="Menlo"/>
+              </a:rPr>
+            </a:br>
+            <a:r>
+              <a:rPr lang="en-US" sz="2000" dirty="0">
+                <a:solidFill>
+                  <a:srgbClr val="818E96"/>
+                </a:solidFill>
+                <a:latin typeface="Menlo"/>
+              </a:rPr>
+              <a:t>// true</a:t>
+            </a:r>
+            <a:endParaRPr lang="nl-BE" sz="2000" dirty="0"/>
+          </a:p>
+        </p:txBody>
+      </p:sp>
+      <p:sp>
+        <p:nvSpPr>
+          <p:cNvPr id="7" name="Rectangle 6">
+            <a:extLst>
+              <a:ext uri="{FF2B5EF4-FFF2-40B4-BE49-F238E27FC236}">
+                <a16:creationId xmlns:a16="http://schemas.microsoft.com/office/drawing/2014/main" id="{17DF0B61-27EA-4E85-8EB3-A86CACF15A6A}"/>
+              </a:ext>
+            </a:extLst>
+          </p:cNvPr>
+          <p:cNvSpPr/>
+          <p:nvPr/>
+        </p:nvSpPr>
+        <p:spPr>
+          <a:xfrm>
+            <a:off x="971600" y="4293096"/>
+            <a:ext cx="4572000" cy="2246769"/>
+          </a:xfrm>
+          <a:prstGeom prst="rect">
+            <a:avLst/>
+          </a:prstGeom>
+        </p:spPr>
+        <p:txBody>
+          <a:bodyPr>
+            <a:spAutoFit/>
+          </a:bodyPr>
+          <a:lstStyle/>
+          <a:p>
+            <a:r>
+              <a:rPr lang="en-US" sz="2000" dirty="0">
+                <a:solidFill>
+                  <a:srgbClr val="818E96"/>
+                </a:solidFill>
+                <a:latin typeface="Menlo"/>
+              </a:rPr>
+              <a:t>// with /s</a:t>
+            </a:r>
+            <a:endParaRPr lang="nl-BE" sz="2000" dirty="0">
+              <a:solidFill>
+                <a:srgbClr val="E0E2E4"/>
+              </a:solidFill>
+              <a:latin typeface="Menlo"/>
+            </a:endParaRPr>
+          </a:p>
+          <a:p>
+            <a:r>
+              <a:rPr lang="nl-BE" sz="2000" dirty="0">
+                <a:solidFill>
+                  <a:srgbClr val="E0E2E4"/>
+                </a:solidFill>
+                <a:latin typeface="Menlo"/>
+              </a:rPr>
+              <a:t>/./s.dotAll</a:t>
+            </a:r>
+            <a:br>
+              <a:rPr lang="nl-BE" sz="2000" dirty="0">
+                <a:solidFill>
+                  <a:srgbClr val="E0E2E4"/>
+                </a:solidFill>
+                <a:latin typeface="Menlo"/>
+              </a:rPr>
+            </a:br>
+            <a:r>
+              <a:rPr lang="nl-BE" sz="2000" b="1" dirty="0">
+                <a:solidFill>
+                  <a:srgbClr val="93C763"/>
+                </a:solidFill>
+                <a:latin typeface="Menlo"/>
+              </a:rPr>
+              <a:t>new</a:t>
+            </a:r>
+            <a:r>
+              <a:rPr lang="nl-BE" sz="2000" dirty="0">
+                <a:solidFill>
+                  <a:srgbClr val="E0E2E4"/>
+                </a:solidFill>
+                <a:latin typeface="Menlo"/>
+              </a:rPr>
+              <a:t> </a:t>
+            </a:r>
+            <a:r>
+              <a:rPr lang="nl-BE" sz="2000" dirty="0">
+                <a:solidFill>
+                  <a:srgbClr val="72C8BD"/>
+                </a:solidFill>
+                <a:latin typeface="Menlo"/>
+              </a:rPr>
+              <a:t>RegExp</a:t>
+            </a:r>
+            <a:r>
+              <a:rPr lang="nl-BE" sz="2000" dirty="0">
+                <a:solidFill>
+                  <a:srgbClr val="E0E2E4"/>
+                </a:solidFill>
+                <a:latin typeface="Menlo"/>
+              </a:rPr>
+              <a:t>(</a:t>
+            </a:r>
+            <a:r>
+              <a:rPr lang="nl-BE" sz="2000" dirty="0">
+                <a:solidFill>
+                  <a:srgbClr val="EC7600"/>
+                </a:solidFill>
+                <a:latin typeface="Menlo"/>
+              </a:rPr>
+              <a:t>'.'</a:t>
+            </a:r>
+            <a:r>
+              <a:rPr lang="nl-BE" sz="2000" dirty="0">
+                <a:solidFill>
+                  <a:srgbClr val="E0E2E4"/>
+                </a:solidFill>
+                <a:latin typeface="Menlo"/>
+              </a:rPr>
+              <a:t>, </a:t>
+            </a:r>
+            <a:r>
+              <a:rPr lang="nl-BE" sz="2000" dirty="0">
+                <a:solidFill>
+                  <a:srgbClr val="EC7600"/>
+                </a:solidFill>
+                <a:latin typeface="Menlo"/>
+              </a:rPr>
+              <a:t>'s'</a:t>
+            </a:r>
+            <a:r>
+              <a:rPr lang="nl-BE" sz="2000" dirty="0">
+                <a:solidFill>
+                  <a:srgbClr val="E0E2E4"/>
+                </a:solidFill>
+                <a:latin typeface="Menlo"/>
+              </a:rPr>
+              <a:t>).dotAll </a:t>
+            </a:r>
+            <a:br>
+              <a:rPr lang="nl-BE" sz="2000" dirty="0">
+                <a:solidFill>
+                  <a:srgbClr val="E0E2E4"/>
+                </a:solidFill>
+                <a:latin typeface="Menlo"/>
+              </a:rPr>
+            </a:br>
+            <a:r>
+              <a:rPr lang="nl-BE" sz="2000" dirty="0">
+                <a:solidFill>
+                  <a:srgbClr val="818E96"/>
+                </a:solidFill>
+                <a:latin typeface="Menlo"/>
+              </a:rPr>
+              <a:t>// true</a:t>
+            </a:r>
+            <a:r>
+              <a:rPr lang="nl-BE" sz="2000" dirty="0">
+                <a:solidFill>
+                  <a:srgbClr val="E0E2E4"/>
+                </a:solidFill>
+                <a:latin typeface="Menlo"/>
+              </a:rPr>
+              <a:t> </a:t>
+            </a:r>
+            <a:br>
+              <a:rPr lang="nl-BE" sz="2000" dirty="0">
+                <a:solidFill>
+                  <a:srgbClr val="E0E2E4"/>
+                </a:solidFill>
+                <a:latin typeface="Menlo"/>
+              </a:rPr>
+            </a:br>
+            <a:br>
+              <a:rPr lang="nl-BE" sz="2000" dirty="0">
+                <a:solidFill>
+                  <a:srgbClr val="E0E2E4"/>
+                </a:solidFill>
+                <a:latin typeface="Menlo"/>
+              </a:rPr>
+            </a:br>
+            <a:r>
+              <a:rPr lang="nl-BE" sz="2000" dirty="0">
+                <a:solidFill>
+                  <a:srgbClr val="E0E2E4"/>
+                </a:solidFill>
+                <a:latin typeface="Menlo"/>
+              </a:rPr>
+              <a:t>/./s.test(</a:t>
+            </a:r>
+            <a:r>
+              <a:rPr lang="nl-BE" sz="2000" dirty="0">
+                <a:solidFill>
+                  <a:srgbClr val="EC7600"/>
+                </a:solidFill>
+                <a:latin typeface="Menlo"/>
+              </a:rPr>
+              <a:t>'\n’</a:t>
+            </a:r>
+            <a:r>
+              <a:rPr lang="nl-BE" sz="2000" dirty="0">
+                <a:solidFill>
+                  <a:srgbClr val="E0E2E4"/>
+                </a:solidFill>
+                <a:latin typeface="Menlo"/>
+              </a:rPr>
+              <a:t>)</a:t>
+            </a:r>
+            <a:br>
+              <a:rPr lang="nl-BE" sz="2000" dirty="0">
+                <a:solidFill>
+                  <a:srgbClr val="E0E2E4"/>
+                </a:solidFill>
+                <a:latin typeface="Menlo"/>
+              </a:rPr>
+            </a:br>
+            <a:r>
+              <a:rPr lang="nl-BE" sz="2000" dirty="0">
+                <a:solidFill>
+                  <a:srgbClr val="818E96"/>
+                </a:solidFill>
+                <a:latin typeface="Menlo"/>
+              </a:rPr>
+              <a:t>// true</a:t>
+            </a:r>
+            <a:endParaRPr lang="nl-BE" sz="2000" dirty="0"/>
+          </a:p>
+        </p:txBody>
+      </p:sp>
+    </p:spTree>
+    <p:extLst>
+      <p:ext uri="{BB962C8B-B14F-4D97-AF65-F5344CB8AC3E}">
+        <p14:creationId xmlns:p14="http://schemas.microsoft.com/office/powerpoint/2010/main" val="1798696255"/>
+      </p:ext>
+    </p:extLst>
+  </p:cSld>
+  <p:clrMapOvr>
+    <a:masterClrMapping/>
+  </p:clrMapOvr>
+  <p:timing>
+    <p:tnLst>
+      <p:par>
+        <p:cTn id="1" dur="indefinite" restart="never" nodeType="tmRoot">
+          <p:childTnLst>
+            <p:seq concurrent="1" nextAc="seek">
+              <p:cTn id="2" dur="indefinite" nodeType="mainSeq">
+                <p:childTnLst>
+                  <p:par>
+                    <p:cTn id="3" fill="hold">
+                      <p:stCondLst>
+                        <p:cond delay="indefinite"/>
+                      </p:stCondLst>
+                      <p:childTnLst>
+                        <p:par>
+                          <p:cTn id="4" fill="hold">
+                            <p:stCondLst>
+                              <p:cond delay="0"/>
+                            </p:stCondLst>
+                            <p:childTnLst>
+                              <p:par>
+                                <p:cTn id="5" presetID="1" presetClass="entr" presetSubtype="0" fill="hold" grpId="0" nodeType="clickEffect">
+                                  <p:stCondLst>
+                                    <p:cond delay="0"/>
+                                  </p:stCondLst>
+                                  <p:childTnLst>
+                                    <p:set>
+                                      <p:cBhvr>
+                                        <p:cTn id="6" dur="1" fill="hold">
+                                          <p:stCondLst>
+                                            <p:cond delay="0"/>
+                                          </p:stCondLst>
+                                        </p:cTn>
+                                        <p:tgtEl>
+                                          <p:spTgt spid="4"/>
+                                        </p:tgtEl>
+                                        <p:attrNameLst>
+                                          <p:attrName>style.visibility</p:attrName>
+                                        </p:attrNameLst>
+                                      </p:cBhvr>
+                                      <p:to>
+                                        <p:strVal val="visible"/>
+                                      </p:to>
+                                    </p:set>
+                                  </p:childTnLst>
+                                </p:cTn>
+                              </p:par>
+                            </p:childTnLst>
+                          </p:cTn>
+                        </p:par>
+                      </p:childTnLst>
+                    </p:cTn>
+                  </p:par>
+                  <p:par>
+                    <p:cTn id="7" fill="hold">
+                      <p:stCondLst>
+                        <p:cond delay="indefinite"/>
+                      </p:stCondLst>
+                      <p:childTnLst>
+                        <p:par>
+                          <p:cTn id="8" fill="hold">
+                            <p:stCondLst>
+                              <p:cond delay="0"/>
+                            </p:stCondLst>
+                            <p:childTnLst>
+                              <p:par>
+                                <p:cTn id="9" presetID="1" presetClass="entr" presetSubtype="0" fill="hold" grpId="0" nodeType="clickEffect">
+                                  <p:stCondLst>
+                                    <p:cond delay="0"/>
+                                  </p:stCondLst>
+                                  <p:childTnLst>
+                                    <p:set>
+                                      <p:cBhvr>
+                                        <p:cTn id="10" dur="1" fill="hold">
+                                          <p:stCondLst>
+                                            <p:cond delay="0"/>
+                                          </p:stCondLst>
+                                        </p:cTn>
+                                        <p:tgtEl>
+                                          <p:spTgt spid="7"/>
+                                        </p:tgtEl>
+                                        <p:attrNameLst>
+                                          <p:attrName>style.visibility</p:attrName>
+                                        </p:attrNameLst>
+                                      </p:cBhvr>
+                                      <p:to>
+                                        <p:strVal val="visible"/>
+                                      </p:to>
+                                    </p:set>
+                                  </p:childTnLst>
+                                </p:cTn>
+                              </p:par>
+                            </p:childTnLst>
+                          </p:cTn>
+                        </p:par>
+                      </p:childTnLst>
+                    </p:cTn>
+                  </p:par>
+                </p:childTnLst>
+              </p:cTn>
+              <p:prevCondLst>
+                <p:cond evt="onPrev" delay="0">
+                  <p:tgtEl>
+                    <p:sldTgt/>
+                  </p:tgtEl>
+                </p:cond>
+              </p:prevCondLst>
+              <p:nextCondLst>
+                <p:cond evt="onNext" delay="0">
+                  <p:tgtEl>
+                    <p:sldTgt/>
+                  </p:tgtEl>
+                </p:cond>
+              </p:nextCondLst>
+            </p:seq>
+          </p:childTnLst>
+        </p:cTn>
+      </p:par>
+    </p:tnLst>
+    <p:bldLst>
+      <p:bldP spid="4" grpId="0"/>
+      <p:bldP spid="7" grpId="0"/>
+    </p:bldLst>
+  </p:timing>
+</p:sld>
+</file>
+
+<file path=ppt/slides/slide15.xml><?xml version="1.0" encoding="utf-8"?>
+<p:sld xmlns:a="http://schemas.openxmlformats.org/drawingml/2006/main" xmlns:r="http://schemas.openxmlformats.org/officeDocument/2006/relationships" xmlns:p="http://schemas.openxmlformats.org/presentationml/2006/main">
+  <p:cSld>
+    <p:spTree>
+      <p:nvGrpSpPr>
+        <p:cNvPr id="1" name=""/>
+        <p:cNvGrpSpPr/>
+        <p:nvPr/>
+      </p:nvGrpSpPr>
+      <p:grpSpPr>
+        <a:xfrm>
+          <a:off x="0" y="0"/>
+          <a:ext cx="0" cy="0"/>
+          <a:chOff x="0" y="0"/>
+          <a:chExt cx="0" cy="0"/>
+        </a:xfrm>
+      </p:grpSpPr>
+      <p:sp>
+        <p:nvSpPr>
+          <p:cNvPr id="2" name="Title 1"/>
+          <p:cNvSpPr>
+            <a:spLocks noGrp="1"/>
+          </p:cNvSpPr>
+          <p:nvPr>
+            <p:ph type="title"/>
+          </p:nvPr>
+        </p:nvSpPr>
+        <p:spPr>
+          <a:xfrm>
+            <a:off x="685346" y="609600"/>
+            <a:ext cx="6766974" cy="970450"/>
+          </a:xfrm>
+        </p:spPr>
+        <p:txBody>
+          <a:bodyPr/>
+          <a:lstStyle/>
+          <a:p>
+            <a:r>
+              <a:rPr lang="nl-BE" dirty="0"/>
+              <a:t>ECMAScript 2018</a:t>
+            </a:r>
+          </a:p>
+        </p:txBody>
+      </p:sp>
+      <p:sp>
+        <p:nvSpPr>
+          <p:cNvPr id="3" name="Content Placeholder 2"/>
+          <p:cNvSpPr>
+            <a:spLocks noGrp="1"/>
+          </p:cNvSpPr>
+          <p:nvPr>
+            <p:ph idx="1"/>
+          </p:nvPr>
+        </p:nvSpPr>
+        <p:spPr>
+          <a:xfrm>
+            <a:off x="685346" y="1732450"/>
+            <a:ext cx="7765322" cy="1336510"/>
+          </a:xfrm>
+        </p:spPr>
+        <p:txBody>
+          <a:bodyPr>
+            <a:normAutofit/>
+          </a:bodyPr>
+          <a:lstStyle/>
+          <a:p>
+            <a:r>
+              <a:rPr lang="en-US" dirty="0"/>
+              <a:t>Asynchronous iteration</a:t>
+            </a:r>
+          </a:p>
+          <a:p>
+            <a:r>
+              <a:rPr lang="en-US" dirty="0"/>
+              <a:t>Synchronous </a:t>
+            </a:r>
+            <a:r>
+              <a:rPr lang="en-US" dirty="0" err="1"/>
+              <a:t>Symbol.iterator</a:t>
+            </a:r>
+            <a:r>
+              <a:rPr lang="en-US" dirty="0"/>
+              <a:t> introduced in ECMAScript2015 is used by </a:t>
+            </a:r>
+            <a:r>
+              <a:rPr lang="en-US" dirty="0">
+                <a:latin typeface="Courier New" panose="02070309020205020404" pitchFamily="49" charset="0"/>
+                <a:cs typeface="Courier New" panose="02070309020205020404" pitchFamily="49" charset="0"/>
+              </a:rPr>
+              <a:t>for...of</a:t>
+            </a:r>
+            <a:endParaRPr lang="nl-BE" dirty="0"/>
+          </a:p>
+          <a:p>
+            <a:pPr marL="45720" indent="0">
+              <a:buNone/>
+            </a:pPr>
+            <a:endParaRPr lang="nl-BE" dirty="0"/>
+          </a:p>
+        </p:txBody>
+      </p:sp>
+      <p:pic>
+        <p:nvPicPr>
+          <p:cNvPr id="5" name="Picture 4">
+            <a:extLst>
+              <a:ext uri="{FF2B5EF4-FFF2-40B4-BE49-F238E27FC236}">
+                <a16:creationId xmlns:a16="http://schemas.microsoft.com/office/drawing/2014/main" id="{560CF881-EE5E-4E9B-A632-637577B35D56}"/>
+              </a:ext>
+            </a:extLst>
+          </p:cNvPr>
+          <p:cNvPicPr>
+            <a:picLocks noChangeAspect="1"/>
+          </p:cNvPicPr>
+          <p:nvPr/>
+        </p:nvPicPr>
+        <p:blipFill>
+          <a:blip r:embed="rId2" cstate="print">
+            <a:extLst>
+              <a:ext uri="{28A0092B-C50C-407E-A947-70E740481C1C}">
+                <a14:useLocalDpi xmlns:a14="http://schemas.microsoft.com/office/drawing/2010/main" val="0"/>
+              </a:ext>
+            </a:extLst>
+          </a:blip>
+          <a:stretch>
+            <a:fillRect/>
+          </a:stretch>
+        </p:blipFill>
+        <p:spPr>
+          <a:xfrm>
+            <a:off x="7596336" y="187735"/>
+            <a:ext cx="1370401" cy="1544715"/>
+          </a:xfrm>
+          <a:prstGeom prst="rect">
+            <a:avLst/>
+          </a:prstGeom>
+        </p:spPr>
+      </p:pic>
+      <p:sp>
+        <p:nvSpPr>
+          <p:cNvPr id="4" name="Rectangle 3">
+            <a:extLst>
+              <a:ext uri="{FF2B5EF4-FFF2-40B4-BE49-F238E27FC236}">
+                <a16:creationId xmlns:a16="http://schemas.microsoft.com/office/drawing/2014/main" id="{9296A341-221A-48AA-98BB-EA240DC7DF08}"/>
+              </a:ext>
+            </a:extLst>
+          </p:cNvPr>
+          <p:cNvSpPr/>
+          <p:nvPr/>
+        </p:nvSpPr>
+        <p:spPr>
+          <a:xfrm>
+            <a:off x="1043608" y="2828835"/>
+            <a:ext cx="7128792" cy="1754326"/>
+          </a:xfrm>
+          <a:prstGeom prst="rect">
+            <a:avLst/>
+          </a:prstGeom>
+        </p:spPr>
+        <p:txBody>
+          <a:bodyPr wrap="square">
+            <a:spAutoFit/>
+          </a:bodyPr>
+          <a:lstStyle/>
+          <a:p>
+            <a:r>
+              <a:rPr lang="en-US" b="1" dirty="0">
+                <a:solidFill>
+                  <a:srgbClr val="93C763"/>
+                </a:solidFill>
+                <a:latin typeface="Menlo"/>
+              </a:rPr>
+              <a:t>async</a:t>
+            </a:r>
+            <a:r>
+              <a:rPr lang="en-US" dirty="0">
+                <a:solidFill>
+                  <a:srgbClr val="E0E2E4"/>
+                </a:solidFill>
+                <a:latin typeface="Menlo"/>
+              </a:rPr>
+              <a:t> </a:t>
+            </a:r>
+            <a:r>
+              <a:rPr lang="en-US" b="1" dirty="0">
+                <a:solidFill>
+                  <a:srgbClr val="93C763"/>
+                </a:solidFill>
+                <a:latin typeface="Menlo"/>
+              </a:rPr>
+              <a:t>function</a:t>
+            </a:r>
+            <a:r>
+              <a:rPr lang="en-US" dirty="0">
+                <a:solidFill>
+                  <a:srgbClr val="E0E2E4"/>
+                </a:solidFill>
+                <a:latin typeface="Menlo"/>
+              </a:rPr>
+              <a:t>* </a:t>
+            </a:r>
+            <a:r>
+              <a:rPr lang="en-US" b="1" dirty="0" err="1">
+                <a:solidFill>
+                  <a:srgbClr val="E0E2E4"/>
+                </a:solidFill>
+                <a:latin typeface="Menlo"/>
+              </a:rPr>
+              <a:t>readLines</a:t>
+            </a:r>
+            <a:r>
+              <a:rPr lang="en-US" dirty="0">
+                <a:solidFill>
+                  <a:srgbClr val="E0E2E4"/>
+                </a:solidFill>
+                <a:latin typeface="Menlo"/>
+              </a:rPr>
+              <a:t>() {</a:t>
+            </a:r>
+          </a:p>
+          <a:p>
+            <a:r>
+              <a:rPr lang="en-US" b="1" dirty="0">
+                <a:solidFill>
+                  <a:srgbClr val="E0E2E4"/>
+                </a:solidFill>
+                <a:latin typeface="Menlo"/>
+              </a:rPr>
+              <a:t>	</a:t>
+            </a:r>
+            <a:r>
+              <a:rPr lang="en-US" b="1" dirty="0">
+                <a:solidFill>
+                  <a:srgbClr val="93C763"/>
+                </a:solidFill>
+                <a:latin typeface="Menlo"/>
+              </a:rPr>
+              <a:t>yield</a:t>
+            </a:r>
+            <a:r>
+              <a:rPr lang="en-US" dirty="0">
+                <a:solidFill>
+                  <a:srgbClr val="E0E2E4"/>
+                </a:solidFill>
+                <a:latin typeface="Menlo"/>
+              </a:rPr>
+              <a:t> </a:t>
+            </a:r>
+            <a:r>
+              <a:rPr lang="en-US" dirty="0">
+                <a:solidFill>
+                  <a:srgbClr val="EC7600"/>
+                </a:solidFill>
+                <a:latin typeface="Menlo"/>
+              </a:rPr>
+              <a:t>'line 1’</a:t>
+            </a:r>
+            <a:r>
+              <a:rPr lang="en-US" dirty="0">
+                <a:solidFill>
+                  <a:srgbClr val="E0E2E4"/>
+                </a:solidFill>
+                <a:latin typeface="Menlo"/>
+              </a:rPr>
+              <a:t>;</a:t>
+            </a:r>
+          </a:p>
+          <a:p>
+            <a:r>
+              <a:rPr lang="en-US" b="1" dirty="0">
+                <a:solidFill>
+                  <a:srgbClr val="E0E2E4"/>
+                </a:solidFill>
+                <a:latin typeface="Menlo"/>
+              </a:rPr>
+              <a:t>	</a:t>
+            </a:r>
+            <a:r>
+              <a:rPr lang="en-US" b="1" dirty="0">
+                <a:solidFill>
+                  <a:srgbClr val="93C763"/>
+                </a:solidFill>
+                <a:latin typeface="Menlo"/>
+              </a:rPr>
+              <a:t>yield</a:t>
+            </a:r>
+            <a:r>
+              <a:rPr lang="en-US" dirty="0">
+                <a:solidFill>
+                  <a:srgbClr val="E0E2E4"/>
+                </a:solidFill>
+                <a:latin typeface="Menlo"/>
+              </a:rPr>
+              <a:t> </a:t>
+            </a:r>
+            <a:r>
+              <a:rPr lang="en-US" dirty="0">
+                <a:solidFill>
+                  <a:srgbClr val="EC7600"/>
+                </a:solidFill>
+                <a:latin typeface="Menlo"/>
+              </a:rPr>
+              <a:t>'line 2’</a:t>
+            </a:r>
+            <a:r>
+              <a:rPr lang="en-US" dirty="0">
+                <a:solidFill>
+                  <a:srgbClr val="E0E2E4"/>
+                </a:solidFill>
+                <a:latin typeface="Menlo"/>
+              </a:rPr>
+              <a:t>;</a:t>
+            </a:r>
+          </a:p>
+          <a:p>
+            <a:r>
+              <a:rPr lang="en-US" b="1" dirty="0">
+                <a:solidFill>
+                  <a:srgbClr val="E0E2E4"/>
+                </a:solidFill>
+                <a:latin typeface="Menlo"/>
+              </a:rPr>
+              <a:t>	</a:t>
+            </a:r>
+            <a:r>
+              <a:rPr lang="en-US" b="1" dirty="0">
+                <a:solidFill>
+                  <a:srgbClr val="93C763"/>
+                </a:solidFill>
+                <a:latin typeface="Menlo"/>
+              </a:rPr>
+              <a:t>await</a:t>
+            </a:r>
+            <a:r>
+              <a:rPr lang="en-US" dirty="0">
+                <a:solidFill>
+                  <a:srgbClr val="E0E2E4"/>
+                </a:solidFill>
+                <a:latin typeface="Menlo"/>
+              </a:rPr>
+              <a:t> sleep(</a:t>
+            </a:r>
+            <a:r>
+              <a:rPr lang="en-US" dirty="0">
+                <a:solidFill>
+                  <a:srgbClr val="FFCD22"/>
+                </a:solidFill>
+                <a:latin typeface="Menlo"/>
+              </a:rPr>
+              <a:t>2500</a:t>
+            </a:r>
+            <a:r>
+              <a:rPr lang="en-US" dirty="0">
+                <a:solidFill>
+                  <a:srgbClr val="E0E2E4"/>
+                </a:solidFill>
+                <a:latin typeface="Menlo"/>
+              </a:rPr>
+              <a:t>);</a:t>
+            </a:r>
+          </a:p>
+          <a:p>
+            <a:r>
+              <a:rPr lang="en-US" b="1" dirty="0">
+                <a:solidFill>
+                  <a:srgbClr val="E0E2E4"/>
+                </a:solidFill>
+                <a:latin typeface="Menlo"/>
+              </a:rPr>
+              <a:t>	</a:t>
+            </a:r>
+            <a:r>
+              <a:rPr lang="en-US" b="1" dirty="0">
+                <a:solidFill>
+                  <a:srgbClr val="93C763"/>
+                </a:solidFill>
+                <a:latin typeface="Menlo"/>
+              </a:rPr>
+              <a:t>yield</a:t>
+            </a:r>
+            <a:r>
+              <a:rPr lang="en-US" dirty="0">
+                <a:solidFill>
+                  <a:srgbClr val="E0E2E4"/>
+                </a:solidFill>
+                <a:latin typeface="Menlo"/>
+              </a:rPr>
+              <a:t> </a:t>
+            </a:r>
+            <a:r>
+              <a:rPr lang="en-US" dirty="0" err="1">
+                <a:solidFill>
+                  <a:srgbClr val="72C8BD"/>
+                </a:solidFill>
+                <a:latin typeface="Menlo"/>
+              </a:rPr>
+              <a:t>Promise</a:t>
+            </a:r>
+            <a:r>
+              <a:rPr lang="en-US" dirty="0" err="1">
+                <a:solidFill>
+                  <a:srgbClr val="E0E2E4"/>
+                </a:solidFill>
+                <a:latin typeface="Menlo"/>
+              </a:rPr>
+              <a:t>.resolve</a:t>
+            </a:r>
+            <a:r>
+              <a:rPr lang="en-US" dirty="0">
+                <a:solidFill>
+                  <a:srgbClr val="E0E2E4"/>
+                </a:solidFill>
+                <a:latin typeface="Menlo"/>
+              </a:rPr>
+              <a:t>(</a:t>
+            </a:r>
+            <a:r>
+              <a:rPr lang="en-US" dirty="0">
+                <a:solidFill>
+                  <a:srgbClr val="EC7600"/>
+                </a:solidFill>
+                <a:latin typeface="Menlo"/>
+              </a:rPr>
+              <a:t>'line 3’</a:t>
+            </a:r>
+            <a:r>
+              <a:rPr lang="en-US" dirty="0">
+                <a:solidFill>
+                  <a:srgbClr val="E0E2E4"/>
+                </a:solidFill>
+                <a:latin typeface="Menlo"/>
+              </a:rPr>
+              <a:t>);</a:t>
+            </a:r>
+          </a:p>
+          <a:p>
+            <a:r>
+              <a:rPr lang="en-US" dirty="0">
+                <a:solidFill>
+                  <a:srgbClr val="E0E2E4"/>
+                </a:solidFill>
+                <a:latin typeface="Menlo"/>
+              </a:rPr>
+              <a:t>} </a:t>
+            </a:r>
+            <a:endParaRPr lang="nl-BE" dirty="0"/>
+          </a:p>
+        </p:txBody>
+      </p:sp>
+      <p:sp>
+        <p:nvSpPr>
+          <p:cNvPr id="6" name="Rectangle 5">
+            <a:extLst>
+              <a:ext uri="{FF2B5EF4-FFF2-40B4-BE49-F238E27FC236}">
+                <a16:creationId xmlns:a16="http://schemas.microsoft.com/office/drawing/2014/main" id="{502535A7-FB90-40D5-ABE9-524FF535346F}"/>
+              </a:ext>
+            </a:extLst>
+          </p:cNvPr>
+          <p:cNvSpPr/>
+          <p:nvPr/>
+        </p:nvSpPr>
+        <p:spPr>
+          <a:xfrm>
+            <a:off x="1043607" y="4509120"/>
+            <a:ext cx="7923129" cy="369332"/>
+          </a:xfrm>
+          <a:prstGeom prst="rect">
+            <a:avLst/>
+          </a:prstGeom>
+        </p:spPr>
+        <p:txBody>
+          <a:bodyPr wrap="square">
+            <a:spAutoFit/>
+          </a:bodyPr>
+          <a:lstStyle/>
+          <a:p>
+            <a:r>
+              <a:rPr lang="en-US" b="1" dirty="0">
+                <a:solidFill>
+                  <a:srgbClr val="93C763"/>
+                </a:solidFill>
+                <a:latin typeface="Menlo"/>
+              </a:rPr>
+              <a:t>function</a:t>
+            </a:r>
+            <a:r>
+              <a:rPr lang="en-US" dirty="0">
+                <a:solidFill>
+                  <a:srgbClr val="E0E2E4"/>
+                </a:solidFill>
+                <a:latin typeface="Menlo"/>
+              </a:rPr>
+              <a:t> </a:t>
+            </a:r>
+            <a:r>
+              <a:rPr lang="en-US" b="1" dirty="0">
+                <a:solidFill>
+                  <a:srgbClr val="E0E2E4"/>
+                </a:solidFill>
+                <a:latin typeface="Menlo"/>
+              </a:rPr>
+              <a:t>sleep</a:t>
+            </a:r>
+            <a:r>
+              <a:rPr lang="en-US" dirty="0">
+                <a:solidFill>
+                  <a:srgbClr val="E0E2E4"/>
+                </a:solidFill>
+                <a:latin typeface="Menlo"/>
+              </a:rPr>
+              <a:t>(time) { </a:t>
+            </a:r>
+            <a:r>
+              <a:rPr lang="en-US" b="1" dirty="0">
+                <a:solidFill>
+                  <a:srgbClr val="93C763"/>
+                </a:solidFill>
+                <a:latin typeface="Menlo"/>
+              </a:rPr>
+              <a:t>return</a:t>
+            </a:r>
+            <a:r>
+              <a:rPr lang="en-US" dirty="0">
+                <a:solidFill>
+                  <a:srgbClr val="E0E2E4"/>
+                </a:solidFill>
+                <a:latin typeface="Menlo"/>
+              </a:rPr>
+              <a:t> </a:t>
+            </a:r>
+            <a:r>
+              <a:rPr lang="en-US" b="1" dirty="0">
+                <a:solidFill>
+                  <a:srgbClr val="93C763"/>
+                </a:solidFill>
+                <a:latin typeface="Menlo"/>
+              </a:rPr>
+              <a:t>new</a:t>
+            </a:r>
+            <a:r>
+              <a:rPr lang="en-US" dirty="0">
+                <a:solidFill>
+                  <a:srgbClr val="E0E2E4"/>
+                </a:solidFill>
+                <a:latin typeface="Menlo"/>
+              </a:rPr>
+              <a:t> </a:t>
+            </a:r>
+            <a:r>
+              <a:rPr lang="en-US" dirty="0">
+                <a:solidFill>
+                  <a:srgbClr val="72C8BD"/>
+                </a:solidFill>
+                <a:latin typeface="Menlo"/>
+              </a:rPr>
+              <a:t>Promise</a:t>
+            </a:r>
+            <a:r>
+              <a:rPr lang="en-US" dirty="0">
+                <a:solidFill>
+                  <a:srgbClr val="E0E2E4"/>
+                </a:solidFill>
+                <a:latin typeface="Menlo"/>
+              </a:rPr>
+              <a:t>(resolve =&gt; </a:t>
+            </a:r>
+            <a:r>
+              <a:rPr lang="en-US" dirty="0" err="1">
+                <a:solidFill>
+                  <a:srgbClr val="E0E2E4"/>
+                </a:solidFill>
+                <a:latin typeface="Menlo"/>
+              </a:rPr>
+              <a:t>setTimeout</a:t>
+            </a:r>
+            <a:r>
+              <a:rPr lang="en-US" dirty="0">
+                <a:solidFill>
+                  <a:srgbClr val="E0E2E4"/>
+                </a:solidFill>
+                <a:latin typeface="Menlo"/>
+              </a:rPr>
+              <a:t>(resolve, time)); }</a:t>
+            </a:r>
+            <a:endParaRPr lang="nl-BE" dirty="0"/>
+          </a:p>
+        </p:txBody>
+      </p:sp>
+      <p:sp>
+        <p:nvSpPr>
+          <p:cNvPr id="7" name="Rectangle 6">
+            <a:extLst>
+              <a:ext uri="{FF2B5EF4-FFF2-40B4-BE49-F238E27FC236}">
+                <a16:creationId xmlns:a16="http://schemas.microsoft.com/office/drawing/2014/main" id="{52CF743F-F789-4152-9574-7EC369E653AF}"/>
+              </a:ext>
+            </a:extLst>
+          </p:cNvPr>
+          <p:cNvSpPr/>
+          <p:nvPr/>
+        </p:nvSpPr>
+        <p:spPr>
+          <a:xfrm>
+            <a:off x="1043607" y="4940882"/>
+            <a:ext cx="4572000" cy="1477328"/>
+          </a:xfrm>
+          <a:prstGeom prst="rect">
+            <a:avLst/>
+          </a:prstGeom>
+        </p:spPr>
+        <p:txBody>
+          <a:bodyPr>
+            <a:spAutoFit/>
+          </a:bodyPr>
+          <a:lstStyle/>
+          <a:p>
+            <a:r>
+              <a:rPr lang="en-US" dirty="0">
+                <a:solidFill>
+                  <a:srgbClr val="E0E2E4"/>
+                </a:solidFill>
+                <a:latin typeface="Menlo"/>
+              </a:rPr>
+              <a:t>(</a:t>
+            </a:r>
+            <a:r>
+              <a:rPr lang="en-US" b="1" dirty="0">
+                <a:solidFill>
+                  <a:srgbClr val="93C763"/>
+                </a:solidFill>
+                <a:latin typeface="Menlo"/>
+              </a:rPr>
+              <a:t>async</a:t>
+            </a:r>
+            <a:r>
+              <a:rPr lang="en-US" dirty="0">
+                <a:solidFill>
+                  <a:srgbClr val="E0E2E4"/>
+                </a:solidFill>
+                <a:latin typeface="Menlo"/>
+              </a:rPr>
+              <a:t> </a:t>
+            </a:r>
+            <a:r>
+              <a:rPr lang="en-US" b="1" dirty="0">
+                <a:solidFill>
+                  <a:srgbClr val="93C763"/>
+                </a:solidFill>
+                <a:latin typeface="Menlo"/>
+              </a:rPr>
+              <a:t>function</a:t>
+            </a:r>
+            <a:r>
+              <a:rPr lang="en-US" dirty="0">
+                <a:solidFill>
+                  <a:srgbClr val="E0E2E4"/>
+                </a:solidFill>
+                <a:latin typeface="Menlo"/>
+              </a:rPr>
+              <a:t>() {</a:t>
+            </a:r>
+          </a:p>
+          <a:p>
+            <a:r>
+              <a:rPr lang="en-US" b="1" dirty="0">
+                <a:solidFill>
+                  <a:srgbClr val="E0E2E4"/>
+                </a:solidFill>
+                <a:latin typeface="Menlo"/>
+              </a:rPr>
+              <a:t>	</a:t>
+            </a:r>
+            <a:r>
+              <a:rPr lang="en-US" b="1" dirty="0">
+                <a:solidFill>
+                  <a:srgbClr val="93C763"/>
+                </a:solidFill>
+                <a:latin typeface="Menlo"/>
+              </a:rPr>
+              <a:t>for</a:t>
+            </a:r>
+            <a:r>
+              <a:rPr lang="en-US" dirty="0">
+                <a:solidFill>
+                  <a:srgbClr val="E0E2E4"/>
+                </a:solidFill>
+                <a:latin typeface="Menlo"/>
+              </a:rPr>
+              <a:t> </a:t>
+            </a:r>
+            <a:r>
+              <a:rPr lang="en-US" b="1" dirty="0">
+                <a:solidFill>
+                  <a:srgbClr val="93C763"/>
+                </a:solidFill>
+                <a:latin typeface="Menlo"/>
+              </a:rPr>
+              <a:t>await</a:t>
+            </a:r>
+            <a:r>
+              <a:rPr lang="en-US" dirty="0">
+                <a:solidFill>
+                  <a:srgbClr val="E0E2E4"/>
+                </a:solidFill>
+                <a:latin typeface="Menlo"/>
+              </a:rPr>
+              <a:t> (</a:t>
+            </a:r>
+            <a:r>
+              <a:rPr lang="en-US" b="1" dirty="0">
+                <a:solidFill>
+                  <a:srgbClr val="93C763"/>
+                </a:solidFill>
+                <a:latin typeface="Menlo"/>
+              </a:rPr>
+              <a:t>const</a:t>
+            </a:r>
+            <a:r>
+              <a:rPr lang="en-US" dirty="0">
+                <a:solidFill>
+                  <a:srgbClr val="E0E2E4"/>
+                </a:solidFill>
+                <a:latin typeface="Menlo"/>
+              </a:rPr>
+              <a:t> line </a:t>
+            </a:r>
+            <a:r>
+              <a:rPr lang="en-US" b="1" dirty="0">
+                <a:solidFill>
+                  <a:srgbClr val="93C763"/>
+                </a:solidFill>
+                <a:latin typeface="Menlo"/>
+              </a:rPr>
+              <a:t>of</a:t>
+            </a:r>
+            <a:r>
+              <a:rPr lang="en-US" dirty="0">
+                <a:solidFill>
+                  <a:srgbClr val="E0E2E4"/>
+                </a:solidFill>
+                <a:latin typeface="Menlo"/>
+              </a:rPr>
+              <a:t> </a:t>
+            </a:r>
+            <a:r>
+              <a:rPr lang="en-US" dirty="0" err="1">
+                <a:solidFill>
+                  <a:srgbClr val="E0E2E4"/>
+                </a:solidFill>
+                <a:latin typeface="Menlo"/>
+              </a:rPr>
+              <a:t>readLines</a:t>
+            </a:r>
+            <a:r>
+              <a:rPr lang="en-US" dirty="0">
+                <a:solidFill>
+                  <a:srgbClr val="E0E2E4"/>
+                </a:solidFill>
+                <a:latin typeface="Menlo"/>
+              </a:rPr>
+              <a:t>()) { 			</a:t>
+            </a:r>
+            <a:r>
+              <a:rPr lang="en-US" dirty="0">
+                <a:solidFill>
+                  <a:srgbClr val="72C8BD"/>
+                </a:solidFill>
+                <a:latin typeface="Menlo"/>
+              </a:rPr>
+              <a:t>console</a:t>
+            </a:r>
+            <a:r>
+              <a:rPr lang="en-US" dirty="0">
+                <a:solidFill>
+                  <a:srgbClr val="E0E2E4"/>
+                </a:solidFill>
+                <a:latin typeface="Menlo"/>
+              </a:rPr>
+              <a:t>.log(line);</a:t>
+            </a:r>
+          </a:p>
+          <a:p>
+            <a:r>
+              <a:rPr lang="en-US" dirty="0">
+                <a:solidFill>
+                  <a:srgbClr val="E0E2E4"/>
+                </a:solidFill>
+                <a:latin typeface="Menlo"/>
+              </a:rPr>
+              <a:t>	}</a:t>
+            </a:r>
+          </a:p>
+          <a:p>
+            <a:r>
+              <a:rPr lang="en-US" dirty="0">
+                <a:solidFill>
+                  <a:srgbClr val="E0E2E4"/>
+                </a:solidFill>
+                <a:latin typeface="Menlo"/>
+              </a:rPr>
+              <a:t>})();</a:t>
+            </a:r>
+            <a:endParaRPr lang="nl-BE" dirty="0"/>
+          </a:p>
+        </p:txBody>
+      </p:sp>
+    </p:spTree>
+    <p:extLst>
+      <p:ext uri="{BB962C8B-B14F-4D97-AF65-F5344CB8AC3E}">
+        <p14:creationId xmlns:p14="http://schemas.microsoft.com/office/powerpoint/2010/main" val="475503155"/>
+      </p:ext>
+    </p:extLst>
+  </p:cSld>
+  <p:clrMapOvr>
+    <a:masterClrMapping/>
+  </p:clrMapOvr>
+  <p:timing>
+    <p:tnLst>
+      <p:par>
+        <p:cTn id="1" dur="indefinite" restart="never" nodeType="tmRoot">
+          <p:childTnLst>
+            <p:seq concurrent="1" nextAc="seek">
+              <p:cTn id="2" dur="indefinite" nodeType="mainSeq">
+                <p:childTnLst>
+                  <p:par>
+                    <p:cTn id="3" fill="hold">
+                      <p:stCondLst>
+                        <p:cond delay="indefinite"/>
+                      </p:stCondLst>
+                      <p:childTnLst>
+                        <p:par>
+                          <p:cTn id="4" fill="hold">
+                            <p:stCondLst>
+                              <p:cond delay="0"/>
+                            </p:stCondLst>
+                            <p:childTnLst>
+                              <p:par>
+                                <p:cTn id="5" presetID="1" presetClass="entr" presetSubtype="0" fill="hold" grpId="0" nodeType="clickEffect">
+                                  <p:stCondLst>
+                                    <p:cond delay="0"/>
+                                  </p:stCondLst>
+                                  <p:childTnLst>
+                                    <p:set>
+                                      <p:cBhvr>
+                                        <p:cTn id="6" dur="1" fill="hold">
+                                          <p:stCondLst>
+                                            <p:cond delay="0"/>
+                                          </p:stCondLst>
+                                        </p:cTn>
+                                        <p:tgtEl>
+                                          <p:spTgt spid="4"/>
+                                        </p:tgtEl>
+                                        <p:attrNameLst>
+                                          <p:attrName>style.visibility</p:attrName>
+                                        </p:attrNameLst>
+                                      </p:cBhvr>
+                                      <p:to>
+                                        <p:strVal val="visible"/>
+                                      </p:to>
+                                    </p:set>
+                                  </p:childTnLst>
+                                </p:cTn>
+                              </p:par>
+                              <p:par>
+                                <p:cTn id="7" presetID="1" presetClass="entr" presetSubtype="0" fill="hold" grpId="0" nodeType="withEffect">
+                                  <p:stCondLst>
+                                    <p:cond delay="0"/>
+                                  </p:stCondLst>
+                                  <p:childTnLst>
+                                    <p:set>
+                                      <p:cBhvr>
+                                        <p:cTn id="8" dur="1" fill="hold">
+                                          <p:stCondLst>
+                                            <p:cond delay="0"/>
+                                          </p:stCondLst>
+                                        </p:cTn>
+                                        <p:tgtEl>
+                                          <p:spTgt spid="6"/>
+                                        </p:tgtEl>
+                                        <p:attrNameLst>
+                                          <p:attrName>style.visibility</p:attrName>
+                                        </p:attrNameLst>
+                                      </p:cBhvr>
+                                      <p:to>
+                                        <p:strVal val="visible"/>
+                                      </p:to>
+                                    </p:set>
+                                  </p:childTnLst>
+                                </p:cTn>
+                              </p:par>
+                            </p:childTnLst>
+                          </p:cTn>
+                        </p:par>
+                      </p:childTnLst>
+                    </p:cTn>
+                  </p:par>
+                  <p:par>
+                    <p:cTn id="9" fill="hold">
+                      <p:stCondLst>
+                        <p:cond delay="indefinite"/>
+                      </p:stCondLst>
+                      <p:childTnLst>
+                        <p:par>
+                          <p:cTn id="10" fill="hold">
+                            <p:stCondLst>
+                              <p:cond delay="0"/>
+                            </p:stCondLst>
+                            <p:childTnLst>
+                              <p:par>
+                                <p:cTn id="11" presetID="1" presetClass="entr" presetSubtype="0" fill="hold" grpId="0" nodeType="clickEffect">
+                                  <p:stCondLst>
+                                    <p:cond delay="0"/>
+                                  </p:stCondLst>
+                                  <p:childTnLst>
+                                    <p:set>
+                                      <p:cBhvr>
+                                        <p:cTn id="12" dur="1" fill="hold">
+                                          <p:stCondLst>
+                                            <p:cond delay="0"/>
+                                          </p:stCondLst>
+                                        </p:cTn>
+                                        <p:tgtEl>
+                                          <p:spTgt spid="7"/>
+                                        </p:tgtEl>
+                                        <p:attrNameLst>
+                                          <p:attrName>style.visibility</p:attrName>
+                                        </p:attrNameLst>
+                                      </p:cBhvr>
+                                      <p:to>
+                                        <p:strVal val="visible"/>
+                                      </p:to>
+                                    </p:set>
+                                  </p:childTnLst>
+                                </p:cTn>
+                              </p:par>
+                            </p:childTnLst>
+                          </p:cTn>
+                        </p:par>
+                      </p:childTnLst>
+                    </p:cTn>
+                  </p:par>
+                </p:childTnLst>
+              </p:cTn>
+              <p:prevCondLst>
+                <p:cond evt="onPrev" delay="0">
+                  <p:tgtEl>
+                    <p:sldTgt/>
+                  </p:tgtEl>
+                </p:cond>
+              </p:prevCondLst>
+              <p:nextCondLst>
+                <p:cond evt="onNext" delay="0">
+                  <p:tgtEl>
+                    <p:sldTgt/>
+                  </p:tgtEl>
+                </p:cond>
+              </p:nextCondLst>
+            </p:seq>
+          </p:childTnLst>
+        </p:cTn>
+      </p:par>
+    </p:tnLst>
+    <p:bldLst>
+      <p:bldP spid="4" grpId="0"/>
+      <p:bldP spid="6" grpId="0"/>
+      <p:bldP spid="7" grpId="0"/>
+    </p:bldLst>
+  </p:timing>
+</p:sld>
+</file>
+
+<file path=ppt/slides/slide16.xml><?xml version="1.0" encoding="utf-8"?>
+<p:sld xmlns:a="http://schemas.openxmlformats.org/drawingml/2006/main" xmlns:r="http://schemas.openxmlformats.org/officeDocument/2006/relationships" xmlns:p="http://schemas.openxmlformats.org/presentationml/2006/main">
+  <p:cSld>
+    <p:spTree>
+      <p:nvGrpSpPr>
+        <p:cNvPr id="1" name=""/>
+        <p:cNvGrpSpPr/>
+        <p:nvPr/>
+      </p:nvGrpSpPr>
+      <p:grpSpPr>
+        <a:xfrm>
+          <a:off x="0" y="0"/>
+          <a:ext cx="0" cy="0"/>
+          <a:chOff x="0" y="0"/>
+          <a:chExt cx="0" cy="0"/>
+        </a:xfrm>
+      </p:grpSpPr>
+      <p:sp>
+        <p:nvSpPr>
+          <p:cNvPr id="2" name="Title 1"/>
+          <p:cNvSpPr>
+            <a:spLocks noGrp="1"/>
+          </p:cNvSpPr>
+          <p:nvPr>
+            <p:ph type="title"/>
+          </p:nvPr>
+        </p:nvSpPr>
+        <p:spPr>
+          <a:xfrm>
+            <a:off x="685346" y="609600"/>
+            <a:ext cx="6766974" cy="970450"/>
+          </a:xfrm>
+        </p:spPr>
+        <p:txBody>
+          <a:bodyPr/>
+          <a:lstStyle/>
+          <a:p>
+            <a:r>
+              <a:rPr lang="nl-BE" dirty="0"/>
+              <a:t>ECMAScript 2019 </a:t>
+            </a:r>
+          </a:p>
+        </p:txBody>
+      </p:sp>
+      <p:sp>
+        <p:nvSpPr>
+          <p:cNvPr id="3" name="Content Placeholder 2"/>
+          <p:cNvSpPr>
+            <a:spLocks noGrp="1"/>
+          </p:cNvSpPr>
+          <p:nvPr>
+            <p:ph idx="1"/>
+          </p:nvPr>
+        </p:nvSpPr>
+        <p:spPr>
+          <a:xfrm>
+            <a:off x="685346" y="1732450"/>
+            <a:ext cx="7765322" cy="472413"/>
+          </a:xfrm>
+        </p:spPr>
+        <p:txBody>
+          <a:bodyPr>
+            <a:normAutofit lnSpcReduction="10000"/>
+          </a:bodyPr>
+          <a:lstStyle/>
+          <a:p>
+            <a:r>
+              <a:rPr lang="nl-BE" dirty="0"/>
+              <a:t>Optional catch binding</a:t>
+            </a:r>
+          </a:p>
+          <a:p>
+            <a:endParaRPr lang="nl-BE" dirty="0"/>
+          </a:p>
+          <a:p>
+            <a:pPr marL="45720" indent="0">
+              <a:buNone/>
+            </a:pPr>
+            <a:endParaRPr lang="nl-BE" dirty="0"/>
+          </a:p>
+          <a:p>
+            <a:pPr marL="45720" indent="0">
+              <a:buNone/>
+            </a:pPr>
+            <a:endParaRPr lang="nl-BE" dirty="0"/>
+          </a:p>
+          <a:p>
+            <a:pPr marL="45720" indent="0">
+              <a:buNone/>
+            </a:pPr>
+            <a:endParaRPr lang="nl-BE" dirty="0"/>
+          </a:p>
+        </p:txBody>
+      </p:sp>
+      <p:pic>
+        <p:nvPicPr>
+          <p:cNvPr id="5" name="Picture 4">
+            <a:extLst>
+              <a:ext uri="{FF2B5EF4-FFF2-40B4-BE49-F238E27FC236}">
+                <a16:creationId xmlns:a16="http://schemas.microsoft.com/office/drawing/2014/main" id="{560CF881-EE5E-4E9B-A632-637577B35D56}"/>
+              </a:ext>
+            </a:extLst>
+          </p:cNvPr>
+          <p:cNvPicPr>
+            <a:picLocks noChangeAspect="1"/>
+          </p:cNvPicPr>
+          <p:nvPr/>
+        </p:nvPicPr>
+        <p:blipFill>
+          <a:blip r:embed="rId2" cstate="print">
+            <a:extLst>
+              <a:ext uri="{28A0092B-C50C-407E-A947-70E740481C1C}">
+                <a14:useLocalDpi xmlns:a14="http://schemas.microsoft.com/office/drawing/2010/main" val="0"/>
+              </a:ext>
+            </a:extLst>
+          </a:blip>
+          <a:stretch>
+            <a:fillRect/>
+          </a:stretch>
+        </p:blipFill>
+        <p:spPr>
+          <a:xfrm>
+            <a:off x="7596336" y="187735"/>
+            <a:ext cx="1370401" cy="1544715"/>
+          </a:xfrm>
+          <a:prstGeom prst="rect">
+            <a:avLst/>
+          </a:prstGeom>
+        </p:spPr>
+      </p:pic>
+      <p:sp>
+        <p:nvSpPr>
+          <p:cNvPr id="4" name="Rectangle 3">
+            <a:extLst>
+              <a:ext uri="{FF2B5EF4-FFF2-40B4-BE49-F238E27FC236}">
+                <a16:creationId xmlns:a16="http://schemas.microsoft.com/office/drawing/2014/main" id="{76E5007B-5E38-47F0-84C3-DF899354262A}"/>
+              </a:ext>
+            </a:extLst>
+          </p:cNvPr>
+          <p:cNvSpPr/>
+          <p:nvPr/>
+        </p:nvSpPr>
+        <p:spPr>
+          <a:xfrm>
+            <a:off x="1043607" y="2227796"/>
+            <a:ext cx="7923129" cy="1477328"/>
+          </a:xfrm>
+          <a:prstGeom prst="rect">
+            <a:avLst/>
+          </a:prstGeom>
+        </p:spPr>
+        <p:txBody>
+          <a:bodyPr wrap="square">
+            <a:spAutoFit/>
+          </a:bodyPr>
+          <a:lstStyle/>
+          <a:p>
+            <a:r>
+              <a:rPr lang="nl-BE" b="1" dirty="0">
+                <a:solidFill>
+                  <a:srgbClr val="93C763"/>
+                </a:solidFill>
+                <a:latin typeface="Menlo"/>
+              </a:rPr>
+              <a:t>try</a:t>
+            </a:r>
+            <a:r>
+              <a:rPr lang="nl-BE" dirty="0">
+                <a:solidFill>
+                  <a:srgbClr val="E0E2E4"/>
+                </a:solidFill>
+                <a:latin typeface="Menlo"/>
+              </a:rPr>
+              <a:t> {</a:t>
+            </a:r>
+          </a:p>
+          <a:p>
+            <a:r>
+              <a:rPr lang="nl-BE" dirty="0">
+                <a:solidFill>
+                  <a:srgbClr val="E0E2E4"/>
+                </a:solidFill>
+                <a:latin typeface="Menlo"/>
+              </a:rPr>
+              <a:t>	</a:t>
+            </a:r>
+            <a:r>
+              <a:rPr lang="nl-BE" dirty="0">
+                <a:solidFill>
+                  <a:srgbClr val="818E96"/>
+                </a:solidFill>
+                <a:latin typeface="Menlo"/>
+              </a:rPr>
+              <a:t>// ...</a:t>
+            </a:r>
+          </a:p>
+          <a:p>
+            <a:r>
+              <a:rPr lang="nl-BE" dirty="0">
+                <a:solidFill>
+                  <a:srgbClr val="E0E2E4"/>
+                </a:solidFill>
+                <a:latin typeface="Menlo"/>
+              </a:rPr>
+              <a:t>} </a:t>
+            </a:r>
+            <a:r>
+              <a:rPr lang="nl-BE" b="1" dirty="0">
+                <a:solidFill>
+                  <a:srgbClr val="93C763"/>
+                </a:solidFill>
+                <a:latin typeface="Menlo"/>
+              </a:rPr>
+              <a:t>catch</a:t>
+            </a:r>
+            <a:r>
+              <a:rPr lang="nl-BE" dirty="0">
+                <a:solidFill>
+                  <a:srgbClr val="E0E2E4"/>
+                </a:solidFill>
+                <a:latin typeface="Menlo"/>
+              </a:rPr>
+              <a:t> (someUnusedVariableNameLintersComplainAbout) { </a:t>
+            </a:r>
+            <a:r>
+              <a:rPr lang="nl-BE" dirty="0">
+                <a:solidFill>
+                  <a:srgbClr val="818E96"/>
+                </a:solidFill>
+                <a:latin typeface="Menlo"/>
+              </a:rPr>
+              <a:t>// eslint-disable-line</a:t>
+            </a:r>
+            <a:endParaRPr lang="nl-BE" dirty="0">
+              <a:solidFill>
+                <a:srgbClr val="E0E2E4"/>
+              </a:solidFill>
+              <a:latin typeface="Menlo"/>
+            </a:endParaRPr>
+          </a:p>
+          <a:p>
+            <a:r>
+              <a:rPr lang="nl-BE" dirty="0">
+                <a:solidFill>
+                  <a:srgbClr val="E0E2E4"/>
+                </a:solidFill>
+                <a:latin typeface="Menlo"/>
+              </a:rPr>
+              <a:t>	</a:t>
+            </a:r>
+            <a:r>
+              <a:rPr lang="nl-BE" dirty="0">
+                <a:solidFill>
+                  <a:srgbClr val="818E96"/>
+                </a:solidFill>
+                <a:latin typeface="Menlo"/>
+              </a:rPr>
+              <a:t>// ...</a:t>
+            </a:r>
+            <a:endParaRPr lang="nl-BE" dirty="0">
+              <a:solidFill>
+                <a:srgbClr val="E0E2E4"/>
+              </a:solidFill>
+              <a:latin typeface="Menlo"/>
+            </a:endParaRPr>
+          </a:p>
+          <a:p>
+            <a:r>
+              <a:rPr lang="nl-BE" dirty="0">
+                <a:solidFill>
+                  <a:srgbClr val="E0E2E4"/>
+                </a:solidFill>
+                <a:latin typeface="Menlo"/>
+              </a:rPr>
+              <a:t>}</a:t>
+            </a:r>
+            <a:endParaRPr lang="nl-BE" dirty="0"/>
+          </a:p>
+        </p:txBody>
+      </p:sp>
+      <p:sp>
+        <p:nvSpPr>
+          <p:cNvPr id="6" name="Rectangle 5">
+            <a:extLst>
+              <a:ext uri="{FF2B5EF4-FFF2-40B4-BE49-F238E27FC236}">
+                <a16:creationId xmlns:a16="http://schemas.microsoft.com/office/drawing/2014/main" id="{F7DE81B6-A8C3-4A5A-985B-D3377584B6D0}"/>
+              </a:ext>
+            </a:extLst>
+          </p:cNvPr>
+          <p:cNvSpPr/>
+          <p:nvPr/>
+        </p:nvSpPr>
+        <p:spPr>
+          <a:xfrm>
+            <a:off x="1043607" y="4213332"/>
+            <a:ext cx="3528393" cy="1477328"/>
+          </a:xfrm>
+          <a:prstGeom prst="rect">
+            <a:avLst/>
+          </a:prstGeom>
+        </p:spPr>
+        <p:txBody>
+          <a:bodyPr wrap="square">
+            <a:spAutoFit/>
+          </a:bodyPr>
+          <a:lstStyle/>
+          <a:p>
+            <a:r>
+              <a:rPr lang="nl-BE" b="1" dirty="0">
+                <a:solidFill>
+                  <a:srgbClr val="93C763"/>
+                </a:solidFill>
+                <a:latin typeface="Menlo"/>
+              </a:rPr>
+              <a:t>try</a:t>
+            </a:r>
+            <a:r>
+              <a:rPr lang="nl-BE" dirty="0">
+                <a:solidFill>
+                  <a:srgbClr val="E0E2E4"/>
+                </a:solidFill>
+                <a:latin typeface="Menlo"/>
+              </a:rPr>
+              <a:t> {</a:t>
+            </a:r>
+          </a:p>
+          <a:p>
+            <a:r>
+              <a:rPr lang="nl-BE" dirty="0">
+                <a:solidFill>
+                  <a:srgbClr val="E0E2E4"/>
+                </a:solidFill>
+                <a:latin typeface="Menlo"/>
+              </a:rPr>
+              <a:t>	</a:t>
+            </a:r>
+            <a:r>
+              <a:rPr lang="nl-BE" dirty="0">
+                <a:solidFill>
+                  <a:srgbClr val="818E96"/>
+                </a:solidFill>
+                <a:latin typeface="Menlo"/>
+              </a:rPr>
+              <a:t>// ...</a:t>
+            </a:r>
+          </a:p>
+          <a:p>
+            <a:r>
+              <a:rPr lang="nl-BE" dirty="0">
+                <a:solidFill>
+                  <a:srgbClr val="E0E2E4"/>
+                </a:solidFill>
+                <a:latin typeface="Menlo"/>
+              </a:rPr>
+              <a:t>} </a:t>
+            </a:r>
+            <a:r>
+              <a:rPr lang="nl-BE" b="1" dirty="0">
+                <a:solidFill>
+                  <a:srgbClr val="93C763"/>
+                </a:solidFill>
+                <a:latin typeface="Menlo"/>
+              </a:rPr>
+              <a:t>catch</a:t>
+            </a:r>
+            <a:r>
+              <a:rPr lang="nl-BE" dirty="0">
+                <a:solidFill>
+                  <a:srgbClr val="E0E2E4"/>
+                </a:solidFill>
+                <a:latin typeface="Menlo"/>
+              </a:rPr>
+              <a:t> {</a:t>
+            </a:r>
+          </a:p>
+          <a:p>
+            <a:r>
+              <a:rPr lang="nl-BE" dirty="0">
+                <a:solidFill>
+                  <a:srgbClr val="E0E2E4"/>
+                </a:solidFill>
+                <a:latin typeface="Menlo"/>
+              </a:rPr>
+              <a:t>	</a:t>
+            </a:r>
+            <a:r>
+              <a:rPr lang="nl-BE" dirty="0">
+                <a:solidFill>
+                  <a:srgbClr val="818E96"/>
+                </a:solidFill>
+                <a:latin typeface="Menlo"/>
+              </a:rPr>
+              <a:t>// ...</a:t>
+            </a:r>
+          </a:p>
+          <a:p>
+            <a:r>
+              <a:rPr lang="nl-BE" dirty="0">
+                <a:solidFill>
+                  <a:srgbClr val="E0E2E4"/>
+                </a:solidFill>
+                <a:latin typeface="Menlo"/>
+              </a:rPr>
+              <a:t>}</a:t>
+            </a:r>
+            <a:endParaRPr lang="nl-BE" dirty="0"/>
+          </a:p>
+        </p:txBody>
+      </p:sp>
+      <p:sp>
+        <p:nvSpPr>
+          <p:cNvPr id="7" name="Content Placeholder 2">
+            <a:extLst>
+              <a:ext uri="{FF2B5EF4-FFF2-40B4-BE49-F238E27FC236}">
+                <a16:creationId xmlns:a16="http://schemas.microsoft.com/office/drawing/2014/main" id="{E58E49D9-7916-42FB-A110-84F37CAA732F}"/>
+              </a:ext>
+            </a:extLst>
+          </p:cNvPr>
+          <p:cNvSpPr txBox="1">
+            <a:spLocks/>
+          </p:cNvSpPr>
+          <p:nvPr/>
+        </p:nvSpPr>
+        <p:spPr>
+          <a:xfrm>
+            <a:off x="971600" y="3861048"/>
+            <a:ext cx="7765322" cy="472413"/>
+          </a:xfrm>
+          <a:prstGeom prst="rect">
+            <a:avLst/>
+          </a:prstGeom>
+          <a:effectLst>
+            <a:outerShdw blurRad="25400" dir="17880000">
+              <a:srgbClr val="000000">
+                <a:alpha val="46000"/>
+              </a:srgbClr>
+            </a:outerShdw>
+          </a:effectLst>
+        </p:spPr>
+        <p:txBody>
+          <a:bodyPr vert="horz" lIns="91440" tIns="45720" rIns="91440" bIns="45720" rtlCol="0" anchor="t">
+            <a:normAutofit lnSpcReduction="10000"/>
+          </a:bodyPr>
+          <a:lstStyle>
+            <a:lvl1pPr marL="342900" indent="-306000" algn="l" defTabSz="457200" rtl="0" eaLnBrk="1" latinLnBrk="0" hangingPunct="1">
+              <a:spcBef>
+                <a:spcPct val="20000"/>
+              </a:spcBef>
+              <a:spcAft>
+                <a:spcPts val="600"/>
+              </a:spcAft>
+              <a:buClr>
+                <a:schemeClr val="tx2"/>
+              </a:buClr>
+              <a:buSzPct val="70000"/>
+              <a:buFont typeface="Wingdings 2" charset="2"/>
+              <a:buChar char=""/>
+              <a:defRPr sz="2000" kern="1200">
+                <a:ln>
+                  <a:solidFill>
+                    <a:schemeClr val="bg1">
+                      <a:lumMod val="75000"/>
+                      <a:lumOff val="25000"/>
+                      <a:alpha val="10000"/>
+                    </a:schemeClr>
+                  </a:solidFill>
+                </a:ln>
+                <a:solidFill>
+                  <a:schemeClr val="tx2"/>
+                </a:solidFill>
+                <a:effectLst>
+                  <a:outerShdw blurRad="9525" dist="25400" dir="14640000" algn="tl" rotWithShape="0">
+                    <a:schemeClr val="bg1">
+                      <a:alpha val="30000"/>
+                    </a:schemeClr>
+                  </a:outerShdw>
+                </a:effectLst>
+                <a:latin typeface="+mn-lt"/>
+                <a:ea typeface="+mn-ea"/>
+                <a:cs typeface="+mn-cs"/>
+              </a:defRPr>
+            </a:lvl1pPr>
+            <a:lvl2pPr marL="720000" indent="-270000" algn="l" defTabSz="457200" rtl="0" eaLnBrk="1" latinLnBrk="0" hangingPunct="1">
+              <a:spcBef>
+                <a:spcPct val="20000"/>
+              </a:spcBef>
+              <a:spcAft>
+                <a:spcPts val="600"/>
+              </a:spcAft>
+              <a:buClr>
+                <a:schemeClr val="tx2"/>
+              </a:buClr>
+              <a:buSzPct val="70000"/>
+              <a:buFont typeface="Wingdings 2" charset="2"/>
+              <a:buChar char=""/>
+              <a:defRPr sz="1800" kern="1200">
+                <a:ln>
+                  <a:solidFill>
+                    <a:schemeClr val="bg1">
+                      <a:lumMod val="75000"/>
+                      <a:lumOff val="25000"/>
+                      <a:alpha val="10000"/>
+                    </a:schemeClr>
+                  </a:solidFill>
+                </a:ln>
+                <a:solidFill>
+                  <a:schemeClr val="tx2"/>
+                </a:solidFill>
+                <a:effectLst>
+                  <a:outerShdw blurRad="9525" dist="25400" dir="14640000" algn="tl" rotWithShape="0">
+                    <a:schemeClr val="bg1">
+                      <a:alpha val="30000"/>
+                    </a:schemeClr>
+                  </a:outerShdw>
+                </a:effectLst>
+                <a:latin typeface="+mn-lt"/>
+                <a:ea typeface="+mn-ea"/>
+                <a:cs typeface="+mn-cs"/>
+              </a:defRPr>
+            </a:lvl2pPr>
+            <a:lvl3pPr marL="1026000" indent="-216000" algn="l" defTabSz="457200" rtl="0" eaLnBrk="1" latinLnBrk="0" hangingPunct="1">
+              <a:spcBef>
+                <a:spcPct val="20000"/>
+              </a:spcBef>
+              <a:spcAft>
+                <a:spcPts val="600"/>
+              </a:spcAft>
+              <a:buClr>
+                <a:schemeClr val="tx2"/>
+              </a:buClr>
+              <a:buSzPct val="70000"/>
+              <a:buFont typeface="Wingdings 2" charset="2"/>
+              <a:buChar char=""/>
+              <a:defRPr sz="1600" kern="1200">
+                <a:ln>
+                  <a:solidFill>
+                    <a:schemeClr val="bg1">
+                      <a:lumMod val="75000"/>
+                      <a:lumOff val="25000"/>
+                      <a:alpha val="10000"/>
+                    </a:schemeClr>
+                  </a:solidFill>
+                </a:ln>
+                <a:solidFill>
+                  <a:schemeClr val="tx2"/>
+                </a:solidFill>
+                <a:effectLst>
+                  <a:outerShdw blurRad="9525" dist="25400" dir="14640000" algn="tl" rotWithShape="0">
+                    <a:schemeClr val="bg1">
+                      <a:alpha val="30000"/>
+                    </a:schemeClr>
+                  </a:outerShdw>
+                </a:effectLst>
+                <a:latin typeface="+mn-lt"/>
+                <a:ea typeface="+mn-ea"/>
+                <a:cs typeface="+mn-cs"/>
+              </a:defRPr>
+            </a:lvl3pPr>
+            <a:lvl4pPr marL="1386000" indent="-216000" algn="l" defTabSz="457200" rtl="0" eaLnBrk="1" latinLnBrk="0" hangingPunct="1">
+              <a:spcBef>
+                <a:spcPct val="20000"/>
+              </a:spcBef>
+              <a:spcAft>
+                <a:spcPts val="600"/>
+              </a:spcAft>
+              <a:buClr>
+                <a:schemeClr val="tx2"/>
+              </a:buClr>
+              <a:buSzPct val="70000"/>
+              <a:buFont typeface="Wingdings 2" charset="2"/>
+              <a:buChar char=""/>
+              <a:defRPr sz="1400" kern="1200">
+                <a:ln>
+                  <a:solidFill>
+                    <a:schemeClr val="bg1">
+                      <a:lumMod val="75000"/>
+                      <a:lumOff val="25000"/>
+                      <a:alpha val="10000"/>
+                    </a:schemeClr>
+                  </a:solidFill>
+                </a:ln>
+                <a:solidFill>
+                  <a:schemeClr val="tx2"/>
+                </a:solidFill>
+                <a:effectLst>
+                  <a:outerShdw blurRad="9525" dist="25400" dir="14640000" algn="tl" rotWithShape="0">
+                    <a:schemeClr val="bg1">
+                      <a:alpha val="30000"/>
+                    </a:schemeClr>
+                  </a:outerShdw>
+                </a:effectLst>
+                <a:latin typeface="+mn-lt"/>
+                <a:ea typeface="+mn-ea"/>
+                <a:cs typeface="+mn-cs"/>
+              </a:defRPr>
+            </a:lvl4pPr>
+            <a:lvl5pPr marL="1674000" indent="-216000" algn="l" defTabSz="457200" rtl="0" eaLnBrk="1" latinLnBrk="0" hangingPunct="1">
+              <a:spcBef>
+                <a:spcPct val="20000"/>
+              </a:spcBef>
+              <a:spcAft>
+                <a:spcPts val="600"/>
+              </a:spcAft>
+              <a:buClr>
+                <a:schemeClr val="tx2"/>
+              </a:buClr>
+              <a:buSzPct val="70000"/>
+              <a:buFont typeface="Wingdings 2" charset="2"/>
+              <a:buChar char=""/>
+              <a:defRPr sz="1400" kern="1200">
+                <a:ln>
+                  <a:solidFill>
+                    <a:schemeClr val="bg1">
+                      <a:lumMod val="75000"/>
+                      <a:lumOff val="25000"/>
+                      <a:alpha val="10000"/>
+                    </a:schemeClr>
+                  </a:solidFill>
+                </a:ln>
+                <a:solidFill>
+                  <a:schemeClr val="tx2"/>
+                </a:solidFill>
+                <a:effectLst>
+                  <a:outerShdw blurRad="9525" dist="25400" dir="14640000" algn="tl" rotWithShape="0">
+                    <a:schemeClr val="bg1">
+                      <a:alpha val="30000"/>
+                    </a:schemeClr>
+                  </a:outerShdw>
+                </a:effectLst>
+                <a:latin typeface="+mn-lt"/>
+                <a:ea typeface="+mn-ea"/>
+                <a:cs typeface="+mn-cs"/>
+              </a:defRPr>
+            </a:lvl5pPr>
+            <a:lvl6pPr marL="2014600" indent="-228600" algn="l" defTabSz="457200" rtl="0" eaLnBrk="1" latinLnBrk="0" hangingPunct="1">
+              <a:spcBef>
+                <a:spcPct val="20000"/>
+              </a:spcBef>
+              <a:spcAft>
+                <a:spcPts val="600"/>
+              </a:spcAft>
+              <a:buClr>
+                <a:schemeClr val="tx2"/>
+              </a:buClr>
+              <a:buSzPct val="70000"/>
+              <a:buFont typeface="Wingdings 2" charset="2"/>
+              <a:buChar char=""/>
+              <a:defRPr sz="1400" kern="1200">
+                <a:ln>
+                  <a:solidFill>
+                    <a:schemeClr val="bg1">
+                      <a:lumMod val="75000"/>
+                      <a:lumOff val="25000"/>
+                      <a:alpha val="10000"/>
+                    </a:schemeClr>
+                  </a:solidFill>
+                </a:ln>
+                <a:solidFill>
+                  <a:schemeClr val="tx2"/>
+                </a:solidFill>
+                <a:effectLst>
+                  <a:outerShdw blurRad="9525" dist="25400" dir="14640000" algn="tl" rotWithShape="0">
+                    <a:schemeClr val="bg1">
+                      <a:alpha val="30000"/>
+                    </a:schemeClr>
+                  </a:outerShdw>
+                </a:effectLst>
+                <a:latin typeface="+mn-lt"/>
+                <a:ea typeface="+mn-ea"/>
+                <a:cs typeface="+mn-cs"/>
+              </a:defRPr>
+            </a:lvl6pPr>
+            <a:lvl7pPr marL="2401800" indent="-228600" algn="l" defTabSz="457200" rtl="0" eaLnBrk="1" latinLnBrk="0" hangingPunct="1">
+              <a:spcBef>
+                <a:spcPct val="20000"/>
+              </a:spcBef>
+              <a:spcAft>
+                <a:spcPts val="600"/>
+              </a:spcAft>
+              <a:buClr>
+                <a:schemeClr val="tx2"/>
+              </a:buClr>
+              <a:buSzPct val="70000"/>
+              <a:buFont typeface="Wingdings 2" charset="2"/>
+              <a:buChar char=""/>
+              <a:defRPr sz="1400" kern="1200">
+                <a:ln>
+                  <a:solidFill>
+                    <a:schemeClr val="bg1">
+                      <a:lumMod val="75000"/>
+                      <a:lumOff val="25000"/>
+                      <a:alpha val="10000"/>
+                    </a:schemeClr>
+                  </a:solidFill>
+                </a:ln>
+                <a:solidFill>
+                  <a:schemeClr val="tx2"/>
+                </a:solidFill>
+                <a:effectLst>
+                  <a:outerShdw blurRad="9525" dist="25400" dir="14640000" algn="tl" rotWithShape="0">
+                    <a:schemeClr val="bg1">
+                      <a:alpha val="30000"/>
+                    </a:schemeClr>
+                  </a:outerShdw>
+                </a:effectLst>
+                <a:latin typeface="+mn-lt"/>
+                <a:ea typeface="+mn-ea"/>
+                <a:cs typeface="+mn-cs"/>
+              </a:defRPr>
+            </a:lvl7pPr>
+            <a:lvl8pPr marL="2789000" indent="-228600" algn="l" defTabSz="457200" rtl="0" eaLnBrk="1" latinLnBrk="0" hangingPunct="1">
+              <a:spcBef>
+                <a:spcPct val="20000"/>
+              </a:spcBef>
+              <a:spcAft>
+                <a:spcPts val="600"/>
+              </a:spcAft>
+              <a:buClr>
+                <a:schemeClr val="tx2"/>
+              </a:buClr>
+              <a:buSzPct val="70000"/>
+              <a:buFont typeface="Wingdings 2" charset="2"/>
+              <a:buChar char=""/>
+              <a:defRPr sz="1400" kern="1200">
+                <a:ln>
+                  <a:solidFill>
+                    <a:schemeClr val="bg1">
+                      <a:lumMod val="75000"/>
+                      <a:lumOff val="25000"/>
+                      <a:alpha val="10000"/>
+                    </a:schemeClr>
+                  </a:solidFill>
+                </a:ln>
+                <a:solidFill>
+                  <a:schemeClr val="tx2"/>
+                </a:solidFill>
+                <a:effectLst>
+                  <a:outerShdw blurRad="9525" dist="25400" dir="14640000" algn="tl" rotWithShape="0">
+                    <a:schemeClr val="bg1">
+                      <a:alpha val="30000"/>
+                    </a:schemeClr>
+                  </a:outerShdw>
+                </a:effectLst>
+                <a:latin typeface="+mn-lt"/>
+                <a:ea typeface="+mn-ea"/>
+                <a:cs typeface="+mn-cs"/>
+              </a:defRPr>
+            </a:lvl8pPr>
+            <a:lvl9pPr marL="3106200" indent="-228600" algn="l" defTabSz="457200" rtl="0" eaLnBrk="1" latinLnBrk="0" hangingPunct="1">
+              <a:spcBef>
+                <a:spcPct val="20000"/>
+              </a:spcBef>
+              <a:spcAft>
+                <a:spcPts val="600"/>
+              </a:spcAft>
+              <a:buClr>
+                <a:schemeClr val="tx2"/>
+              </a:buClr>
+              <a:buSzPct val="70000"/>
+              <a:buFont typeface="Wingdings 2" charset="2"/>
+              <a:buChar char=""/>
+              <a:defRPr sz="1400" kern="1200">
+                <a:ln>
+                  <a:solidFill>
+                    <a:schemeClr val="bg1">
+                      <a:lumMod val="75000"/>
+                      <a:lumOff val="25000"/>
+                      <a:alpha val="10000"/>
+                    </a:schemeClr>
+                  </a:solidFill>
+                </a:ln>
+                <a:solidFill>
+                  <a:schemeClr val="tx2"/>
+                </a:solidFill>
+                <a:effectLst>
+                  <a:outerShdw blurRad="9525" dist="25400" dir="14640000" algn="tl" rotWithShape="0">
+                    <a:schemeClr val="bg1">
+                      <a:alpha val="30000"/>
+                    </a:schemeClr>
+                  </a:outerShdw>
+                </a:effectLst>
+                <a:latin typeface="+mn-lt"/>
+                <a:ea typeface="+mn-ea"/>
+                <a:cs typeface="+mn-cs"/>
+              </a:defRPr>
+            </a:lvl9pPr>
+          </a:lstStyle>
+          <a:p>
+            <a:pPr marL="36900" indent="0">
+              <a:buNone/>
+            </a:pPr>
+            <a:r>
+              <a:rPr lang="nl-BE" dirty="0"/>
+              <a:t>Becomes</a:t>
+            </a:r>
+          </a:p>
+          <a:p>
+            <a:pPr marL="45720" indent="0">
+              <a:buFont typeface="Wingdings 2" charset="2"/>
+              <a:buNone/>
+            </a:pPr>
+            <a:endParaRPr lang="nl-BE" dirty="0"/>
+          </a:p>
+        </p:txBody>
+      </p:sp>
+    </p:spTree>
+    <p:extLst>
+      <p:ext uri="{BB962C8B-B14F-4D97-AF65-F5344CB8AC3E}">
+        <p14:creationId xmlns:p14="http://schemas.microsoft.com/office/powerpoint/2010/main" val="775841037"/>
+      </p:ext>
+    </p:extLst>
+  </p:cSld>
+  <p:clrMapOvr>
+    <a:masterClrMapping/>
+  </p:clrMapOvr>
+  <p:timing>
+    <p:tnLst>
+      <p:par>
+        <p:cTn id="1" dur="indefinite" restart="never" nodeType="tmRoot">
+          <p:childTnLst>
+            <p:seq concurrent="1" nextAc="seek">
+              <p:cTn id="2" dur="indefinite" nodeType="mainSeq">
+                <p:childTnLst>
+                  <p:par>
+                    <p:cTn id="3" fill="hold">
+                      <p:stCondLst>
+                        <p:cond delay="indefinite"/>
+                      </p:stCondLst>
+                      <p:childTnLst>
+                        <p:par>
+                          <p:cTn id="4" fill="hold">
+                            <p:stCondLst>
+                              <p:cond delay="0"/>
+                            </p:stCondLst>
+                            <p:childTnLst>
+                              <p:par>
+                                <p:cTn id="5" presetID="1" presetClass="entr" presetSubtype="0" fill="hold" grpId="0" nodeType="clickEffect">
+                                  <p:stCondLst>
+                                    <p:cond delay="0"/>
+                                  </p:stCondLst>
+                                  <p:childTnLst>
+                                    <p:set>
+                                      <p:cBhvr>
+                                        <p:cTn id="6" dur="1" fill="hold">
+                                          <p:stCondLst>
+                                            <p:cond delay="0"/>
+                                          </p:stCondLst>
+                                        </p:cTn>
+                                        <p:tgtEl>
+                                          <p:spTgt spid="4"/>
+                                        </p:tgtEl>
+                                        <p:attrNameLst>
+                                          <p:attrName>style.visibility</p:attrName>
+                                        </p:attrNameLst>
+                                      </p:cBhvr>
+                                      <p:to>
+                                        <p:strVal val="visible"/>
+                                      </p:to>
+                                    </p:set>
+                                  </p:childTnLst>
+                                </p:cTn>
+                              </p:par>
+                            </p:childTnLst>
+                          </p:cTn>
+                        </p:par>
+                      </p:childTnLst>
+                    </p:cTn>
+                  </p:par>
+                  <p:par>
+                    <p:cTn id="7" fill="hold">
+                      <p:stCondLst>
+                        <p:cond delay="indefinite"/>
+                      </p:stCondLst>
+                      <p:childTnLst>
+                        <p:par>
+                          <p:cTn id="8" fill="hold">
+                            <p:stCondLst>
+                              <p:cond delay="0"/>
+                            </p:stCondLst>
+                            <p:childTnLst>
+                              <p:par>
+                                <p:cTn id="9" presetID="1" presetClass="entr" presetSubtype="0" fill="hold" grpId="0" nodeType="clickEffect">
+                                  <p:stCondLst>
+                                    <p:cond delay="0"/>
+                                  </p:stCondLst>
+                                  <p:childTnLst>
+                                    <p:set>
+                                      <p:cBhvr>
+                                        <p:cTn id="10" dur="1" fill="hold">
+                                          <p:stCondLst>
+                                            <p:cond delay="0"/>
+                                          </p:stCondLst>
+                                        </p:cTn>
+                                        <p:tgtEl>
+                                          <p:spTgt spid="7"/>
+                                        </p:tgtEl>
+                                        <p:attrNameLst>
+                                          <p:attrName>style.visibility</p:attrName>
+                                        </p:attrNameLst>
+                                      </p:cBhvr>
+                                      <p:to>
+                                        <p:strVal val="visible"/>
+                                      </p:to>
+                                    </p:set>
+                                  </p:childTnLst>
+                                </p:cTn>
+                              </p:par>
+                              <p:par>
+                                <p:cTn id="11" presetID="1" presetClass="entr" presetSubtype="0" fill="hold" grpId="0" nodeType="withEffect">
+                                  <p:stCondLst>
+                                    <p:cond delay="0"/>
+                                  </p:stCondLst>
+                                  <p:childTnLst>
+                                    <p:set>
+                                      <p:cBhvr>
+                                        <p:cTn id="12" dur="1" fill="hold">
+                                          <p:stCondLst>
+                                            <p:cond delay="0"/>
+                                          </p:stCondLst>
+                                        </p:cTn>
+                                        <p:tgtEl>
+                                          <p:spTgt spid="6"/>
+                                        </p:tgtEl>
+                                        <p:attrNameLst>
+                                          <p:attrName>style.visibility</p:attrName>
+                                        </p:attrNameLst>
+                                      </p:cBhvr>
+                                      <p:to>
+                                        <p:strVal val="visible"/>
+                                      </p:to>
+                                    </p:set>
+                                  </p:childTnLst>
+                                </p:cTn>
+                              </p:par>
+                            </p:childTnLst>
+                          </p:cTn>
+                        </p:par>
+                      </p:childTnLst>
+                    </p:cTn>
+                  </p:par>
+                </p:childTnLst>
+              </p:cTn>
+              <p:prevCondLst>
+                <p:cond evt="onPrev" delay="0">
+                  <p:tgtEl>
+                    <p:sldTgt/>
+                  </p:tgtEl>
+                </p:cond>
+              </p:prevCondLst>
+              <p:nextCondLst>
+                <p:cond evt="onNext" delay="0">
+                  <p:tgtEl>
+                    <p:sldTgt/>
+                  </p:tgtEl>
+                </p:cond>
+              </p:nextCondLst>
+            </p:seq>
+          </p:childTnLst>
+        </p:cTn>
+      </p:par>
+    </p:tnLst>
+    <p:bldLst>
+      <p:bldP spid="4" grpId="0"/>
+      <p:bldP spid="6" grpId="0"/>
+      <p:bldP spid="7" grpId="0"/>
+    </p:bldLst>
+  </p:timing>
+</p:sld>
+</file>
+
+<file path=ppt/slides/slide17.xml><?xml version="1.0" encoding="utf-8"?>
+<p:sld xmlns:a="http://schemas.openxmlformats.org/drawingml/2006/main" xmlns:r="http://schemas.openxmlformats.org/officeDocument/2006/relationships" xmlns:p="http://schemas.openxmlformats.org/presentationml/2006/main">
+  <p:cSld>
+    <p:spTree>
+      <p:nvGrpSpPr>
+        <p:cNvPr id="1" name=""/>
+        <p:cNvGrpSpPr/>
+        <p:nvPr/>
+      </p:nvGrpSpPr>
+      <p:grpSpPr>
+        <a:xfrm>
+          <a:off x="0" y="0"/>
+          <a:ext cx="0" cy="0"/>
+          <a:chOff x="0" y="0"/>
+          <a:chExt cx="0" cy="0"/>
+        </a:xfrm>
+      </p:grpSpPr>
+      <p:sp>
+        <p:nvSpPr>
+          <p:cNvPr id="2" name="Title 1"/>
+          <p:cNvSpPr>
+            <a:spLocks noGrp="1"/>
+          </p:cNvSpPr>
+          <p:nvPr>
+            <p:ph type="title"/>
+          </p:nvPr>
+        </p:nvSpPr>
+        <p:spPr>
+          <a:xfrm>
+            <a:off x="685346" y="609600"/>
+            <a:ext cx="6766974" cy="970450"/>
+          </a:xfrm>
+        </p:spPr>
+        <p:txBody>
+          <a:bodyPr/>
+          <a:lstStyle/>
+          <a:p>
+            <a:r>
+              <a:rPr lang="nl-BE" dirty="0"/>
+              <a:t>ECMAScript 2020-*</a:t>
+            </a:r>
+          </a:p>
+        </p:txBody>
+      </p:sp>
+      <p:sp>
+        <p:nvSpPr>
+          <p:cNvPr id="3" name="Content Placeholder 2"/>
+          <p:cNvSpPr>
+            <a:spLocks noGrp="1"/>
+          </p:cNvSpPr>
+          <p:nvPr>
+            <p:ph idx="1"/>
+          </p:nvPr>
+        </p:nvSpPr>
+        <p:spPr>
+          <a:xfrm>
+            <a:off x="685346" y="1732450"/>
+            <a:ext cx="7765322" cy="1544715"/>
+          </a:xfrm>
+        </p:spPr>
+        <p:txBody>
+          <a:bodyPr>
+            <a:normAutofit/>
+          </a:bodyPr>
+          <a:lstStyle/>
+          <a:p>
+            <a:r>
+              <a:rPr lang="nl-BE" dirty="0"/>
+              <a:t>Function.prototype.toString</a:t>
+            </a:r>
+          </a:p>
+          <a:p>
+            <a:r>
+              <a:rPr lang="nl-BE" dirty="0"/>
+              <a:t>String.prototype.trimStart and End</a:t>
+            </a:r>
+          </a:p>
+          <a:p>
+            <a:r>
+              <a:rPr lang="nl-BE" dirty="0"/>
+              <a:t>Array.prototype.flat</a:t>
+            </a:r>
+          </a:p>
+        </p:txBody>
+      </p:sp>
+      <p:pic>
+        <p:nvPicPr>
+          <p:cNvPr id="5" name="Picture 4">
+            <a:extLst>
+              <a:ext uri="{FF2B5EF4-FFF2-40B4-BE49-F238E27FC236}">
+                <a16:creationId xmlns:a16="http://schemas.microsoft.com/office/drawing/2014/main" id="{560CF881-EE5E-4E9B-A632-637577B35D56}"/>
+              </a:ext>
+            </a:extLst>
+          </p:cNvPr>
+          <p:cNvPicPr>
+            <a:picLocks noChangeAspect="1"/>
+          </p:cNvPicPr>
+          <p:nvPr/>
+        </p:nvPicPr>
+        <p:blipFill>
+          <a:blip r:embed="rId2" cstate="print">
+            <a:extLst>
+              <a:ext uri="{28A0092B-C50C-407E-A947-70E740481C1C}">
+                <a14:useLocalDpi xmlns:a14="http://schemas.microsoft.com/office/drawing/2010/main" val="0"/>
+              </a:ext>
+            </a:extLst>
+          </a:blip>
+          <a:stretch>
+            <a:fillRect/>
+          </a:stretch>
+        </p:blipFill>
+        <p:spPr>
+          <a:xfrm>
+            <a:off x="7596336" y="187735"/>
+            <a:ext cx="1370401" cy="1544715"/>
+          </a:xfrm>
+          <a:prstGeom prst="rect">
+            <a:avLst/>
+          </a:prstGeom>
+        </p:spPr>
+      </p:pic>
+      <p:sp>
+        <p:nvSpPr>
+          <p:cNvPr id="4" name="Rectangle 3">
+            <a:extLst>
+              <a:ext uri="{FF2B5EF4-FFF2-40B4-BE49-F238E27FC236}">
+                <a16:creationId xmlns:a16="http://schemas.microsoft.com/office/drawing/2014/main" id="{8FBC88CB-A888-4623-A776-DA001EE84919}"/>
+              </a:ext>
+            </a:extLst>
+          </p:cNvPr>
+          <p:cNvSpPr/>
+          <p:nvPr/>
+        </p:nvSpPr>
+        <p:spPr>
+          <a:xfrm>
+            <a:off x="3275856" y="2636912"/>
+            <a:ext cx="4458272" cy="369332"/>
+          </a:xfrm>
+          <a:prstGeom prst="rect">
+            <a:avLst/>
+          </a:prstGeom>
+        </p:spPr>
+        <p:txBody>
+          <a:bodyPr wrap="none">
+            <a:spAutoFit/>
+          </a:bodyPr>
+          <a:lstStyle/>
+          <a:p>
+            <a:r>
+              <a:rPr lang="nl-BE" dirty="0">
+                <a:solidFill>
+                  <a:srgbClr val="E0E2E4"/>
+                </a:solidFill>
+                <a:latin typeface="Courier New" panose="02070309020205020404" pitchFamily="49" charset="0"/>
+                <a:cs typeface="Courier New" panose="02070309020205020404" pitchFamily="49" charset="0"/>
+              </a:rPr>
+              <a:t>[</a:t>
+            </a:r>
+            <a:r>
+              <a:rPr lang="nl-BE" dirty="0">
+                <a:solidFill>
+                  <a:srgbClr val="EC7600"/>
+                </a:solidFill>
+                <a:latin typeface="Courier New" panose="02070309020205020404" pitchFamily="49" charset="0"/>
+                <a:cs typeface="Courier New" panose="02070309020205020404" pitchFamily="49" charset="0"/>
+              </a:rPr>
+              <a:t>'a'</a:t>
+            </a:r>
+            <a:r>
+              <a:rPr lang="nl-BE" dirty="0">
+                <a:solidFill>
+                  <a:srgbClr val="E0E2E4"/>
+                </a:solidFill>
+                <a:latin typeface="Courier New" panose="02070309020205020404" pitchFamily="49" charset="0"/>
+                <a:cs typeface="Courier New" panose="02070309020205020404" pitchFamily="49" charset="0"/>
+              </a:rPr>
+              <a:t>, [</a:t>
+            </a:r>
+            <a:r>
+              <a:rPr lang="nl-BE" dirty="0">
+                <a:solidFill>
+                  <a:srgbClr val="EC7600"/>
+                </a:solidFill>
+                <a:latin typeface="Courier New" panose="02070309020205020404" pitchFamily="49" charset="0"/>
+                <a:cs typeface="Courier New" panose="02070309020205020404" pitchFamily="49" charset="0"/>
+              </a:rPr>
+              <a:t>'b'</a:t>
+            </a:r>
+            <a:r>
+              <a:rPr lang="nl-BE" dirty="0">
+                <a:solidFill>
+                  <a:srgbClr val="E0E2E4"/>
+                </a:solidFill>
+                <a:latin typeface="Courier New" panose="02070309020205020404" pitchFamily="49" charset="0"/>
+                <a:cs typeface="Courier New" panose="02070309020205020404" pitchFamily="49" charset="0"/>
+              </a:rPr>
+              <a:t>,</a:t>
+            </a:r>
+            <a:r>
+              <a:rPr lang="nl-BE" dirty="0">
+                <a:solidFill>
+                  <a:srgbClr val="EC7600"/>
+                </a:solidFill>
+                <a:latin typeface="Courier New" panose="02070309020205020404" pitchFamily="49" charset="0"/>
+                <a:cs typeface="Courier New" panose="02070309020205020404" pitchFamily="49" charset="0"/>
+              </a:rPr>
+              <a:t>'c'</a:t>
+            </a:r>
+            <a:r>
+              <a:rPr lang="nl-BE" dirty="0">
+                <a:solidFill>
+                  <a:srgbClr val="E0E2E4"/>
+                </a:solidFill>
+                <a:latin typeface="Courier New" panose="02070309020205020404" pitchFamily="49" charset="0"/>
+                <a:cs typeface="Courier New" panose="02070309020205020404" pitchFamily="49" charset="0"/>
+              </a:rPr>
+              <a:t>], [</a:t>
+            </a:r>
+            <a:r>
+              <a:rPr lang="nl-BE" dirty="0">
+                <a:solidFill>
+                  <a:srgbClr val="EC7600"/>
+                </a:solidFill>
+                <a:latin typeface="Courier New" panose="02070309020205020404" pitchFamily="49" charset="0"/>
+                <a:cs typeface="Courier New" panose="02070309020205020404" pitchFamily="49" charset="0"/>
+              </a:rPr>
+              <a:t>'d'</a:t>
+            </a:r>
+            <a:r>
+              <a:rPr lang="nl-BE" dirty="0">
+                <a:solidFill>
+                  <a:srgbClr val="E0E2E4"/>
+                </a:solidFill>
+                <a:latin typeface="Courier New" panose="02070309020205020404" pitchFamily="49" charset="0"/>
+                <a:cs typeface="Courier New" panose="02070309020205020404" pitchFamily="49" charset="0"/>
+              </a:rPr>
+              <a:t>]].flat();</a:t>
+            </a:r>
+            <a:endParaRPr lang="nl-BE" dirty="0">
+              <a:latin typeface="Courier New" panose="02070309020205020404" pitchFamily="49" charset="0"/>
+              <a:cs typeface="Courier New" panose="02070309020205020404" pitchFamily="49" charset="0"/>
+            </a:endParaRPr>
+          </a:p>
+        </p:txBody>
+      </p:sp>
+      <p:sp>
+        <p:nvSpPr>
+          <p:cNvPr id="6" name="Content Placeholder 2">
+            <a:extLst>
+              <a:ext uri="{FF2B5EF4-FFF2-40B4-BE49-F238E27FC236}">
+                <a16:creationId xmlns:a16="http://schemas.microsoft.com/office/drawing/2014/main" id="{662C3D5B-A1C6-4C7A-BA80-838A4560232D}"/>
+              </a:ext>
+            </a:extLst>
+          </p:cNvPr>
+          <p:cNvSpPr txBox="1">
+            <a:spLocks/>
+          </p:cNvSpPr>
+          <p:nvPr/>
+        </p:nvSpPr>
+        <p:spPr>
+          <a:xfrm>
+            <a:off x="685346" y="3145305"/>
+            <a:ext cx="7765322" cy="499720"/>
+          </a:xfrm>
+          <a:prstGeom prst="rect">
+            <a:avLst/>
+          </a:prstGeom>
+          <a:effectLst>
+            <a:outerShdw blurRad="25400" dir="17880000">
+              <a:srgbClr val="000000">
+                <a:alpha val="46000"/>
+              </a:srgbClr>
+            </a:outerShdw>
+          </a:effectLst>
+        </p:spPr>
+        <p:txBody>
+          <a:bodyPr vert="horz" lIns="91440" tIns="45720" rIns="91440" bIns="45720" rtlCol="0" anchor="t">
+            <a:normAutofit/>
+          </a:bodyPr>
+          <a:lstStyle>
+            <a:lvl1pPr marL="342900" indent="-306000" algn="l" defTabSz="457200" rtl="0" eaLnBrk="1" latinLnBrk="0" hangingPunct="1">
+              <a:spcBef>
+                <a:spcPct val="20000"/>
+              </a:spcBef>
+              <a:spcAft>
+                <a:spcPts val="600"/>
+              </a:spcAft>
+              <a:buClr>
+                <a:schemeClr val="tx2"/>
+              </a:buClr>
+              <a:buSzPct val="70000"/>
+              <a:buFont typeface="Wingdings 2" charset="2"/>
+              <a:buChar char=""/>
+              <a:defRPr sz="2000" kern="1200">
+                <a:ln>
+                  <a:solidFill>
+                    <a:schemeClr val="bg1">
+                      <a:lumMod val="75000"/>
+                      <a:lumOff val="25000"/>
+                      <a:alpha val="10000"/>
+                    </a:schemeClr>
+                  </a:solidFill>
+                </a:ln>
+                <a:solidFill>
+                  <a:schemeClr val="tx2"/>
+                </a:solidFill>
+                <a:effectLst>
+                  <a:outerShdw blurRad="9525" dist="25400" dir="14640000" algn="tl" rotWithShape="0">
+                    <a:schemeClr val="bg1">
+                      <a:alpha val="30000"/>
+                    </a:schemeClr>
+                  </a:outerShdw>
+                </a:effectLst>
+                <a:latin typeface="+mn-lt"/>
+                <a:ea typeface="+mn-ea"/>
+                <a:cs typeface="+mn-cs"/>
+              </a:defRPr>
+            </a:lvl1pPr>
+            <a:lvl2pPr marL="720000" indent="-270000" algn="l" defTabSz="457200" rtl="0" eaLnBrk="1" latinLnBrk="0" hangingPunct="1">
+              <a:spcBef>
+                <a:spcPct val="20000"/>
+              </a:spcBef>
+              <a:spcAft>
+                <a:spcPts val="600"/>
+              </a:spcAft>
+              <a:buClr>
+                <a:schemeClr val="tx2"/>
+              </a:buClr>
+              <a:buSzPct val="70000"/>
+              <a:buFont typeface="Wingdings 2" charset="2"/>
+              <a:buChar char=""/>
+              <a:defRPr sz="1800" kern="1200">
+                <a:ln>
+                  <a:solidFill>
+                    <a:schemeClr val="bg1">
+                      <a:lumMod val="75000"/>
+                      <a:lumOff val="25000"/>
+                      <a:alpha val="10000"/>
+                    </a:schemeClr>
+                  </a:solidFill>
+                </a:ln>
+                <a:solidFill>
+                  <a:schemeClr val="tx2"/>
+                </a:solidFill>
+                <a:effectLst>
+                  <a:outerShdw blurRad="9525" dist="25400" dir="14640000" algn="tl" rotWithShape="0">
+                    <a:schemeClr val="bg1">
+                      <a:alpha val="30000"/>
+                    </a:schemeClr>
+                  </a:outerShdw>
+                </a:effectLst>
+                <a:latin typeface="+mn-lt"/>
+                <a:ea typeface="+mn-ea"/>
+                <a:cs typeface="+mn-cs"/>
+              </a:defRPr>
+            </a:lvl2pPr>
+            <a:lvl3pPr marL="1026000" indent="-216000" algn="l" defTabSz="457200" rtl="0" eaLnBrk="1" latinLnBrk="0" hangingPunct="1">
+              <a:spcBef>
+                <a:spcPct val="20000"/>
+              </a:spcBef>
+              <a:spcAft>
+                <a:spcPts val="600"/>
+              </a:spcAft>
+              <a:buClr>
+                <a:schemeClr val="tx2"/>
+              </a:buClr>
+              <a:buSzPct val="70000"/>
+              <a:buFont typeface="Wingdings 2" charset="2"/>
+              <a:buChar char=""/>
+              <a:defRPr sz="1600" kern="1200">
+                <a:ln>
+                  <a:solidFill>
+                    <a:schemeClr val="bg1">
+                      <a:lumMod val="75000"/>
+                      <a:lumOff val="25000"/>
+                      <a:alpha val="10000"/>
+                    </a:schemeClr>
+                  </a:solidFill>
+                </a:ln>
+                <a:solidFill>
+                  <a:schemeClr val="tx2"/>
+                </a:solidFill>
+                <a:effectLst>
+                  <a:outerShdw blurRad="9525" dist="25400" dir="14640000" algn="tl" rotWithShape="0">
+                    <a:schemeClr val="bg1">
+                      <a:alpha val="30000"/>
+                    </a:schemeClr>
+                  </a:outerShdw>
+                </a:effectLst>
+                <a:latin typeface="+mn-lt"/>
+                <a:ea typeface="+mn-ea"/>
+                <a:cs typeface="+mn-cs"/>
+              </a:defRPr>
+            </a:lvl3pPr>
+            <a:lvl4pPr marL="1386000" indent="-216000" algn="l" defTabSz="457200" rtl="0" eaLnBrk="1" latinLnBrk="0" hangingPunct="1">
+              <a:spcBef>
+                <a:spcPct val="20000"/>
+              </a:spcBef>
+              <a:spcAft>
+                <a:spcPts val="600"/>
+              </a:spcAft>
+              <a:buClr>
+                <a:schemeClr val="tx2"/>
+              </a:buClr>
+              <a:buSzPct val="70000"/>
+              <a:buFont typeface="Wingdings 2" charset="2"/>
+              <a:buChar char=""/>
+              <a:defRPr sz="1400" kern="1200">
+                <a:ln>
+                  <a:solidFill>
+                    <a:schemeClr val="bg1">
+                      <a:lumMod val="75000"/>
+                      <a:lumOff val="25000"/>
+                      <a:alpha val="10000"/>
+                    </a:schemeClr>
+                  </a:solidFill>
+                </a:ln>
+                <a:solidFill>
+                  <a:schemeClr val="tx2"/>
+                </a:solidFill>
+                <a:effectLst>
+                  <a:outerShdw blurRad="9525" dist="25400" dir="14640000" algn="tl" rotWithShape="0">
+                    <a:schemeClr val="bg1">
+                      <a:alpha val="30000"/>
+                    </a:schemeClr>
+                  </a:outerShdw>
+                </a:effectLst>
+                <a:latin typeface="+mn-lt"/>
+                <a:ea typeface="+mn-ea"/>
+                <a:cs typeface="+mn-cs"/>
+              </a:defRPr>
+            </a:lvl4pPr>
+            <a:lvl5pPr marL="1674000" indent="-216000" algn="l" defTabSz="457200" rtl="0" eaLnBrk="1" latinLnBrk="0" hangingPunct="1">
+              <a:spcBef>
+                <a:spcPct val="20000"/>
+              </a:spcBef>
+              <a:spcAft>
+                <a:spcPts val="600"/>
+              </a:spcAft>
+              <a:buClr>
+                <a:schemeClr val="tx2"/>
+              </a:buClr>
+              <a:buSzPct val="70000"/>
+              <a:buFont typeface="Wingdings 2" charset="2"/>
+              <a:buChar char=""/>
+              <a:defRPr sz="1400" kern="1200">
+                <a:ln>
+                  <a:solidFill>
+                    <a:schemeClr val="bg1">
+                      <a:lumMod val="75000"/>
+                      <a:lumOff val="25000"/>
+                      <a:alpha val="10000"/>
+                    </a:schemeClr>
+                  </a:solidFill>
+                </a:ln>
+                <a:solidFill>
+                  <a:schemeClr val="tx2"/>
+                </a:solidFill>
+                <a:effectLst>
+                  <a:outerShdw blurRad="9525" dist="25400" dir="14640000" algn="tl" rotWithShape="0">
+                    <a:schemeClr val="bg1">
+                      <a:alpha val="30000"/>
+                    </a:schemeClr>
+                  </a:outerShdw>
+                </a:effectLst>
+                <a:latin typeface="+mn-lt"/>
+                <a:ea typeface="+mn-ea"/>
+                <a:cs typeface="+mn-cs"/>
+              </a:defRPr>
+            </a:lvl5pPr>
+            <a:lvl6pPr marL="2014600" indent="-228600" algn="l" defTabSz="457200" rtl="0" eaLnBrk="1" latinLnBrk="0" hangingPunct="1">
+              <a:spcBef>
+                <a:spcPct val="20000"/>
+              </a:spcBef>
+              <a:spcAft>
+                <a:spcPts val="600"/>
+              </a:spcAft>
+              <a:buClr>
+                <a:schemeClr val="tx2"/>
+              </a:buClr>
+              <a:buSzPct val="70000"/>
+              <a:buFont typeface="Wingdings 2" charset="2"/>
+              <a:buChar char=""/>
+              <a:defRPr sz="1400" kern="1200">
+                <a:ln>
+                  <a:solidFill>
+                    <a:schemeClr val="bg1">
+                      <a:lumMod val="75000"/>
+                      <a:lumOff val="25000"/>
+                      <a:alpha val="10000"/>
+                    </a:schemeClr>
+                  </a:solidFill>
+                </a:ln>
+                <a:solidFill>
+                  <a:schemeClr val="tx2"/>
+                </a:solidFill>
+                <a:effectLst>
+                  <a:outerShdw blurRad="9525" dist="25400" dir="14640000" algn="tl" rotWithShape="0">
+                    <a:schemeClr val="bg1">
+                      <a:alpha val="30000"/>
+                    </a:schemeClr>
+                  </a:outerShdw>
+                </a:effectLst>
+                <a:latin typeface="+mn-lt"/>
+                <a:ea typeface="+mn-ea"/>
+                <a:cs typeface="+mn-cs"/>
+              </a:defRPr>
+            </a:lvl6pPr>
+            <a:lvl7pPr marL="2401800" indent="-228600" algn="l" defTabSz="457200" rtl="0" eaLnBrk="1" latinLnBrk="0" hangingPunct="1">
+              <a:spcBef>
+                <a:spcPct val="20000"/>
+              </a:spcBef>
+              <a:spcAft>
+                <a:spcPts val="600"/>
+              </a:spcAft>
+              <a:buClr>
+                <a:schemeClr val="tx2"/>
+              </a:buClr>
+              <a:buSzPct val="70000"/>
+              <a:buFont typeface="Wingdings 2" charset="2"/>
+              <a:buChar char=""/>
+              <a:defRPr sz="1400" kern="1200">
+                <a:ln>
+                  <a:solidFill>
+                    <a:schemeClr val="bg1">
+                      <a:lumMod val="75000"/>
+                      <a:lumOff val="25000"/>
+                      <a:alpha val="10000"/>
+                    </a:schemeClr>
+                  </a:solidFill>
+                </a:ln>
+                <a:solidFill>
+                  <a:schemeClr val="tx2"/>
+                </a:solidFill>
+                <a:effectLst>
+                  <a:outerShdw blurRad="9525" dist="25400" dir="14640000" algn="tl" rotWithShape="0">
+                    <a:schemeClr val="bg1">
+                      <a:alpha val="30000"/>
+                    </a:schemeClr>
+                  </a:outerShdw>
+                </a:effectLst>
+                <a:latin typeface="+mn-lt"/>
+                <a:ea typeface="+mn-ea"/>
+                <a:cs typeface="+mn-cs"/>
+              </a:defRPr>
+            </a:lvl7pPr>
+            <a:lvl8pPr marL="2789000" indent="-228600" algn="l" defTabSz="457200" rtl="0" eaLnBrk="1" latinLnBrk="0" hangingPunct="1">
+              <a:spcBef>
+                <a:spcPct val="20000"/>
+              </a:spcBef>
+              <a:spcAft>
+                <a:spcPts val="600"/>
+              </a:spcAft>
+              <a:buClr>
+                <a:schemeClr val="tx2"/>
+              </a:buClr>
+              <a:buSzPct val="70000"/>
+              <a:buFont typeface="Wingdings 2" charset="2"/>
+              <a:buChar char=""/>
+              <a:defRPr sz="1400" kern="1200">
+                <a:ln>
+                  <a:solidFill>
+                    <a:schemeClr val="bg1">
+                      <a:lumMod val="75000"/>
+                      <a:lumOff val="25000"/>
+                      <a:alpha val="10000"/>
+                    </a:schemeClr>
+                  </a:solidFill>
+                </a:ln>
+                <a:solidFill>
+                  <a:schemeClr val="tx2"/>
+                </a:solidFill>
+                <a:effectLst>
+                  <a:outerShdw blurRad="9525" dist="25400" dir="14640000" algn="tl" rotWithShape="0">
+                    <a:schemeClr val="bg1">
+                      <a:alpha val="30000"/>
+                    </a:schemeClr>
+                  </a:outerShdw>
+                </a:effectLst>
+                <a:latin typeface="+mn-lt"/>
+                <a:ea typeface="+mn-ea"/>
+                <a:cs typeface="+mn-cs"/>
+              </a:defRPr>
+            </a:lvl8pPr>
+            <a:lvl9pPr marL="3106200" indent="-228600" algn="l" defTabSz="457200" rtl="0" eaLnBrk="1" latinLnBrk="0" hangingPunct="1">
+              <a:spcBef>
+                <a:spcPct val="20000"/>
+              </a:spcBef>
+              <a:spcAft>
+                <a:spcPts val="600"/>
+              </a:spcAft>
+              <a:buClr>
+                <a:schemeClr val="tx2"/>
+              </a:buClr>
+              <a:buSzPct val="70000"/>
+              <a:buFont typeface="Wingdings 2" charset="2"/>
+              <a:buChar char=""/>
+              <a:defRPr sz="1400" kern="1200">
+                <a:ln>
+                  <a:solidFill>
+                    <a:schemeClr val="bg1">
+                      <a:lumMod val="75000"/>
+                      <a:lumOff val="25000"/>
+                      <a:alpha val="10000"/>
+                    </a:schemeClr>
+                  </a:solidFill>
+                </a:ln>
+                <a:solidFill>
+                  <a:schemeClr val="tx2"/>
+                </a:solidFill>
+                <a:effectLst>
+                  <a:outerShdw blurRad="9525" dist="25400" dir="14640000" algn="tl" rotWithShape="0">
+                    <a:schemeClr val="bg1">
+                      <a:alpha val="30000"/>
+                    </a:schemeClr>
+                  </a:outerShdw>
+                </a:effectLst>
+                <a:latin typeface="+mn-lt"/>
+                <a:ea typeface="+mn-ea"/>
+                <a:cs typeface="+mn-cs"/>
+              </a:defRPr>
+            </a:lvl9pPr>
+          </a:lstStyle>
+          <a:p>
+            <a:r>
+              <a:rPr lang="nl-BE" dirty="0"/>
+              <a:t>Array.prototype.flatMap</a:t>
+            </a:r>
+          </a:p>
+        </p:txBody>
+      </p:sp>
+      <p:sp>
+        <p:nvSpPr>
+          <p:cNvPr id="8" name="Rectangle 7">
+            <a:extLst>
+              <a:ext uri="{FF2B5EF4-FFF2-40B4-BE49-F238E27FC236}">
+                <a16:creationId xmlns:a16="http://schemas.microsoft.com/office/drawing/2014/main" id="{9C2D13E6-0BD2-431C-B0EA-164EEEE4C755}"/>
+              </a:ext>
+            </a:extLst>
+          </p:cNvPr>
+          <p:cNvSpPr/>
+          <p:nvPr/>
+        </p:nvSpPr>
+        <p:spPr>
+          <a:xfrm>
+            <a:off x="1115616" y="3645025"/>
+            <a:ext cx="5760640" cy="1754326"/>
+          </a:xfrm>
+          <a:prstGeom prst="rect">
+            <a:avLst/>
+          </a:prstGeom>
+        </p:spPr>
+        <p:txBody>
+          <a:bodyPr wrap="square">
+            <a:spAutoFit/>
+          </a:bodyPr>
+          <a:lstStyle/>
+          <a:p>
+            <a:r>
+              <a:rPr lang="nl-BE" b="1" dirty="0">
+                <a:solidFill>
+                  <a:srgbClr val="93C763"/>
+                </a:solidFill>
+                <a:latin typeface="Menlo"/>
+              </a:rPr>
+              <a:t>function</a:t>
+            </a:r>
+            <a:r>
+              <a:rPr lang="nl-BE" dirty="0">
+                <a:solidFill>
+                  <a:srgbClr val="E0E2E4"/>
+                </a:solidFill>
+                <a:latin typeface="Menlo"/>
+              </a:rPr>
+              <a:t> </a:t>
+            </a:r>
+            <a:r>
+              <a:rPr lang="nl-BE" b="1" dirty="0">
+                <a:solidFill>
+                  <a:srgbClr val="E0E2E4"/>
+                </a:solidFill>
+                <a:latin typeface="Menlo"/>
+              </a:rPr>
+              <a:t>flatMap</a:t>
+            </a:r>
+            <a:r>
+              <a:rPr lang="nl-BE" dirty="0">
+                <a:solidFill>
+                  <a:srgbClr val="E0E2E4"/>
+                </a:solidFill>
+                <a:latin typeface="Menlo"/>
+              </a:rPr>
+              <a:t>(arr, mapFunc) {</a:t>
+            </a:r>
+          </a:p>
+          <a:p>
+            <a:r>
+              <a:rPr lang="nl-BE" b="1" dirty="0">
+                <a:solidFill>
+                  <a:srgbClr val="E0E2E4"/>
+                </a:solidFill>
+                <a:latin typeface="Menlo"/>
+              </a:rPr>
+              <a:t>	</a:t>
+            </a:r>
+            <a:r>
+              <a:rPr lang="nl-BE" b="1" dirty="0">
+                <a:solidFill>
+                  <a:srgbClr val="93C763"/>
+                </a:solidFill>
+                <a:latin typeface="Menlo"/>
+              </a:rPr>
+              <a:t>return</a:t>
+            </a:r>
+            <a:r>
+              <a:rPr lang="nl-BE" dirty="0">
+                <a:solidFill>
+                  <a:srgbClr val="E0E2E4"/>
+                </a:solidFill>
+                <a:latin typeface="Menlo"/>
+              </a:rPr>
+              <a:t> arr.reduce(</a:t>
+            </a:r>
+          </a:p>
+          <a:p>
+            <a:r>
+              <a:rPr lang="nl-BE" dirty="0">
+                <a:solidFill>
+                  <a:srgbClr val="E0E2E4"/>
+                </a:solidFill>
+                <a:latin typeface="Menlo"/>
+              </a:rPr>
+              <a:t>		(prev, x) =&gt; prev.concat(mapFunc(x)),</a:t>
+            </a:r>
+          </a:p>
+          <a:p>
+            <a:r>
+              <a:rPr lang="nl-BE" dirty="0">
+                <a:solidFill>
+                  <a:srgbClr val="E0E2E4"/>
+                </a:solidFill>
+                <a:latin typeface="Menlo"/>
+              </a:rPr>
+              <a:t>		[]</a:t>
+            </a:r>
+          </a:p>
+          <a:p>
+            <a:r>
+              <a:rPr lang="nl-BE" dirty="0">
+                <a:solidFill>
+                  <a:srgbClr val="E0E2E4"/>
+                </a:solidFill>
+                <a:latin typeface="Menlo"/>
+              </a:rPr>
+              <a:t>	);</a:t>
+            </a:r>
+          </a:p>
+          <a:p>
+            <a:r>
+              <a:rPr lang="nl-BE" dirty="0">
+                <a:solidFill>
+                  <a:srgbClr val="E0E2E4"/>
+                </a:solidFill>
+                <a:latin typeface="Menlo"/>
+              </a:rPr>
+              <a:t>}</a:t>
+            </a:r>
+            <a:endParaRPr lang="nl-BE" dirty="0"/>
+          </a:p>
+        </p:txBody>
+      </p:sp>
+    </p:spTree>
+    <p:extLst>
+      <p:ext uri="{BB962C8B-B14F-4D97-AF65-F5344CB8AC3E}">
+        <p14:creationId xmlns:p14="http://schemas.microsoft.com/office/powerpoint/2010/main" val="355126368"/>
+      </p:ext>
+    </p:extLst>
+  </p:cSld>
+  <p:clrMapOvr>
+    <a:masterClrMapping/>
+  </p:clrMapOvr>
+  <p:timing>
+    <p:tnLst>
+      <p:par>
+        <p:cTn id="1" dur="indefinite" restart="never" nodeType="tmRoot">
+          <p:childTnLst>
+            <p:seq concurrent="1" nextAc="seek">
+              <p:cTn id="2" dur="indefinite" nodeType="mainSeq">
+                <p:childTnLst>
+                  <p:par>
+                    <p:cTn id="3" fill="hold">
+                      <p:stCondLst>
+                        <p:cond delay="indefinite"/>
+                      </p:stCondLst>
+                      <p:childTnLst>
+                        <p:par>
+                          <p:cTn id="4" fill="hold">
+                            <p:stCondLst>
+                              <p:cond delay="0"/>
+                            </p:stCondLst>
+                            <p:childTnLst>
+                              <p:par>
+                                <p:cTn id="5" presetID="1" presetClass="entr" presetSubtype="0" fill="hold" grpId="0" nodeType="clickEffect">
+                                  <p:stCondLst>
+                                    <p:cond delay="0"/>
+                                  </p:stCondLst>
+                                  <p:childTnLst>
+                                    <p:set>
+                                      <p:cBhvr>
+                                        <p:cTn id="6" dur="1" fill="hold">
+                                          <p:stCondLst>
+                                            <p:cond delay="0"/>
+                                          </p:stCondLst>
+                                        </p:cTn>
+                                        <p:tgtEl>
+                                          <p:spTgt spid="4"/>
+                                        </p:tgtEl>
+                                        <p:attrNameLst>
+                                          <p:attrName>style.visibility</p:attrName>
+                                        </p:attrNameLst>
+                                      </p:cBhvr>
+                                      <p:to>
+                                        <p:strVal val="visible"/>
+                                      </p:to>
+                                    </p:set>
+                                  </p:childTnLst>
+                                </p:cTn>
+                              </p:par>
+                            </p:childTnLst>
+                          </p:cTn>
+                        </p:par>
+                      </p:childTnLst>
+                    </p:cTn>
+                  </p:par>
+                  <p:par>
+                    <p:cTn id="7" fill="hold">
+                      <p:stCondLst>
+                        <p:cond delay="indefinite"/>
+                      </p:stCondLst>
+                      <p:childTnLst>
+                        <p:par>
+                          <p:cTn id="8" fill="hold">
+                            <p:stCondLst>
+                              <p:cond delay="0"/>
+                            </p:stCondLst>
+                            <p:childTnLst>
+                              <p:par>
+                                <p:cTn id="9" presetID="1" presetClass="entr" presetSubtype="0" fill="hold" grpId="0" nodeType="clickEffect">
+                                  <p:stCondLst>
+                                    <p:cond delay="0"/>
+                                  </p:stCondLst>
+                                  <p:childTnLst>
+                                    <p:set>
+                                      <p:cBhvr>
+                                        <p:cTn id="10" dur="1" fill="hold">
+                                          <p:stCondLst>
+                                            <p:cond delay="0"/>
+                                          </p:stCondLst>
+                                        </p:cTn>
+                                        <p:tgtEl>
+                                          <p:spTgt spid="6"/>
+                                        </p:tgtEl>
+                                        <p:attrNameLst>
+                                          <p:attrName>style.visibility</p:attrName>
+                                        </p:attrNameLst>
+                                      </p:cBhvr>
+                                      <p:to>
+                                        <p:strVal val="visible"/>
+                                      </p:to>
+                                    </p:set>
+                                  </p:childTnLst>
+                                </p:cTn>
+                              </p:par>
+                            </p:childTnLst>
+                          </p:cTn>
+                        </p:par>
+                      </p:childTnLst>
+                    </p:cTn>
+                  </p:par>
+                  <p:par>
+                    <p:cTn id="11" fill="hold">
+                      <p:stCondLst>
+                        <p:cond delay="indefinite"/>
+                      </p:stCondLst>
+                      <p:childTnLst>
+                        <p:par>
+                          <p:cTn id="12" fill="hold">
+                            <p:stCondLst>
+                              <p:cond delay="0"/>
+                            </p:stCondLst>
+                            <p:childTnLst>
+                              <p:par>
+                                <p:cTn id="13" presetID="1" presetClass="entr" presetSubtype="0" fill="hold" grpId="0" nodeType="clickEffect">
+                                  <p:stCondLst>
+                                    <p:cond delay="0"/>
+                                  </p:stCondLst>
+                                  <p:childTnLst>
+                                    <p:set>
+                                      <p:cBhvr>
+                                        <p:cTn id="14" dur="1" fill="hold">
+                                          <p:stCondLst>
+                                            <p:cond delay="0"/>
+                                          </p:stCondLst>
+                                        </p:cTn>
+                                        <p:tgtEl>
+                                          <p:spTgt spid="8"/>
+                                        </p:tgtEl>
+                                        <p:attrNameLst>
+                                          <p:attrName>style.visibility</p:attrName>
+                                        </p:attrNameLst>
+                                      </p:cBhvr>
+                                      <p:to>
+                                        <p:strVal val="visible"/>
+                                      </p:to>
+                                    </p:set>
+                                  </p:childTnLst>
+                                </p:cTn>
+                              </p:par>
+                            </p:childTnLst>
+                          </p:cTn>
+                        </p:par>
+                      </p:childTnLst>
+                    </p:cTn>
+                  </p:par>
+                </p:childTnLst>
+              </p:cTn>
+              <p:prevCondLst>
+                <p:cond evt="onPrev" delay="0">
+                  <p:tgtEl>
+                    <p:sldTgt/>
+                  </p:tgtEl>
+                </p:cond>
+              </p:prevCondLst>
+              <p:nextCondLst>
+                <p:cond evt="onNext" delay="0">
+                  <p:tgtEl>
+                    <p:sldTgt/>
+                  </p:tgtEl>
+                </p:cond>
+              </p:nextCondLst>
+            </p:seq>
+          </p:childTnLst>
+        </p:cTn>
+      </p:par>
+    </p:tnLst>
+    <p:bldLst>
+      <p:bldP spid="4" grpId="0"/>
+      <p:bldP spid="6" grpId="0"/>
+      <p:bldP spid="8" grpId="0"/>
+    </p:bldLst>
+  </p:timing>
+</p:sld>
+</file>
+
+<file path=ppt/slides/slide18.xml><?xml version="1.0" encoding="utf-8"?>
+<p:sld xmlns:a="http://schemas.openxmlformats.org/drawingml/2006/main" xmlns:r="http://schemas.openxmlformats.org/officeDocument/2006/relationships" xmlns:p="http://schemas.openxmlformats.org/presentationml/2006/main">
+  <p:cSld>
+    <p:spTree>
+      <p:nvGrpSpPr>
+        <p:cNvPr id="1" name=""/>
+        <p:cNvGrpSpPr/>
+        <p:nvPr/>
+      </p:nvGrpSpPr>
+      <p:grpSpPr>
+        <a:xfrm>
+          <a:off x="0" y="0"/>
+          <a:ext cx="0" cy="0"/>
+          <a:chOff x="0" y="0"/>
+          <a:chExt cx="0" cy="0"/>
+        </a:xfrm>
+      </p:grpSpPr>
+      <p:sp>
+        <p:nvSpPr>
+          <p:cNvPr id="2" name="Title 1"/>
+          <p:cNvSpPr>
+            <a:spLocks noGrp="1"/>
+          </p:cNvSpPr>
+          <p:nvPr>
+            <p:ph type="title"/>
+          </p:nvPr>
+        </p:nvSpPr>
+        <p:spPr>
+          <a:xfrm>
+            <a:off x="1188513" y="1988840"/>
+            <a:ext cx="6766974" cy="2122578"/>
+          </a:xfrm>
+        </p:spPr>
+        <p:txBody>
+          <a:bodyPr>
+            <a:normAutofit/>
+          </a:bodyPr>
+          <a:lstStyle/>
+          <a:p>
+            <a:r>
+              <a:rPr lang="nl-BE" sz="11500" dirty="0"/>
+              <a:t>C#</a:t>
+            </a:r>
           </a:p>
         </p:txBody>
       </p:sp>
@@ -6814,7 +15687,7 @@
     </p:spTree>
     <p:extLst>
       <p:ext uri="{BB962C8B-B14F-4D97-AF65-F5344CB8AC3E}">
-        <p14:creationId xmlns:p14="http://schemas.microsoft.com/office/powerpoint/2010/main" val="2761897314"/>
+        <p14:creationId xmlns:p14="http://schemas.microsoft.com/office/powerpoint/2010/main" val="1891096121"/>
       </p:ext>
     </p:extLst>
   </p:cSld>
@@ -6824,7 +15697,7 @@
 </p:sld>
 </file>
 
-<file path=ppt/slides/slide12.xml><?xml version="1.0" encoding="utf-8"?>
+<file path=ppt/slides/slide19.xml><?xml version="1.0" encoding="utf-8"?>
 <p:sld xmlns:a="http://schemas.openxmlformats.org/drawingml/2006/main" xmlns:r="http://schemas.openxmlformats.org/officeDocument/2006/relationships" xmlns:p="http://schemas.openxmlformats.org/presentationml/2006/main">
   <p:cSld>
     <p:spTree>
@@ -6863,7 +15736,7 @@
           <a:p>
             <a:r>
               <a:rPr lang="nl-BE" dirty="0"/>
-              <a:t>Outro</a:t>
+              <a:t>C# 7.1</a:t>
             </a:r>
           </a:p>
         </p:txBody>
@@ -6878,36 +15751,22 @@
             <p:ph idx="1"/>
           </p:nvPr>
         </p:nvSpPr>
-        <p:spPr/>
+        <p:spPr>
+          <a:xfrm>
+            <a:off x="685346" y="1732451"/>
+            <a:ext cx="7765322" cy="472414"/>
+          </a:xfrm>
+        </p:spPr>
         <p:txBody>
-          <a:bodyPr/>
+          <a:bodyPr>
+            <a:normAutofit/>
+          </a:bodyPr>
           <a:lstStyle/>
           <a:p>
             <a:r>
               <a:rPr lang="nl-BE" dirty="0"/>
-              <a:t>Questions?</a:t>
-            </a:r>
-          </a:p>
-          <a:p>
-            <a:endParaRPr lang="nl-BE" dirty="0"/>
-          </a:p>
-          <a:p>
-            <a:pPr marL="45720" indent="0">
-              <a:buNone/>
-            </a:pPr>
-            <a:endParaRPr lang="nl-BE" dirty="0"/>
-          </a:p>
-          <a:p>
-            <a:pPr marL="45720" indent="0">
-              <a:buNone/>
-            </a:pPr>
-            <a:endParaRPr lang="nl-BE" dirty="0"/>
-          </a:p>
-          <a:p>
-            <a:pPr marL="45720" indent="0">
-              <a:buNone/>
-            </a:pPr>
-            <a:endParaRPr lang="nl-BE" dirty="0"/>
+              <a:t>Async main for console apps</a:t>
+            </a:r>
           </a:p>
         </p:txBody>
       </p:sp>
@@ -6950,415 +15809,7 @@
     </p:spTree>
     <p:extLst>
       <p:ext uri="{BB962C8B-B14F-4D97-AF65-F5344CB8AC3E}">
-        <p14:creationId xmlns:p14="http://schemas.microsoft.com/office/powerpoint/2010/main" val="1798696255"/>
-      </p:ext>
-    </p:extLst>
-  </p:cSld>
-  <p:clrMapOvr>
-    <a:masterClrMapping/>
-  </p:clrMapOvr>
-</p:sld>
-</file>
-
-<file path=ppt/slides/slide13.xml><?xml version="1.0" encoding="utf-8"?>
-<p:sld xmlns:a="http://schemas.openxmlformats.org/drawingml/2006/main" xmlns:r="http://schemas.openxmlformats.org/officeDocument/2006/relationships" xmlns:p="http://schemas.openxmlformats.org/presentationml/2006/main">
-  <p:cSld>
-    <p:spTree>
-      <p:nvGrpSpPr>
-        <p:cNvPr id="1" name=""/>
-        <p:cNvGrpSpPr/>
-        <p:nvPr/>
-      </p:nvGrpSpPr>
-      <p:grpSpPr>
-        <a:xfrm>
-          <a:off x="0" y="0"/>
-          <a:ext cx="0" cy="0"/>
-          <a:chOff x="0" y="0"/>
-          <a:chExt cx="0" cy="0"/>
-        </a:xfrm>
-      </p:grpSpPr>
-      <p:sp>
-        <p:nvSpPr>
-          <p:cNvPr id="2" name="Title 1"/>
-          <p:cNvSpPr>
-            <a:spLocks noGrp="1"/>
-          </p:cNvSpPr>
-          <p:nvPr>
-            <p:ph type="title"/>
-          </p:nvPr>
-        </p:nvSpPr>
-        <p:spPr>
-          <a:xfrm>
-            <a:off x="685346" y="609600"/>
-            <a:ext cx="6766974" cy="970450"/>
-          </a:xfrm>
-        </p:spPr>
-        <p:txBody>
-          <a:bodyPr/>
-          <a:lstStyle/>
-          <a:p>
-            <a:r>
-              <a:rPr lang="nl-BE" dirty="0"/>
-              <a:t>Outro</a:t>
-            </a:r>
-          </a:p>
-        </p:txBody>
-      </p:sp>
-      <p:sp>
-        <p:nvSpPr>
-          <p:cNvPr id="3" name="Content Placeholder 2"/>
-          <p:cNvSpPr>
-            <a:spLocks noGrp="1"/>
-          </p:cNvSpPr>
-          <p:nvPr>
-            <p:ph idx="1"/>
-          </p:nvPr>
-        </p:nvSpPr>
-        <p:spPr/>
-        <p:txBody>
-          <a:bodyPr/>
-          <a:lstStyle/>
-          <a:p>
-            <a:r>
-              <a:rPr lang="nl-BE" dirty="0"/>
-              <a:t>Questions?</a:t>
-            </a:r>
-          </a:p>
-          <a:p>
-            <a:endParaRPr lang="nl-BE" dirty="0"/>
-          </a:p>
-          <a:p>
-            <a:pPr marL="45720" indent="0">
-              <a:buNone/>
-            </a:pPr>
-            <a:endParaRPr lang="nl-BE" dirty="0"/>
-          </a:p>
-          <a:p>
-            <a:pPr marL="45720" indent="0">
-              <a:buNone/>
-            </a:pPr>
-            <a:endParaRPr lang="nl-BE" dirty="0"/>
-          </a:p>
-          <a:p>
-            <a:pPr marL="45720" indent="0">
-              <a:buNone/>
-            </a:pPr>
-            <a:endParaRPr lang="nl-BE" dirty="0"/>
-          </a:p>
-        </p:txBody>
-      </p:sp>
-      <p:pic>
-        <p:nvPicPr>
-          <p:cNvPr id="5" name="Picture 4">
-            <a:extLst>
-              <a:ext uri="{FF2B5EF4-FFF2-40B4-BE49-F238E27FC236}">
-                <a16:creationId xmlns:a16="http://schemas.microsoft.com/office/drawing/2014/main" id="{560CF881-EE5E-4E9B-A632-637577B35D56}"/>
-              </a:ext>
-            </a:extLst>
-          </p:cNvPr>
-          <p:cNvPicPr>
-            <a:picLocks noChangeAspect="1"/>
-          </p:cNvPicPr>
-          <p:nvPr/>
-        </p:nvPicPr>
-        <p:blipFill>
-          <a:blip r:embed="rId2" cstate="print">
-            <a:extLst>
-              <a:ext uri="{28A0092B-C50C-407E-A947-70E740481C1C}">
-                <a14:useLocalDpi xmlns:a14="http://schemas.microsoft.com/office/drawing/2010/main" val="0"/>
-              </a:ext>
-            </a:extLst>
-          </a:blip>
-          <a:stretch>
-            <a:fillRect/>
-          </a:stretch>
-        </p:blipFill>
-        <p:spPr>
-          <a:xfrm>
-            <a:off x="7596336" y="187735"/>
-            <a:ext cx="1370401" cy="1544715"/>
-          </a:xfrm>
-          <a:prstGeom prst="rect">
-            <a:avLst/>
-          </a:prstGeom>
-        </p:spPr>
-      </p:pic>
-    </p:spTree>
-    <p:extLst>
-      <p:ext uri="{BB962C8B-B14F-4D97-AF65-F5344CB8AC3E}">
-        <p14:creationId xmlns:p14="http://schemas.microsoft.com/office/powerpoint/2010/main" val="475503155"/>
-      </p:ext>
-    </p:extLst>
-  </p:cSld>
-  <p:clrMapOvr>
-    <a:masterClrMapping/>
-  </p:clrMapOvr>
-</p:sld>
-</file>
-
-<file path=ppt/slides/slide14.xml><?xml version="1.0" encoding="utf-8"?>
-<p:sld xmlns:a="http://schemas.openxmlformats.org/drawingml/2006/main" xmlns:r="http://schemas.openxmlformats.org/officeDocument/2006/relationships" xmlns:p="http://schemas.openxmlformats.org/presentationml/2006/main">
-  <p:cSld>
-    <p:spTree>
-      <p:nvGrpSpPr>
-        <p:cNvPr id="1" name=""/>
-        <p:cNvGrpSpPr/>
-        <p:nvPr/>
-      </p:nvGrpSpPr>
-      <p:grpSpPr>
-        <a:xfrm>
-          <a:off x="0" y="0"/>
-          <a:ext cx="0" cy="0"/>
-          <a:chOff x="0" y="0"/>
-          <a:chExt cx="0" cy="0"/>
-        </a:xfrm>
-      </p:grpSpPr>
-      <p:sp>
-        <p:nvSpPr>
-          <p:cNvPr id="2" name="Title 1"/>
-          <p:cNvSpPr>
-            <a:spLocks noGrp="1"/>
-          </p:cNvSpPr>
-          <p:nvPr>
-            <p:ph type="title"/>
-          </p:nvPr>
-        </p:nvSpPr>
-        <p:spPr>
-          <a:xfrm>
-            <a:off x="685346" y="609600"/>
-            <a:ext cx="6766974" cy="970450"/>
-          </a:xfrm>
-        </p:spPr>
-        <p:txBody>
-          <a:bodyPr/>
-          <a:lstStyle/>
-          <a:p>
-            <a:r>
-              <a:rPr lang="nl-BE" dirty="0"/>
-              <a:t>Outro</a:t>
-            </a:r>
-          </a:p>
-        </p:txBody>
-      </p:sp>
-      <p:sp>
-        <p:nvSpPr>
-          <p:cNvPr id="3" name="Content Placeholder 2"/>
-          <p:cNvSpPr>
-            <a:spLocks noGrp="1"/>
-          </p:cNvSpPr>
-          <p:nvPr>
-            <p:ph idx="1"/>
-          </p:nvPr>
-        </p:nvSpPr>
-        <p:spPr/>
-        <p:txBody>
-          <a:bodyPr/>
-          <a:lstStyle/>
-          <a:p>
-            <a:r>
-              <a:rPr lang="nl-BE" dirty="0"/>
-              <a:t>Questions?</a:t>
-            </a:r>
-          </a:p>
-          <a:p>
-            <a:endParaRPr lang="nl-BE" dirty="0"/>
-          </a:p>
-          <a:p>
-            <a:pPr marL="45720" indent="0">
-              <a:buNone/>
-            </a:pPr>
-            <a:endParaRPr lang="nl-BE" dirty="0"/>
-          </a:p>
-          <a:p>
-            <a:pPr marL="45720" indent="0">
-              <a:buNone/>
-            </a:pPr>
-            <a:endParaRPr lang="nl-BE" dirty="0"/>
-          </a:p>
-          <a:p>
-            <a:pPr marL="45720" indent="0">
-              <a:buNone/>
-            </a:pPr>
-            <a:endParaRPr lang="nl-BE" dirty="0"/>
-          </a:p>
-        </p:txBody>
-      </p:sp>
-      <p:pic>
-        <p:nvPicPr>
-          <p:cNvPr id="5" name="Picture 4">
-            <a:extLst>
-              <a:ext uri="{FF2B5EF4-FFF2-40B4-BE49-F238E27FC236}">
-                <a16:creationId xmlns:a16="http://schemas.microsoft.com/office/drawing/2014/main" id="{560CF881-EE5E-4E9B-A632-637577B35D56}"/>
-              </a:ext>
-            </a:extLst>
-          </p:cNvPr>
-          <p:cNvPicPr>
-            <a:picLocks noChangeAspect="1"/>
-          </p:cNvPicPr>
-          <p:nvPr/>
-        </p:nvPicPr>
-        <p:blipFill>
-          <a:blip r:embed="rId2" cstate="print">
-            <a:extLst>
-              <a:ext uri="{28A0092B-C50C-407E-A947-70E740481C1C}">
-                <a14:useLocalDpi xmlns:a14="http://schemas.microsoft.com/office/drawing/2010/main" val="0"/>
-              </a:ext>
-            </a:extLst>
-          </a:blip>
-          <a:stretch>
-            <a:fillRect/>
-          </a:stretch>
-        </p:blipFill>
-        <p:spPr>
-          <a:xfrm>
-            <a:off x="7596336" y="187735"/>
-            <a:ext cx="1370401" cy="1544715"/>
-          </a:xfrm>
-          <a:prstGeom prst="rect">
-            <a:avLst/>
-          </a:prstGeom>
-        </p:spPr>
-      </p:pic>
-    </p:spTree>
-    <p:extLst>
-      <p:ext uri="{BB962C8B-B14F-4D97-AF65-F5344CB8AC3E}">
-        <p14:creationId xmlns:p14="http://schemas.microsoft.com/office/powerpoint/2010/main" val="775841037"/>
-      </p:ext>
-    </p:extLst>
-  </p:cSld>
-  <p:clrMapOvr>
-    <a:masterClrMapping/>
-  </p:clrMapOvr>
-</p:sld>
-</file>
-
-<file path=ppt/slides/slide15.xml><?xml version="1.0" encoding="utf-8"?>
-<p:sld xmlns:a="http://schemas.openxmlformats.org/drawingml/2006/main" xmlns:r="http://schemas.openxmlformats.org/officeDocument/2006/relationships" xmlns:p="http://schemas.openxmlformats.org/presentationml/2006/main">
-  <p:cSld>
-    <p:spTree>
-      <p:nvGrpSpPr>
-        <p:cNvPr id="1" name=""/>
-        <p:cNvGrpSpPr/>
-        <p:nvPr/>
-      </p:nvGrpSpPr>
-      <p:grpSpPr>
-        <a:xfrm>
-          <a:off x="0" y="0"/>
-          <a:ext cx="0" cy="0"/>
-          <a:chOff x="0" y="0"/>
-          <a:chExt cx="0" cy="0"/>
-        </a:xfrm>
-      </p:grpSpPr>
-      <p:sp>
-        <p:nvSpPr>
-          <p:cNvPr id="2" name="Title 1"/>
-          <p:cNvSpPr>
-            <a:spLocks noGrp="1"/>
-          </p:cNvSpPr>
-          <p:nvPr>
-            <p:ph type="title"/>
-          </p:nvPr>
-        </p:nvSpPr>
-        <p:spPr>
-          <a:xfrm>
-            <a:off x="685346" y="609600"/>
-            <a:ext cx="6766974" cy="970450"/>
-          </a:xfrm>
-        </p:spPr>
-        <p:txBody>
-          <a:bodyPr/>
-          <a:lstStyle/>
-          <a:p>
-            <a:r>
-              <a:rPr lang="nl-BE" dirty="0"/>
-              <a:t>Outro</a:t>
-            </a:r>
-          </a:p>
-        </p:txBody>
-      </p:sp>
-      <p:sp>
-        <p:nvSpPr>
-          <p:cNvPr id="3" name="Content Placeholder 2"/>
-          <p:cNvSpPr>
-            <a:spLocks noGrp="1"/>
-          </p:cNvSpPr>
-          <p:nvPr>
-            <p:ph idx="1"/>
-          </p:nvPr>
-        </p:nvSpPr>
-        <p:spPr/>
-        <p:txBody>
-          <a:bodyPr/>
-          <a:lstStyle/>
-          <a:p>
-            <a:r>
-              <a:rPr lang="nl-BE" dirty="0"/>
-              <a:t>Questions?</a:t>
-            </a:r>
-          </a:p>
-          <a:p>
-            <a:endParaRPr lang="nl-BE" dirty="0"/>
-          </a:p>
-          <a:p>
-            <a:pPr marL="45720" indent="0">
-              <a:buNone/>
-            </a:pPr>
-            <a:endParaRPr lang="nl-BE" dirty="0"/>
-          </a:p>
-          <a:p>
-            <a:pPr marL="45720" indent="0">
-              <a:buNone/>
-            </a:pPr>
-            <a:endParaRPr lang="nl-BE" dirty="0"/>
-          </a:p>
-          <a:p>
-            <a:pPr marL="45720" indent="0">
-              <a:buNone/>
-            </a:pPr>
-            <a:endParaRPr lang="nl-BE" dirty="0"/>
-          </a:p>
-        </p:txBody>
-      </p:sp>
-      <p:pic>
-        <p:nvPicPr>
-          <p:cNvPr id="5" name="Picture 4">
-            <a:extLst>
-              <a:ext uri="{FF2B5EF4-FFF2-40B4-BE49-F238E27FC236}">
-                <a16:creationId xmlns:a16="http://schemas.microsoft.com/office/drawing/2014/main" id="{560CF881-EE5E-4E9B-A632-637577B35D56}"/>
-              </a:ext>
-            </a:extLst>
-          </p:cNvPr>
-          <p:cNvPicPr>
-            <a:picLocks noChangeAspect="1"/>
-          </p:cNvPicPr>
-          <p:nvPr/>
-        </p:nvPicPr>
-        <p:blipFill>
-          <a:blip r:embed="rId2" cstate="print">
-            <a:extLst>
-              <a:ext uri="{28A0092B-C50C-407E-A947-70E740481C1C}">
-                <a14:useLocalDpi xmlns:a14="http://schemas.microsoft.com/office/drawing/2010/main" val="0"/>
-              </a:ext>
-            </a:extLst>
-          </a:blip>
-          <a:stretch>
-            <a:fillRect/>
-          </a:stretch>
-        </p:blipFill>
-        <p:spPr>
-          <a:xfrm>
-            <a:off x="7596336" y="187735"/>
-            <a:ext cx="1370401" cy="1544715"/>
-          </a:xfrm>
-          <a:prstGeom prst="rect">
-            <a:avLst/>
-          </a:prstGeom>
-        </p:spPr>
-      </p:pic>
-    </p:spTree>
-    <p:extLst>
-      <p:ext uri="{BB962C8B-B14F-4D97-AF65-F5344CB8AC3E}">
-        <p14:creationId xmlns:p14="http://schemas.microsoft.com/office/powerpoint/2010/main" val="355126368"/>
+        <p14:creationId xmlns:p14="http://schemas.microsoft.com/office/powerpoint/2010/main" val="3930991474"/>
       </p:ext>
     </p:extLst>
   </p:cSld>
@@ -8044,6 +16495,372 @@
     <p:extLst>
       <p:ext uri="{BB962C8B-B14F-4D97-AF65-F5344CB8AC3E}">
         <p14:creationId xmlns:p14="http://schemas.microsoft.com/office/powerpoint/2010/main" val="1698629235"/>
+      </p:ext>
+    </p:extLst>
+  </p:cSld>
+  <p:clrMapOvr>
+    <a:masterClrMapping/>
+  </p:clrMapOvr>
+</p:sld>
+</file>
+
+<file path=ppt/slides/slide20.xml><?xml version="1.0" encoding="utf-8"?>
+<p:sld xmlns:a="http://schemas.openxmlformats.org/drawingml/2006/main" xmlns:r="http://schemas.openxmlformats.org/officeDocument/2006/relationships" xmlns:p="http://schemas.openxmlformats.org/presentationml/2006/main">
+  <p:cSld>
+    <p:spTree>
+      <p:nvGrpSpPr>
+        <p:cNvPr id="1" name=""/>
+        <p:cNvGrpSpPr/>
+        <p:nvPr/>
+      </p:nvGrpSpPr>
+      <p:grpSpPr>
+        <a:xfrm>
+          <a:off x="0" y="0"/>
+          <a:ext cx="0" cy="0"/>
+          <a:chOff x="0" y="0"/>
+          <a:chExt cx="0" cy="0"/>
+        </a:xfrm>
+      </p:grpSpPr>
+      <p:sp>
+        <p:nvSpPr>
+          <p:cNvPr id="2" name="Title 1"/>
+          <p:cNvSpPr>
+            <a:spLocks noGrp="1"/>
+          </p:cNvSpPr>
+          <p:nvPr>
+            <p:ph type="title"/>
+          </p:nvPr>
+        </p:nvSpPr>
+        <p:spPr>
+          <a:xfrm>
+            <a:off x="685346" y="609600"/>
+            <a:ext cx="6766974" cy="970450"/>
+          </a:xfrm>
+        </p:spPr>
+        <p:txBody>
+          <a:bodyPr/>
+          <a:lstStyle/>
+          <a:p>
+            <a:r>
+              <a:rPr lang="nl-BE" dirty="0"/>
+              <a:t>C# 7.1</a:t>
+            </a:r>
+          </a:p>
+        </p:txBody>
+      </p:sp>
+      <p:sp>
+        <p:nvSpPr>
+          <p:cNvPr id="3" name="Content Placeholder 2"/>
+          <p:cNvSpPr>
+            <a:spLocks noGrp="1"/>
+          </p:cNvSpPr>
+          <p:nvPr>
+            <p:ph idx="1"/>
+          </p:nvPr>
+        </p:nvSpPr>
+        <p:spPr>
+          <a:xfrm>
+            <a:off x="685346" y="1732451"/>
+            <a:ext cx="7765322" cy="472414"/>
+          </a:xfrm>
+        </p:spPr>
+        <p:txBody>
+          <a:bodyPr>
+            <a:normAutofit/>
+          </a:bodyPr>
+          <a:lstStyle/>
+          <a:p>
+            <a:r>
+              <a:rPr lang="nl-BE" dirty="0"/>
+              <a:t>Async main for console apps</a:t>
+            </a:r>
+          </a:p>
+        </p:txBody>
+      </p:sp>
+      <p:pic>
+        <p:nvPicPr>
+          <p:cNvPr id="5" name="Picture 4">
+            <a:extLst>
+              <a:ext uri="{FF2B5EF4-FFF2-40B4-BE49-F238E27FC236}">
+                <a16:creationId xmlns:a16="http://schemas.microsoft.com/office/drawing/2014/main" id="{560CF881-EE5E-4E9B-A632-637577B35D56}"/>
+              </a:ext>
+            </a:extLst>
+          </p:cNvPr>
+          <p:cNvPicPr>
+            <a:picLocks noChangeAspect="1"/>
+          </p:cNvPicPr>
+          <p:nvPr/>
+        </p:nvPicPr>
+        <p:blipFill>
+          <a:blip r:embed="rId2" cstate="print">
+            <a:extLst>
+              <a:ext uri="{28A0092B-C50C-407E-A947-70E740481C1C}">
+                <a14:useLocalDpi xmlns:a14="http://schemas.microsoft.com/office/drawing/2010/main" val="0"/>
+              </a:ext>
+            </a:extLst>
+          </a:blip>
+          <a:stretch>
+            <a:fillRect/>
+          </a:stretch>
+        </p:blipFill>
+        <p:spPr>
+          <a:xfrm>
+            <a:off x="7596336" y="187735"/>
+            <a:ext cx="1370401" cy="1544715"/>
+          </a:xfrm>
+          <a:prstGeom prst="rect">
+            <a:avLst/>
+          </a:prstGeom>
+        </p:spPr>
+      </p:pic>
+    </p:spTree>
+    <p:extLst>
+      <p:ext uri="{BB962C8B-B14F-4D97-AF65-F5344CB8AC3E}">
+        <p14:creationId xmlns:p14="http://schemas.microsoft.com/office/powerpoint/2010/main" val="1022015755"/>
+      </p:ext>
+    </p:extLst>
+  </p:cSld>
+  <p:clrMapOvr>
+    <a:masterClrMapping/>
+  </p:clrMapOvr>
+</p:sld>
+</file>
+
+<file path=ppt/slides/slide21.xml><?xml version="1.0" encoding="utf-8"?>
+<p:sld xmlns:a="http://schemas.openxmlformats.org/drawingml/2006/main" xmlns:r="http://schemas.openxmlformats.org/officeDocument/2006/relationships" xmlns:p="http://schemas.openxmlformats.org/presentationml/2006/main">
+  <p:cSld>
+    <p:spTree>
+      <p:nvGrpSpPr>
+        <p:cNvPr id="1" name=""/>
+        <p:cNvGrpSpPr/>
+        <p:nvPr/>
+      </p:nvGrpSpPr>
+      <p:grpSpPr>
+        <a:xfrm>
+          <a:off x="0" y="0"/>
+          <a:ext cx="0" cy="0"/>
+          <a:chOff x="0" y="0"/>
+          <a:chExt cx="0" cy="0"/>
+        </a:xfrm>
+      </p:grpSpPr>
+      <p:sp>
+        <p:nvSpPr>
+          <p:cNvPr id="2" name="Title 1"/>
+          <p:cNvSpPr>
+            <a:spLocks noGrp="1"/>
+          </p:cNvSpPr>
+          <p:nvPr>
+            <p:ph type="title"/>
+          </p:nvPr>
+        </p:nvSpPr>
+        <p:spPr>
+          <a:xfrm>
+            <a:off x="685346" y="609600"/>
+            <a:ext cx="6766974" cy="970450"/>
+          </a:xfrm>
+        </p:spPr>
+        <p:txBody>
+          <a:bodyPr/>
+          <a:lstStyle/>
+          <a:p>
+            <a:r>
+              <a:rPr lang="nl-BE" dirty="0"/>
+              <a:t>C# 7.1</a:t>
+            </a:r>
+          </a:p>
+        </p:txBody>
+      </p:sp>
+      <p:sp>
+        <p:nvSpPr>
+          <p:cNvPr id="3" name="Content Placeholder 2"/>
+          <p:cNvSpPr>
+            <a:spLocks noGrp="1"/>
+          </p:cNvSpPr>
+          <p:nvPr>
+            <p:ph idx="1"/>
+          </p:nvPr>
+        </p:nvSpPr>
+        <p:spPr>
+          <a:xfrm>
+            <a:off x="685346" y="1732451"/>
+            <a:ext cx="7765322" cy="472414"/>
+          </a:xfrm>
+        </p:spPr>
+        <p:txBody>
+          <a:bodyPr>
+            <a:normAutofit/>
+          </a:bodyPr>
+          <a:lstStyle/>
+          <a:p>
+            <a:r>
+              <a:rPr lang="nl-BE" dirty="0"/>
+              <a:t>Async main for console apps</a:t>
+            </a:r>
+          </a:p>
+        </p:txBody>
+      </p:sp>
+      <p:pic>
+        <p:nvPicPr>
+          <p:cNvPr id="5" name="Picture 4">
+            <a:extLst>
+              <a:ext uri="{FF2B5EF4-FFF2-40B4-BE49-F238E27FC236}">
+                <a16:creationId xmlns:a16="http://schemas.microsoft.com/office/drawing/2014/main" id="{560CF881-EE5E-4E9B-A632-637577B35D56}"/>
+              </a:ext>
+            </a:extLst>
+          </p:cNvPr>
+          <p:cNvPicPr>
+            <a:picLocks noChangeAspect="1"/>
+          </p:cNvPicPr>
+          <p:nvPr/>
+        </p:nvPicPr>
+        <p:blipFill>
+          <a:blip r:embed="rId2" cstate="print">
+            <a:extLst>
+              <a:ext uri="{28A0092B-C50C-407E-A947-70E740481C1C}">
+                <a14:useLocalDpi xmlns:a14="http://schemas.microsoft.com/office/drawing/2010/main" val="0"/>
+              </a:ext>
+            </a:extLst>
+          </a:blip>
+          <a:stretch>
+            <a:fillRect/>
+          </a:stretch>
+        </p:blipFill>
+        <p:spPr>
+          <a:xfrm>
+            <a:off x="7596336" y="187735"/>
+            <a:ext cx="1370401" cy="1544715"/>
+          </a:xfrm>
+          <a:prstGeom prst="rect">
+            <a:avLst/>
+          </a:prstGeom>
+        </p:spPr>
+      </p:pic>
+    </p:spTree>
+    <p:extLst>
+      <p:ext uri="{BB962C8B-B14F-4D97-AF65-F5344CB8AC3E}">
+        <p14:creationId xmlns:p14="http://schemas.microsoft.com/office/powerpoint/2010/main" val="4162779734"/>
+      </p:ext>
+    </p:extLst>
+  </p:cSld>
+  <p:clrMapOvr>
+    <a:masterClrMapping/>
+  </p:clrMapOvr>
+</p:sld>
+</file>
+
+<file path=ppt/slides/slide22.xml><?xml version="1.0" encoding="utf-8"?>
+<p:sld xmlns:a="http://schemas.openxmlformats.org/drawingml/2006/main" xmlns:r="http://schemas.openxmlformats.org/officeDocument/2006/relationships" xmlns:p="http://schemas.openxmlformats.org/presentationml/2006/main">
+  <p:cSld>
+    <p:spTree>
+      <p:nvGrpSpPr>
+        <p:cNvPr id="1" name=""/>
+        <p:cNvGrpSpPr/>
+        <p:nvPr/>
+      </p:nvGrpSpPr>
+      <p:grpSpPr>
+        <a:xfrm>
+          <a:off x="0" y="0"/>
+          <a:ext cx="0" cy="0"/>
+          <a:chOff x="0" y="0"/>
+          <a:chExt cx="0" cy="0"/>
+        </a:xfrm>
+      </p:grpSpPr>
+      <p:sp>
+        <p:nvSpPr>
+          <p:cNvPr id="2" name="Title 1"/>
+          <p:cNvSpPr>
+            <a:spLocks noGrp="1"/>
+          </p:cNvSpPr>
+          <p:nvPr>
+            <p:ph type="title"/>
+          </p:nvPr>
+        </p:nvSpPr>
+        <p:spPr>
+          <a:xfrm>
+            <a:off x="685346" y="609600"/>
+            <a:ext cx="6766974" cy="970450"/>
+          </a:xfrm>
+        </p:spPr>
+        <p:txBody>
+          <a:bodyPr/>
+          <a:lstStyle/>
+          <a:p>
+            <a:r>
+              <a:rPr lang="nl-BE" dirty="0"/>
+              <a:t>C# 7.1</a:t>
+            </a:r>
+          </a:p>
+        </p:txBody>
+      </p:sp>
+      <p:sp>
+        <p:nvSpPr>
+          <p:cNvPr id="3" name="Content Placeholder 2"/>
+          <p:cNvSpPr>
+            <a:spLocks noGrp="1"/>
+          </p:cNvSpPr>
+          <p:nvPr>
+            <p:ph idx="1"/>
+          </p:nvPr>
+        </p:nvSpPr>
+        <p:spPr>
+          <a:xfrm>
+            <a:off x="685346" y="1732451"/>
+            <a:ext cx="7765322" cy="472414"/>
+          </a:xfrm>
+        </p:spPr>
+        <p:txBody>
+          <a:bodyPr>
+            <a:normAutofit/>
+          </a:bodyPr>
+          <a:lstStyle/>
+          <a:p>
+            <a:r>
+              <a:rPr lang="nl-BE" dirty="0"/>
+              <a:t>Async main for console apps</a:t>
+            </a:r>
+          </a:p>
+        </p:txBody>
+      </p:sp>
+      <p:pic>
+        <p:nvPicPr>
+          <p:cNvPr id="5" name="Picture 4">
+            <a:extLst>
+              <a:ext uri="{FF2B5EF4-FFF2-40B4-BE49-F238E27FC236}">
+                <a16:creationId xmlns:a16="http://schemas.microsoft.com/office/drawing/2014/main" id="{560CF881-EE5E-4E9B-A632-637577B35D56}"/>
+              </a:ext>
+            </a:extLst>
+          </p:cNvPr>
+          <p:cNvPicPr>
+            <a:picLocks noChangeAspect="1"/>
+          </p:cNvPicPr>
+          <p:nvPr/>
+        </p:nvPicPr>
+        <p:blipFill>
+          <a:blip r:embed="rId2" cstate="print">
+            <a:extLst>
+              <a:ext uri="{28A0092B-C50C-407E-A947-70E740481C1C}">
+                <a14:useLocalDpi xmlns:a14="http://schemas.microsoft.com/office/drawing/2010/main" val="0"/>
+              </a:ext>
+            </a:extLst>
+          </a:blip>
+          <a:stretch>
+            <a:fillRect/>
+          </a:stretch>
+        </p:blipFill>
+        <p:spPr>
+          <a:xfrm>
+            <a:off x="7596336" y="187735"/>
+            <a:ext cx="1370401" cy="1544715"/>
+          </a:xfrm>
+          <a:prstGeom prst="rect">
+            <a:avLst/>
+          </a:prstGeom>
+        </p:spPr>
+      </p:pic>
+    </p:spTree>
+    <p:extLst>
+      <p:ext uri="{BB962C8B-B14F-4D97-AF65-F5344CB8AC3E}">
+        <p14:creationId xmlns:p14="http://schemas.microsoft.com/office/powerpoint/2010/main" val="3909732498"/>
       </p:ext>
     </p:extLst>
   </p:cSld>

--- a/Slides.pptx
+++ b/Slides.pptx
@@ -29416,7 +29416,7 @@
         <p:spPr>
           <a:xfrm>
             <a:off x="685345" y="1732450"/>
-            <a:ext cx="8281391" cy="3208717"/>
+            <a:ext cx="8281391" cy="4144822"/>
           </a:xfrm>
         </p:spPr>
         <p:txBody>
@@ -29466,6 +29466,12 @@
             <a:r>
               <a:rPr lang="nl-BE" sz="2800" dirty="0"/>
               <a:t>Questions?</a:t>
+            </a:r>
+          </a:p>
+          <a:p>
+            <a:r>
+              <a:rPr lang="nl-BE" sz="2800" dirty="0"/>
+              <a:t>Uitrijcode parking: 10460</a:t>
             </a:r>
           </a:p>
         </p:txBody>

--- a/Slides.pptx
+++ b/Slides.pptx
@@ -6580,6 +6580,42 @@
           </a:p>
         </p:txBody>
       </p:sp>
+      <p:pic>
+        <p:nvPicPr>
+          <p:cNvPr id="3" name="Picture 2">
+            <a:extLst>
+              <a:ext uri="{FF2B5EF4-FFF2-40B4-BE49-F238E27FC236}">
+                <a16:creationId xmlns:a16="http://schemas.microsoft.com/office/drawing/2014/main" id="{06812AA7-44B0-41D8-8FA5-83E09B7F4285}"/>
+              </a:ext>
+            </a:extLst>
+          </p:cNvPr>
+          <p:cNvPicPr>
+            <a:picLocks noChangeAspect="1"/>
+          </p:cNvPicPr>
+          <p:nvPr/>
+        </p:nvPicPr>
+        <p:blipFill>
+          <a:blip r:embed="rId4" cstate="print">
+            <a:extLst>
+              <a:ext uri="{28A0092B-C50C-407E-A947-70E740481C1C}">
+                <a14:useLocalDpi xmlns:a14="http://schemas.microsoft.com/office/drawing/2010/main" val="0"/>
+              </a:ext>
+            </a:extLst>
+          </a:blip>
+          <a:stretch>
+            <a:fillRect/>
+          </a:stretch>
+        </p:blipFill>
+        <p:spPr>
+          <a:xfrm>
+            <a:off x="7250571" y="130961"/>
+            <a:ext cx="1652019" cy="2438405"/>
+          </a:xfrm>
+          <a:prstGeom prst="rect">
+            <a:avLst/>
+          </a:prstGeom>
+        </p:spPr>
+      </p:pic>
     </p:spTree>
     <p:extLst>
       <p:ext uri="{BB962C8B-B14F-4D97-AF65-F5344CB8AC3E}">
@@ -29135,8 +29171,8 @@
         </p:nvSpPr>
         <p:spPr>
           <a:xfrm>
-            <a:off x="685346" y="1732451"/>
-            <a:ext cx="7765322" cy="970450"/>
+            <a:off x="685346" y="1732450"/>
+            <a:ext cx="7765322" cy="1696549"/>
           </a:xfrm>
         </p:spPr>
         <p:txBody>
@@ -29158,7 +29194,16 @@
             </a:r>
             <a:r>
               <a:rPr lang="nl-BE" i="1" dirty="0"/>
-              <a:t> “I call it my billion-dollar mistake”</a:t>
+              <a:t> 	</a:t>
+            </a:r>
+          </a:p>
+          <a:p>
+            <a:pPr marL="36900" indent="0">
+              <a:buNone/>
+            </a:pPr>
+            <a:r>
+              <a:rPr lang="nl-BE" i="1" dirty="0"/>
+              <a:t>			“I call it my billion-dollar mistake”</a:t>
             </a:r>
           </a:p>
           <a:p>
@@ -29216,7 +29261,7 @@
         </p:nvSpPr>
         <p:spPr>
           <a:xfrm>
-            <a:off x="1043608" y="2564904"/>
+            <a:off x="1043608" y="4386887"/>
             <a:ext cx="7632848" cy="1477328"/>
           </a:xfrm>
           <a:prstGeom prst="rect">
@@ -29346,6 +29391,42 @@
           </a:p>
         </p:txBody>
       </p:sp>
+      <p:pic>
+        <p:nvPicPr>
+          <p:cNvPr id="7" name="Picture 6">
+            <a:extLst>
+              <a:ext uri="{FF2B5EF4-FFF2-40B4-BE49-F238E27FC236}">
+                <a16:creationId xmlns:a16="http://schemas.microsoft.com/office/drawing/2014/main" id="{E90B277A-9F7B-4287-9A1B-290755D1CDE4}"/>
+              </a:ext>
+            </a:extLst>
+          </p:cNvPr>
+          <p:cNvPicPr>
+            <a:picLocks noChangeAspect="1"/>
+          </p:cNvPicPr>
+          <p:nvPr/>
+        </p:nvPicPr>
+        <p:blipFill>
+          <a:blip r:embed="rId4">
+            <a:extLst>
+              <a:ext uri="{28A0092B-C50C-407E-A947-70E740481C1C}">
+                <a14:useLocalDpi xmlns:a14="http://schemas.microsoft.com/office/drawing/2010/main" val="0"/>
+              </a:ext>
+            </a:extLst>
+          </a:blip>
+          <a:stretch>
+            <a:fillRect/>
+          </a:stretch>
+        </p:blipFill>
+        <p:spPr>
+          <a:xfrm>
+            <a:off x="6618278" y="2011918"/>
+            <a:ext cx="2095500" cy="2095500"/>
+          </a:xfrm>
+          <a:prstGeom prst="rect">
+            <a:avLst/>
+          </a:prstGeom>
+        </p:spPr>
+      </p:pic>
     </p:spTree>
     <p:extLst>
       <p:ext uri="{BB962C8B-B14F-4D97-AF65-F5344CB8AC3E}">

--- a/Slides.pptx
+++ b/Slides.pptx
@@ -6,7 +6,7 @@
     <p:sldMasterId id="2147484062" r:id="rId2"/>
   </p:sldMasterIdLst>
   <p:notesMasterIdLst>
-    <p:notesMasterId r:id="rId43"/>
+    <p:notesMasterId r:id="rId44"/>
   </p:notesMasterIdLst>
   <p:sldIdLst>
     <p:sldId id="304" r:id="rId3"/>
@@ -49,6 +49,7 @@
     <p:sldId id="293" r:id="rId40"/>
     <p:sldId id="285" r:id="rId41"/>
     <p:sldId id="295" r:id="rId42"/>
+    <p:sldId id="305" r:id="rId43"/>
   </p:sldIdLst>
   <p:sldSz cx="9144000" cy="6858000" type="screen4x3"/>
   <p:notesSz cx="6858000" cy="9144000"/>
@@ -6187,7 +6188,7 @@
           <a:noFill/>
           <a:extLst>
             <a:ext uri="{909E8E84-426E-40dd-AFC4-6F175D3DCCD1}">
-              <a14:hiddenFill xmlns="" xmlns:a14="http://schemas.microsoft.com/office/drawing/2010/main">
+              <a14:hiddenFill xmlns:a14="http://schemas.microsoft.com/office/drawing/2010/main" xmlns="">
                 <a:solidFill>
                   <a:srgbClr val="FFFFFF"/>
                 </a:solidFill>
@@ -6228,7 +6229,7 @@
           <a:noFill/>
           <a:extLst>
             <a:ext uri="{909E8E84-426E-40dd-AFC4-6F175D3DCCD1}">
-              <a14:hiddenFill xmlns="" xmlns:a14="http://schemas.microsoft.com/office/drawing/2010/main">
+              <a14:hiddenFill xmlns:a14="http://schemas.microsoft.com/office/drawing/2010/main" xmlns="">
                 <a:solidFill>
                   <a:srgbClr val="FFFFFF"/>
                 </a:solidFill>
@@ -6271,7 +6272,7 @@
           <a:noFill/>
           <a:extLst>
             <a:ext uri="{909E8E84-426E-40dd-AFC4-6F175D3DCCD1}">
-              <a14:hiddenFill xmlns="" xmlns:a14="http://schemas.microsoft.com/office/drawing/2010/main">
+              <a14:hiddenFill xmlns:a14="http://schemas.microsoft.com/office/drawing/2010/main" xmlns="">
                 <a:solidFill>
                   <a:srgbClr val="FFFFFF"/>
                 </a:solidFill>
@@ -6314,7 +6315,7 @@
           <a:noFill/>
           <a:extLst>
             <a:ext uri="{909E8E84-426E-40dd-AFC4-6F175D3DCCD1}">
-              <a14:hiddenFill xmlns="" xmlns:a14="http://schemas.microsoft.com/office/drawing/2010/main">
+              <a14:hiddenFill xmlns:a14="http://schemas.microsoft.com/office/drawing/2010/main" xmlns="">
                 <a:solidFill>
                   <a:srgbClr val="FFFFFF"/>
                 </a:solidFill>
@@ -6357,7 +6358,7 @@
           <a:noFill/>
           <a:extLst>
             <a:ext uri="{909E8E84-426E-40dd-AFC4-6F175D3DCCD1}">
-              <a14:hiddenFill xmlns="" xmlns:a14="http://schemas.microsoft.com/office/drawing/2010/main">
+              <a14:hiddenFill xmlns:a14="http://schemas.microsoft.com/office/drawing/2010/main" xmlns="">
                 <a:solidFill>
                   <a:srgbClr val="FFFFFF"/>
                 </a:solidFill>
@@ -6400,7 +6401,7 @@
           <a:noFill/>
           <a:extLst>
             <a:ext uri="{909E8E84-426E-40dd-AFC4-6F175D3DCCD1}">
-              <a14:hiddenFill xmlns="" xmlns:a14="http://schemas.microsoft.com/office/drawing/2010/main">
+              <a14:hiddenFill xmlns:a14="http://schemas.microsoft.com/office/drawing/2010/main" xmlns="">
                 <a:solidFill>
                   <a:srgbClr val="FFFFFF"/>
                 </a:solidFill>
@@ -6443,7 +6444,7 @@
           <a:noFill/>
           <a:extLst>
             <a:ext uri="{909E8E84-426E-40dd-AFC4-6F175D3DCCD1}">
-              <a14:hiddenFill xmlns="" xmlns:a14="http://schemas.microsoft.com/office/drawing/2010/main">
+              <a14:hiddenFill xmlns:a14="http://schemas.microsoft.com/office/drawing/2010/main" xmlns="">
                 <a:solidFill>
                   <a:srgbClr val="FFFFFF"/>
                 </a:solidFill>
@@ -28219,7 +28220,7 @@
         </p:nvSpPr>
         <p:spPr>
           <a:xfrm>
-            <a:off x="5004048" y="1412776"/>
+            <a:off x="4971437" y="1504834"/>
             <a:ext cx="3096344" cy="1200329"/>
           </a:xfrm>
           <a:prstGeom prst="rect">
@@ -36601,6 +36602,59 @@
     <p:extLst>
       <p:ext uri="{BB962C8B-B14F-4D97-AF65-F5344CB8AC3E}">
         <p14:creationId xmlns:p14="http://schemas.microsoft.com/office/powerpoint/2010/main" val="2230242028"/>
+      </p:ext>
+    </p:extLst>
+  </p:cSld>
+  <p:clrMapOvr>
+    <a:masterClrMapping/>
+  </p:clrMapOvr>
+</p:sld>
+</file>
+
+<file path=ppt/slides/slide41.xml><?xml version="1.0" encoding="utf-8"?>
+<p:sld xmlns:a="http://schemas.openxmlformats.org/drawingml/2006/main" xmlns:r="http://schemas.openxmlformats.org/officeDocument/2006/relationships" xmlns:p="http://schemas.openxmlformats.org/presentationml/2006/main">
+  <p:cSld>
+    <p:spTree>
+      <p:nvGrpSpPr>
+        <p:cNvPr id="1" name=""/>
+        <p:cNvGrpSpPr/>
+        <p:nvPr/>
+      </p:nvGrpSpPr>
+      <p:grpSpPr>
+        <a:xfrm>
+          <a:off x="0" y="0"/>
+          <a:ext cx="0" cy="0"/>
+          <a:chOff x="0" y="0"/>
+          <a:chExt cx="0" cy="0"/>
+        </a:xfrm>
+      </p:grpSpPr>
+      <p:sp>
+        <p:nvSpPr>
+          <p:cNvPr id="2" name="Title 1"/>
+          <p:cNvSpPr>
+            <a:spLocks noGrp="1"/>
+          </p:cNvSpPr>
+          <p:nvPr>
+            <p:ph type="title"/>
+          </p:nvPr>
+        </p:nvSpPr>
+        <p:spPr/>
+        <p:txBody>
+          <a:bodyPr/>
+          <a:lstStyle/>
+          <a:p>
+            <a:r>
+              <a:rPr lang="en-US" b="1" dirty="0"/>
+              <a:t>Thank you!</a:t>
+            </a:r>
+            <a:endParaRPr lang="en-GB" b="1" dirty="0"/>
+          </a:p>
+        </p:txBody>
+      </p:sp>
+    </p:spTree>
+    <p:extLst>
+      <p:ext uri="{BB962C8B-B14F-4D97-AF65-F5344CB8AC3E}">
+        <p14:creationId xmlns:p14="http://schemas.microsoft.com/office/powerpoint/2010/main" val="1899775788"/>
       </p:ext>
     </p:extLst>
   </p:cSld>
